--- a/documents/신입프로젝트_게시판_수정.pptx
+++ b/documents/신입프로젝트_게시판_수정.pptx
@@ -265,7 +265,7 @@
           <a:p>
             <a:fld id="{1A04FA71-112E-4FFA-AA9C-36DCFB1630E0}" type="datetimeFigureOut">
               <a:rPr lang="ko-KR" altLang="en-US" smtClean="0"/>
-              <a:t>2022-12-27</a:t>
+              <a:t>2022-12-28</a:t>
             </a:fld>
             <a:endParaRPr lang="ko-KR" altLang="en-US"/>
           </a:p>
@@ -463,7 +463,7 @@
           <a:p>
             <a:fld id="{1A04FA71-112E-4FFA-AA9C-36DCFB1630E0}" type="datetimeFigureOut">
               <a:rPr lang="ko-KR" altLang="en-US" smtClean="0"/>
-              <a:t>2022-12-27</a:t>
+              <a:t>2022-12-28</a:t>
             </a:fld>
             <a:endParaRPr lang="ko-KR" altLang="en-US"/>
           </a:p>
@@ -671,7 +671,7 @@
           <a:p>
             <a:fld id="{1A04FA71-112E-4FFA-AA9C-36DCFB1630E0}" type="datetimeFigureOut">
               <a:rPr lang="ko-KR" altLang="en-US" smtClean="0"/>
-              <a:t>2022-12-27</a:t>
+              <a:t>2022-12-28</a:t>
             </a:fld>
             <a:endParaRPr lang="ko-KR" altLang="en-US"/>
           </a:p>
@@ -869,7 +869,7 @@
           <a:p>
             <a:fld id="{1A04FA71-112E-4FFA-AA9C-36DCFB1630E0}" type="datetimeFigureOut">
               <a:rPr lang="ko-KR" altLang="en-US" smtClean="0"/>
-              <a:t>2022-12-27</a:t>
+              <a:t>2022-12-28</a:t>
             </a:fld>
             <a:endParaRPr lang="ko-KR" altLang="en-US"/>
           </a:p>
@@ -1144,7 +1144,7 @@
           <a:p>
             <a:fld id="{1A04FA71-112E-4FFA-AA9C-36DCFB1630E0}" type="datetimeFigureOut">
               <a:rPr lang="ko-KR" altLang="en-US" smtClean="0"/>
-              <a:t>2022-12-27</a:t>
+              <a:t>2022-12-28</a:t>
             </a:fld>
             <a:endParaRPr lang="ko-KR" altLang="en-US"/>
           </a:p>
@@ -1409,7 +1409,7 @@
           <a:p>
             <a:fld id="{1A04FA71-112E-4FFA-AA9C-36DCFB1630E0}" type="datetimeFigureOut">
               <a:rPr lang="ko-KR" altLang="en-US" smtClean="0"/>
-              <a:t>2022-12-27</a:t>
+              <a:t>2022-12-28</a:t>
             </a:fld>
             <a:endParaRPr lang="ko-KR" altLang="en-US"/>
           </a:p>
@@ -1821,7 +1821,7 @@
           <a:p>
             <a:fld id="{1A04FA71-112E-4FFA-AA9C-36DCFB1630E0}" type="datetimeFigureOut">
               <a:rPr lang="ko-KR" altLang="en-US" smtClean="0"/>
-              <a:t>2022-12-27</a:t>
+              <a:t>2022-12-28</a:t>
             </a:fld>
             <a:endParaRPr lang="ko-KR" altLang="en-US"/>
           </a:p>
@@ -1962,7 +1962,7 @@
           <a:p>
             <a:fld id="{1A04FA71-112E-4FFA-AA9C-36DCFB1630E0}" type="datetimeFigureOut">
               <a:rPr lang="ko-KR" altLang="en-US" smtClean="0"/>
-              <a:t>2022-12-27</a:t>
+              <a:t>2022-12-28</a:t>
             </a:fld>
             <a:endParaRPr lang="ko-KR" altLang="en-US"/>
           </a:p>
@@ -2075,7 +2075,7 @@
           <a:p>
             <a:fld id="{1A04FA71-112E-4FFA-AA9C-36DCFB1630E0}" type="datetimeFigureOut">
               <a:rPr lang="ko-KR" altLang="en-US" smtClean="0"/>
-              <a:t>2022-12-27</a:t>
+              <a:t>2022-12-28</a:t>
             </a:fld>
             <a:endParaRPr lang="ko-KR" altLang="en-US"/>
           </a:p>
@@ -2386,7 +2386,7 @@
           <a:p>
             <a:fld id="{1A04FA71-112E-4FFA-AA9C-36DCFB1630E0}" type="datetimeFigureOut">
               <a:rPr lang="ko-KR" altLang="en-US" smtClean="0"/>
-              <a:t>2022-12-27</a:t>
+              <a:t>2022-12-28</a:t>
             </a:fld>
             <a:endParaRPr lang="ko-KR" altLang="en-US"/>
           </a:p>
@@ -2674,7 +2674,7 @@
           <a:p>
             <a:fld id="{1A04FA71-112E-4FFA-AA9C-36DCFB1630E0}" type="datetimeFigureOut">
               <a:rPr lang="ko-KR" altLang="en-US" smtClean="0"/>
-              <a:t>2022-12-27</a:t>
+              <a:t>2022-12-28</a:t>
             </a:fld>
             <a:endParaRPr lang="ko-KR" altLang="en-US"/>
           </a:p>
@@ -2915,7 +2915,7 @@
           <a:p>
             <a:fld id="{1A04FA71-112E-4FFA-AA9C-36DCFB1630E0}" type="datetimeFigureOut">
               <a:rPr lang="ko-KR" altLang="en-US" smtClean="0"/>
-              <a:t>2022-12-27</a:t>
+              <a:t>2022-12-28</a:t>
             </a:fld>
             <a:endParaRPr lang="ko-KR" altLang="en-US"/>
           </a:p>
@@ -3823,6 +3823,60 @@
               </a:solidFill>
             </a:endParaRPr>
           </a:p>
+          <a:p>
+            <a:pPr marL="342900" indent="-342900">
+              <a:buAutoNum type="arabicPeriod"/>
+            </a:pPr>
+            <a:endParaRPr lang="en-US" altLang="ko-KR" sz="1000" dirty="0">
+              <a:solidFill>
+                <a:schemeClr val="bg2">
+                  <a:lumMod val="25000"/>
+                </a:schemeClr>
+              </a:solidFill>
+            </a:endParaRPr>
+          </a:p>
+          <a:p>
+            <a:pPr marL="342900" indent="-342900">
+              <a:buAutoNum type="arabicPeriod"/>
+            </a:pPr>
+            <a:r>
+              <a:rPr lang="ko-KR" altLang="en-US" sz="1000" dirty="0">
+                <a:solidFill>
+                  <a:schemeClr val="bg2">
+                    <a:lumMod val="25000"/>
+                  </a:schemeClr>
+                </a:solidFill>
+              </a:rPr>
+              <a:t>로그인</a:t>
+            </a:r>
+            <a:r>
+              <a:rPr lang="en-US" altLang="ko-KR" sz="1000" dirty="0">
+                <a:solidFill>
+                  <a:schemeClr val="bg2">
+                    <a:lumMod val="25000"/>
+                  </a:schemeClr>
+                </a:solidFill>
+              </a:rPr>
+              <a:t>, </a:t>
+            </a:r>
+            <a:r>
+              <a:rPr lang="ko-KR" altLang="en-US" sz="1000" dirty="0">
+                <a:solidFill>
+                  <a:schemeClr val="bg2">
+                    <a:lumMod val="25000"/>
+                  </a:schemeClr>
+                </a:solidFill>
+              </a:rPr>
+              <a:t>회원가입 버튼간 공간확보</a:t>
+            </a:r>
+            <a:endParaRPr lang="en-US" altLang="ko-KR" sz="1000" dirty="0">
+              <a:solidFill>
+                <a:schemeClr val="bg2">
+                  <a:lumMod val="25000"/>
+                </a:schemeClr>
+              </a:solidFill>
+            </a:endParaRPr>
+          </a:p>
         </p:txBody>
       </p:sp>
       <p:sp>
@@ -11056,18 +11110,16 @@
                 </a:solidFill>
               </a:rPr>
             </a:br>
-            <a:endParaRPr lang="en-US" altLang="ko-KR" sz="1000" dirty="0">
-              <a:solidFill>
-                <a:schemeClr val="bg2">
-                  <a:lumMod val="25000"/>
-                </a:schemeClr>
-              </a:solidFill>
-            </a:endParaRPr>
-          </a:p>
-          <a:p>
-            <a:pPr marL="342900" indent="-342900">
-              <a:buAutoNum type="arabicPeriod"/>
-            </a:pPr>
+            <a:r>
+              <a:rPr lang="ko-KR" altLang="en-US" sz="1000" dirty="0" err="1">
+                <a:solidFill>
+                  <a:schemeClr val="bg2">
+                    <a:lumMod val="25000"/>
+                  </a:schemeClr>
+                </a:solidFill>
+              </a:rPr>
+              <a:t>ㆍ빈값으로</a:t>
+            </a:r>
             <a:r>
               <a:rPr lang="ko-KR" altLang="en-US" sz="1000" dirty="0">
                 <a:solidFill>
@@ -11076,243 +11128,7 @@
                   </a:schemeClr>
                 </a:solidFill>
               </a:rPr>
-              <a:t>정렬기능 구현</a:t>
-            </a:r>
-            <a:br>
-              <a:rPr lang="en-US" altLang="ko-KR" sz="1000" dirty="0">
-                <a:solidFill>
-                  <a:schemeClr val="bg2">
-                    <a:lumMod val="25000"/>
-                  </a:schemeClr>
-                </a:solidFill>
-              </a:rPr>
-            </a:br>
-            <a:r>
-              <a:rPr lang="ko-KR" altLang="en-US" sz="1000" dirty="0" err="1">
-                <a:solidFill>
-                  <a:schemeClr val="bg2">
-                    <a:lumMod val="25000"/>
-                  </a:schemeClr>
-                </a:solidFill>
-              </a:rPr>
-              <a:t>ㆍ번호</a:t>
-            </a:r>
-            <a:r>
-              <a:rPr lang="en-US" altLang="ko-KR" sz="1000" dirty="0">
-                <a:solidFill>
-                  <a:schemeClr val="bg2">
-                    <a:lumMod val="25000"/>
-                  </a:schemeClr>
-                </a:solidFill>
-              </a:rPr>
-              <a:t> / </a:t>
-            </a:r>
-            <a:r>
-              <a:rPr lang="ko-KR" altLang="en-US" sz="1000" dirty="0">
-                <a:solidFill>
-                  <a:schemeClr val="bg2">
-                    <a:lumMod val="25000"/>
-                  </a:schemeClr>
-                </a:solidFill>
-              </a:rPr>
-              <a:t>제목 </a:t>
-            </a:r>
-            <a:r>
-              <a:rPr lang="en-US" altLang="ko-KR" sz="1000" dirty="0">
-                <a:solidFill>
-                  <a:schemeClr val="bg2">
-                    <a:lumMod val="25000"/>
-                  </a:schemeClr>
-                </a:solidFill>
-              </a:rPr>
-              <a:t>/ </a:t>
-            </a:r>
-            <a:r>
-              <a:rPr lang="ko-KR" altLang="en-US" sz="1000" dirty="0">
-                <a:solidFill>
-                  <a:schemeClr val="bg2">
-                    <a:lumMod val="25000"/>
-                  </a:schemeClr>
-                </a:solidFill>
-              </a:rPr>
-              <a:t>작성자 </a:t>
-            </a:r>
-            <a:r>
-              <a:rPr lang="en-US" altLang="ko-KR" sz="1000" dirty="0">
-                <a:solidFill>
-                  <a:schemeClr val="bg2">
-                    <a:lumMod val="25000"/>
-                  </a:schemeClr>
-                </a:solidFill>
-              </a:rPr>
-              <a:t>/ </a:t>
-            </a:r>
-            <a:r>
-              <a:rPr lang="ko-KR" altLang="en-US" sz="1000" dirty="0">
-                <a:solidFill>
-                  <a:schemeClr val="bg2">
-                    <a:lumMod val="25000"/>
-                  </a:schemeClr>
-                </a:solidFill>
-              </a:rPr>
-              <a:t>작성일자 별로 정렬 가능</a:t>
-            </a:r>
-            <a:br>
-              <a:rPr lang="en-US" altLang="ko-KR" sz="1000" dirty="0">
-                <a:solidFill>
-                  <a:schemeClr val="bg2">
-                    <a:lumMod val="25000"/>
-                  </a:schemeClr>
-                </a:solidFill>
-              </a:rPr>
-            </a:br>
-            <a:r>
-              <a:rPr lang="ko-KR" altLang="en-US" sz="1000" dirty="0" err="1">
-                <a:solidFill>
-                  <a:schemeClr val="bg2">
-                    <a:lumMod val="25000"/>
-                  </a:schemeClr>
-                </a:solidFill>
-              </a:rPr>
-              <a:t>ㆍ정렬하고자</a:t>
-            </a:r>
-            <a:r>
-              <a:rPr lang="ko-KR" altLang="en-US" sz="1000" dirty="0">
-                <a:solidFill>
-                  <a:schemeClr val="bg2">
-                    <a:lumMod val="25000"/>
-                  </a:schemeClr>
-                </a:solidFill>
-              </a:rPr>
-              <a:t> 하는 필드명을 누르면 정렬 됨</a:t>
-            </a:r>
-            <a:br>
-              <a:rPr lang="en-US" altLang="ko-KR" sz="1000" dirty="0">
-                <a:solidFill>
-                  <a:schemeClr val="bg2">
-                    <a:lumMod val="25000"/>
-                  </a:schemeClr>
-                </a:solidFill>
-              </a:rPr>
-            </a:br>
-            <a:r>
-              <a:rPr lang="ko-KR" altLang="en-US" sz="1000" dirty="0" err="1">
-                <a:solidFill>
-                  <a:schemeClr val="bg2">
-                    <a:lumMod val="25000"/>
-                  </a:schemeClr>
-                </a:solidFill>
-              </a:rPr>
-              <a:t>ㆍ필드명</a:t>
-            </a:r>
-            <a:r>
-              <a:rPr lang="ko-KR" altLang="en-US" sz="1000" dirty="0">
-                <a:solidFill>
-                  <a:schemeClr val="bg2">
-                    <a:lumMod val="25000"/>
-                  </a:schemeClr>
-                </a:solidFill>
-              </a:rPr>
-              <a:t> 옆에 정렬방향 표시 </a:t>
-            </a:r>
-            <a:br>
-              <a:rPr lang="en-US" altLang="ko-KR" sz="1000" dirty="0">
-                <a:solidFill>
-                  <a:schemeClr val="bg2">
-                    <a:lumMod val="25000"/>
-                  </a:schemeClr>
-                </a:solidFill>
-              </a:rPr>
-            </a:br>
-            <a:r>
-              <a:rPr lang="en-US" altLang="ko-KR" sz="1000" dirty="0">
-                <a:solidFill>
-                  <a:schemeClr val="bg2">
-                    <a:lumMod val="25000"/>
-                  </a:schemeClr>
-                </a:solidFill>
-              </a:rPr>
-              <a:t>   (</a:t>
-            </a:r>
-            <a:r>
-              <a:rPr lang="ko-KR" altLang="en-US" sz="1000" dirty="0">
-                <a:solidFill>
-                  <a:schemeClr val="bg2">
-                    <a:lumMod val="25000"/>
-                  </a:schemeClr>
-                </a:solidFill>
-              </a:rPr>
-              <a:t>▼ </a:t>
-            </a:r>
-            <a:r>
-              <a:rPr lang="en-US" altLang="ko-KR" sz="1000" dirty="0">
-                <a:solidFill>
-                  <a:schemeClr val="bg2">
-                    <a:lumMod val="25000"/>
-                  </a:schemeClr>
-                </a:solidFill>
-              </a:rPr>
-              <a:t>- </a:t>
-            </a:r>
-            <a:r>
-              <a:rPr lang="ko-KR" altLang="en-US" sz="1000" dirty="0">
-                <a:solidFill>
-                  <a:schemeClr val="bg2">
-                    <a:lumMod val="25000"/>
-                  </a:schemeClr>
-                </a:solidFill>
-              </a:rPr>
-              <a:t>내림차순</a:t>
-            </a:r>
-            <a:r>
-              <a:rPr lang="en-US" altLang="ko-KR" sz="1000" dirty="0">
-                <a:solidFill>
-                  <a:schemeClr val="bg2">
-                    <a:lumMod val="25000"/>
-                  </a:schemeClr>
-                </a:solidFill>
-              </a:rPr>
-              <a:t>, </a:t>
-            </a:r>
-            <a:r>
-              <a:rPr lang="ko-KR" altLang="en-US" sz="1000" dirty="0">
-                <a:solidFill>
-                  <a:schemeClr val="bg2">
-                    <a:lumMod val="25000"/>
-                  </a:schemeClr>
-                </a:solidFill>
-              </a:rPr>
-              <a:t>▲ </a:t>
-            </a:r>
-            <a:r>
-              <a:rPr lang="en-US" altLang="ko-KR" sz="1000" dirty="0">
-                <a:solidFill>
-                  <a:schemeClr val="bg2">
-                    <a:lumMod val="25000"/>
-                  </a:schemeClr>
-                </a:solidFill>
-              </a:rPr>
-              <a:t>- </a:t>
-            </a:r>
-            <a:r>
-              <a:rPr lang="ko-KR" altLang="en-US" sz="1000" dirty="0">
-                <a:solidFill>
-                  <a:schemeClr val="bg2">
-                    <a:lumMod val="25000"/>
-                  </a:schemeClr>
-                </a:solidFill>
-              </a:rPr>
-              <a:t>오름차순</a:t>
-            </a:r>
-            <a:r>
-              <a:rPr lang="en-US" altLang="ko-KR" sz="1000" dirty="0">
-                <a:solidFill>
-                  <a:schemeClr val="bg2">
-                    <a:lumMod val="25000"/>
-                  </a:schemeClr>
-                </a:solidFill>
-              </a:rPr>
-              <a:t>)</a:t>
+              <a:t> 검색 시 전체검색 기능으로 진행</a:t>
             </a:r>
             <a:br>
               <a:rPr lang="en-US" altLang="ko-KR" sz="1000" dirty="0">
@@ -11343,7 +11159,7 @@
                   </a:schemeClr>
                 </a:solidFill>
               </a:rPr>
-              <a:t>페이지기능 구현</a:t>
+              <a:t>정렬기능 구현</a:t>
             </a:r>
             <a:br>
               <a:rPr lang="en-US" altLang="ko-KR" sz="1000" dirty="0">
@@ -11362,7 +11178,17 @@
                   </a:schemeClr>
                 </a:solidFill>
               </a:rPr>
-              <a:t>ㆍ한페이지당</a:t>
+              <a:t>ㆍ번호</a:t>
+            </a:r>
+            <a:r>
+              <a:rPr lang="en-US" altLang="ko-KR" sz="1000" dirty="0">
+                <a:solidFill>
+                  <a:schemeClr val="bg2">
+                    <a:lumMod val="25000"/>
+                  </a:schemeClr>
+                </a:solidFill>
+              </a:rPr>
+              <a:t> / </a:t>
             </a:r>
             <a:r>
               <a:rPr lang="ko-KR" altLang="en-US" sz="1000" dirty="0">
@@ -11372,7 +11198,7 @@
                   </a:schemeClr>
                 </a:solidFill>
               </a:rPr>
-              <a:t> </a:t>
+              <a:t>제목 </a:t>
             </a:r>
             <a:r>
               <a:rPr lang="en-US" altLang="ko-KR" sz="1000" dirty="0">
@@ -11382,7 +11208,7 @@
                   </a:schemeClr>
                 </a:solidFill>
               </a:rPr>
-              <a:t>10</a:t>
+              <a:t>/ </a:t>
             </a:r>
             <a:r>
               <a:rPr lang="ko-KR" altLang="en-US" sz="1000" dirty="0">
@@ -11392,7 +11218,27 @@
                   </a:schemeClr>
                 </a:solidFill>
               </a:rPr>
-              <a:t>건 씩 표시</a:t>
+              <a:t>작성자 </a:t>
+            </a:r>
+            <a:r>
+              <a:rPr lang="en-US" altLang="ko-KR" sz="1000" dirty="0">
+                <a:solidFill>
+                  <a:schemeClr val="bg2">
+                    <a:lumMod val="25000"/>
+                  </a:schemeClr>
+                </a:solidFill>
+              </a:rPr>
+              <a:t>/ </a:t>
+            </a:r>
+            <a:r>
+              <a:rPr lang="ko-KR" altLang="en-US" sz="1000" dirty="0">
+                <a:solidFill>
+                  <a:schemeClr val="bg2">
+                    <a:lumMod val="25000"/>
+                  </a:schemeClr>
+                </a:solidFill>
+              </a:rPr>
+              <a:t>작성일자 별로 정렬 가능</a:t>
             </a:r>
             <a:br>
               <a:rPr lang="en-US" altLang="ko-KR" sz="1000" dirty="0">
@@ -11411,7 +11257,7 @@
                   </a:schemeClr>
                 </a:solidFill>
               </a:rPr>
-              <a:t>ㆍ첫</a:t>
+              <a:t>ㆍ정렬하고자</a:t>
             </a:r>
             <a:r>
               <a:rPr lang="ko-KR" altLang="en-US" sz="1000" dirty="0">
@@ -11421,9 +11267,9 @@
                   </a:schemeClr>
                 </a:solidFill>
               </a:rPr>
-              <a:t> 페이지</a:t>
-            </a:r>
-            <a:r>
+              <a:t> 하는 필드명을 누르면 정렬 됨</a:t>
+            </a:r>
+            <a:br>
               <a:rPr lang="en-US" altLang="ko-KR" sz="1000" dirty="0">
                 <a:solidFill>
                   <a:schemeClr val="bg2">
@@ -11431,6 +11277,84 @@
                   </a:schemeClr>
                 </a:solidFill>
               </a:rPr>
+            </a:br>
+            <a:r>
+              <a:rPr lang="ko-KR" altLang="en-US" sz="1000" dirty="0" err="1">
+                <a:solidFill>
+                  <a:schemeClr val="bg2">
+                    <a:lumMod val="25000"/>
+                  </a:schemeClr>
+                </a:solidFill>
+              </a:rPr>
+              <a:t>ㆍ필드명</a:t>
+            </a:r>
+            <a:r>
+              <a:rPr lang="ko-KR" altLang="en-US" sz="1000" dirty="0">
+                <a:solidFill>
+                  <a:schemeClr val="bg2">
+                    <a:lumMod val="25000"/>
+                  </a:schemeClr>
+                </a:solidFill>
+              </a:rPr>
+              <a:t> 옆에 정렬방향 표시 </a:t>
+            </a:r>
+            <a:br>
+              <a:rPr lang="en-US" altLang="ko-KR" sz="1000" dirty="0">
+                <a:solidFill>
+                  <a:schemeClr val="bg2">
+                    <a:lumMod val="25000"/>
+                  </a:schemeClr>
+                </a:solidFill>
+              </a:rPr>
+            </a:br>
+            <a:r>
+              <a:rPr lang="en-US" altLang="ko-KR" sz="1000" dirty="0">
+                <a:solidFill>
+                  <a:schemeClr val="bg2">
+                    <a:lumMod val="25000"/>
+                  </a:schemeClr>
+                </a:solidFill>
+              </a:rPr>
+              <a:t>   (</a:t>
+            </a:r>
+            <a:r>
+              <a:rPr lang="ko-KR" altLang="en-US" sz="1000" dirty="0">
+                <a:solidFill>
+                  <a:schemeClr val="bg2">
+                    <a:lumMod val="25000"/>
+                  </a:schemeClr>
+                </a:solidFill>
+              </a:rPr>
+              <a:t>▼ </a:t>
+            </a:r>
+            <a:r>
+              <a:rPr lang="en-US" altLang="ko-KR" sz="1000" dirty="0">
+                <a:solidFill>
+                  <a:schemeClr val="bg2">
+                    <a:lumMod val="25000"/>
+                  </a:schemeClr>
+                </a:solidFill>
+              </a:rPr>
+              <a:t>- </a:t>
+            </a:r>
+            <a:r>
+              <a:rPr lang="ko-KR" altLang="en-US" sz="1000" dirty="0">
+                <a:solidFill>
+                  <a:schemeClr val="bg2">
+                    <a:lumMod val="25000"/>
+                  </a:schemeClr>
+                </a:solidFill>
+              </a:rPr>
+              <a:t>내림차순</a:t>
+            </a:r>
+            <a:r>
+              <a:rPr lang="en-US" altLang="ko-KR" sz="1000" dirty="0">
+                <a:solidFill>
+                  <a:schemeClr val="bg2">
+                    <a:lumMod val="25000"/>
+                  </a:schemeClr>
+                </a:solidFill>
+              </a:rPr>
               <a:t>, </a:t>
             </a:r>
             <a:r>
@@ -11441,7 +11365,37 @@
                   </a:schemeClr>
                 </a:solidFill>
               </a:rPr>
-              <a:t>마지막페이지로 이동가능</a:t>
+              <a:t>▲ </a:t>
+            </a:r>
+            <a:r>
+              <a:rPr lang="en-US" altLang="ko-KR" sz="1000" dirty="0">
+                <a:solidFill>
+                  <a:schemeClr val="bg2">
+                    <a:lumMod val="25000"/>
+                  </a:schemeClr>
+                </a:solidFill>
+              </a:rPr>
+              <a:t>- </a:t>
+            </a:r>
+            <a:r>
+              <a:rPr lang="ko-KR" altLang="en-US" sz="1000" dirty="0">
+                <a:solidFill>
+                  <a:schemeClr val="bg2">
+                    <a:lumMod val="25000"/>
+                  </a:schemeClr>
+                </a:solidFill>
+              </a:rPr>
+              <a:t>오름차순</a:t>
+            </a:r>
+            <a:r>
+              <a:rPr lang="en-US" altLang="ko-KR" sz="1000" dirty="0">
+                <a:solidFill>
+                  <a:schemeClr val="bg2">
+                    <a:lumMod val="25000"/>
+                  </a:schemeClr>
+                </a:solidFill>
+              </a:rPr>
+              <a:t>)</a:t>
             </a:r>
             <a:br>
               <a:rPr lang="en-US" altLang="ko-KR" sz="1000" dirty="0">
@@ -11472,7 +11426,7 @@
                   </a:schemeClr>
                 </a:solidFill>
               </a:rPr>
-              <a:t>글 삭제기능 구현</a:t>
+              <a:t>페이지기능 구현</a:t>
             </a:r>
             <a:br>
               <a:rPr lang="en-US" altLang="ko-KR" sz="1000" dirty="0">
@@ -11491,6 +11445,135 @@
                   </a:schemeClr>
                 </a:solidFill>
               </a:rPr>
+              <a:t>ㆍ한페이지당</a:t>
+            </a:r>
+            <a:r>
+              <a:rPr lang="ko-KR" altLang="en-US" sz="1000" dirty="0">
+                <a:solidFill>
+                  <a:schemeClr val="bg2">
+                    <a:lumMod val="25000"/>
+                  </a:schemeClr>
+                </a:solidFill>
+              </a:rPr>
+              <a:t> </a:t>
+            </a:r>
+            <a:r>
+              <a:rPr lang="en-US" altLang="ko-KR" sz="1000" dirty="0">
+                <a:solidFill>
+                  <a:schemeClr val="bg2">
+                    <a:lumMod val="25000"/>
+                  </a:schemeClr>
+                </a:solidFill>
+              </a:rPr>
+              <a:t>10</a:t>
+            </a:r>
+            <a:r>
+              <a:rPr lang="ko-KR" altLang="en-US" sz="1000" dirty="0">
+                <a:solidFill>
+                  <a:schemeClr val="bg2">
+                    <a:lumMod val="25000"/>
+                  </a:schemeClr>
+                </a:solidFill>
+              </a:rPr>
+              <a:t>건 씩 표시</a:t>
+            </a:r>
+            <a:br>
+              <a:rPr lang="en-US" altLang="ko-KR" sz="1000" dirty="0">
+                <a:solidFill>
+                  <a:schemeClr val="bg2">
+                    <a:lumMod val="25000"/>
+                  </a:schemeClr>
+                </a:solidFill>
+              </a:rPr>
+            </a:br>
+            <a:r>
+              <a:rPr lang="ko-KR" altLang="en-US" sz="1000" dirty="0" err="1">
+                <a:solidFill>
+                  <a:schemeClr val="bg2">
+                    <a:lumMod val="25000"/>
+                  </a:schemeClr>
+                </a:solidFill>
+              </a:rPr>
+              <a:t>ㆍ첫</a:t>
+            </a:r>
+            <a:r>
+              <a:rPr lang="ko-KR" altLang="en-US" sz="1000" dirty="0">
+                <a:solidFill>
+                  <a:schemeClr val="bg2">
+                    <a:lumMod val="25000"/>
+                  </a:schemeClr>
+                </a:solidFill>
+              </a:rPr>
+              <a:t> 페이지</a:t>
+            </a:r>
+            <a:r>
+              <a:rPr lang="en-US" altLang="ko-KR" sz="1000" dirty="0">
+                <a:solidFill>
+                  <a:schemeClr val="bg2">
+                    <a:lumMod val="25000"/>
+                  </a:schemeClr>
+                </a:solidFill>
+              </a:rPr>
+              <a:t>, </a:t>
+            </a:r>
+            <a:r>
+              <a:rPr lang="ko-KR" altLang="en-US" sz="1000" dirty="0">
+                <a:solidFill>
+                  <a:schemeClr val="bg2">
+                    <a:lumMod val="25000"/>
+                  </a:schemeClr>
+                </a:solidFill>
+              </a:rPr>
+              <a:t>마지막페이지로 이동가능</a:t>
+            </a:r>
+            <a:br>
+              <a:rPr lang="en-US" altLang="ko-KR" sz="1000" dirty="0">
+                <a:solidFill>
+                  <a:schemeClr val="bg2">
+                    <a:lumMod val="25000"/>
+                  </a:schemeClr>
+                </a:solidFill>
+              </a:rPr>
+            </a:br>
+            <a:endParaRPr lang="en-US" altLang="ko-KR" sz="1000" dirty="0">
+              <a:solidFill>
+                <a:schemeClr val="bg2">
+                  <a:lumMod val="25000"/>
+                </a:schemeClr>
+              </a:solidFill>
+            </a:endParaRPr>
+          </a:p>
+          <a:p>
+            <a:pPr marL="342900" indent="-342900">
+              <a:buAutoNum type="arabicPeriod"/>
+            </a:pPr>
+            <a:r>
+              <a:rPr lang="ko-KR" altLang="en-US" sz="1000" dirty="0">
+                <a:solidFill>
+                  <a:schemeClr val="bg2">
+                    <a:lumMod val="25000"/>
+                  </a:schemeClr>
+                </a:solidFill>
+              </a:rPr>
+              <a:t>글 삭제기능 구현</a:t>
+            </a:r>
+            <a:br>
+              <a:rPr lang="en-US" altLang="ko-KR" sz="1000" dirty="0">
+                <a:solidFill>
+                  <a:schemeClr val="bg2">
+                    <a:lumMod val="25000"/>
+                  </a:schemeClr>
+                </a:solidFill>
+              </a:rPr>
+            </a:br>
+            <a:r>
+              <a:rPr lang="ko-KR" altLang="en-US" sz="1000" dirty="0" err="1">
+                <a:solidFill>
+                  <a:schemeClr val="bg2">
+                    <a:lumMod val="25000"/>
+                  </a:schemeClr>
+                </a:solidFill>
+              </a:rPr>
               <a:t>ㆍ</a:t>
             </a:r>
             <a:r>
@@ -11512,6 +11595,35 @@
                 </a:solidFill>
               </a:rPr>
               <a:t>로 구현</a:t>
+            </a:r>
+            <a:br>
+              <a:rPr lang="en-US" altLang="ko-KR" sz="1000" dirty="0">
+                <a:solidFill>
+                  <a:schemeClr val="bg2">
+                    <a:lumMod val="25000"/>
+                  </a:schemeClr>
+                </a:solidFill>
+              </a:rPr>
+            </a:br>
+            <a:r>
+              <a:rPr lang="ko-KR" altLang="en-US" sz="1000" dirty="0" err="1">
+                <a:solidFill>
+                  <a:schemeClr val="bg2">
+                    <a:lumMod val="25000"/>
+                  </a:schemeClr>
+                </a:solidFill>
+              </a:rPr>
+              <a:t>ㆍ글</a:t>
+            </a:r>
+            <a:r>
+              <a:rPr lang="ko-KR" altLang="en-US" sz="1000" dirty="0">
+                <a:solidFill>
+                  <a:schemeClr val="bg2">
+                    <a:lumMod val="25000"/>
+                  </a:schemeClr>
+                </a:solidFill>
+              </a:rPr>
+              <a:t> 삭제 후 페이지 갱신</a:t>
             </a:r>
             <a:endParaRPr lang="en-US" altLang="ko-KR" sz="1000" dirty="0">
               <a:solidFill>
@@ -12777,7 +12889,7 @@
                   </a:schemeClr>
                 </a:solidFill>
               </a:rPr>
-              <a:t>수정</a:t>
+              <a:t>등록 </a:t>
             </a:r>
             <a:r>
               <a:rPr lang="en-US" altLang="ko-KR" sz="1000" dirty="0">
@@ -12886,7 +12998,7 @@
                   </a:schemeClr>
                 </a:solidFill>
               </a:rPr>
-              <a:t>조회화면에 </a:t>
+              <a:t>리스트화면이 표시된 후</a:t>
             </a:r>
             <a:br>
               <a:rPr lang="en-US" altLang="ko-KR" sz="1000" dirty="0">
@@ -12935,7 +13047,27 @@
                   </a:schemeClr>
                 </a:solidFill>
               </a:rPr>
-              <a:t>알림 표시</a:t>
+              <a:t>알림 </a:t>
+            </a:r>
+            <a:r>
+              <a:rPr lang="ko-KR" altLang="en-US" sz="1000" dirty="0" err="1">
+                <a:solidFill>
+                  <a:schemeClr val="bg2">
+                    <a:lumMod val="25000"/>
+                  </a:schemeClr>
+                </a:solidFill>
+              </a:rPr>
+              <a:t>경고창</a:t>
+            </a:r>
+            <a:r>
+              <a:rPr lang="ko-KR" altLang="en-US" sz="1000" dirty="0">
+                <a:solidFill>
+                  <a:schemeClr val="bg2">
+                    <a:lumMod val="25000"/>
+                  </a:schemeClr>
+                </a:solidFill>
+              </a:rPr>
+              <a:t> 표시</a:t>
             </a:r>
             <a:br>
               <a:rPr lang="en-US" altLang="ko-KR" sz="1000" dirty="0">
@@ -12977,7 +13109,7 @@
                   </a:schemeClr>
                 </a:solidFill>
               </a:rPr>
-              <a:t>취소</a:t>
+              <a:t>취소 </a:t>
             </a:r>
             <a:r>
               <a:rPr lang="en-US" altLang="ko-KR" sz="1000" dirty="0">
@@ -13998,7 +14130,7 @@
                   </a:schemeClr>
                 </a:solidFill>
               </a:rPr>
-              <a:t>작성자 옆 시간은 수정시간을 표시한다</a:t>
+              <a:t>작성자</a:t>
             </a:r>
             <a:r>
               <a:rPr lang="en-US" altLang="ko-KR" sz="1000" dirty="0">
@@ -14008,7 +14140,56 @@
                   </a:schemeClr>
                 </a:solidFill>
               </a:rPr>
+              <a:t>, </a:t>
+            </a:r>
+            <a:r>
+              <a:rPr lang="ko-KR" altLang="en-US" sz="1000" dirty="0">
+                <a:solidFill>
+                  <a:schemeClr val="bg2">
+                    <a:lumMod val="25000"/>
+                  </a:schemeClr>
+                </a:solidFill>
+              </a:rPr>
+              <a:t>글 제목 표시한다</a:t>
+            </a:r>
+            <a:r>
+              <a:rPr lang="en-US" altLang="ko-KR" sz="1000" dirty="0">
+                <a:solidFill>
+                  <a:schemeClr val="bg2">
+                    <a:lumMod val="25000"/>
+                  </a:schemeClr>
+                </a:solidFill>
+              </a:rPr>
               <a:t>.</a:t>
+            </a:r>
+            <a:br>
+              <a:rPr lang="en-US" altLang="ko-KR" sz="1000" dirty="0">
+                <a:solidFill>
+                  <a:schemeClr val="bg2">
+                    <a:lumMod val="25000"/>
+                  </a:schemeClr>
+                </a:solidFill>
+              </a:rPr>
+            </a:br>
+            <a:r>
+              <a:rPr lang="en-US" altLang="ko-KR" sz="1000" dirty="0">
+                <a:solidFill>
+                  <a:schemeClr val="bg2">
+                    <a:lumMod val="25000"/>
+                  </a:schemeClr>
+                </a:solidFill>
+              </a:rPr>
+              <a:t>- </a:t>
+            </a:r>
+            <a:r>
+              <a:rPr lang="ko-KR" altLang="en-US" sz="1000" dirty="0">
+                <a:solidFill>
+                  <a:schemeClr val="bg2">
+                    <a:lumMod val="25000"/>
+                  </a:schemeClr>
+                </a:solidFill>
+              </a:rPr>
+              <a:t>수정 불가능</a:t>
             </a:r>
             <a:br>
               <a:rPr lang="en-US" altLang="ko-KR" sz="1000" dirty="0">
@@ -14161,7 +14342,7 @@
                   </a:schemeClr>
                 </a:solidFill>
               </a:rPr>
-              <a:t>리스트</a:t>
+              <a:t>리스트 </a:t>
             </a:r>
             <a:r>
               <a:rPr lang="en-US" altLang="ko-KR" sz="1000" dirty="0">
@@ -14466,7 +14647,7 @@
         </p:nvSpPr>
         <p:spPr>
           <a:xfrm>
-            <a:off x="6201399" y="2463532"/>
+            <a:off x="6808070" y="2604211"/>
             <a:ext cx="530915" cy="230832"/>
           </a:xfrm>
           <a:prstGeom prst="rect">
@@ -14507,7 +14688,7 @@
         </p:nvSpPr>
         <p:spPr>
           <a:xfrm>
-            <a:off x="6203833" y="2648278"/>
+            <a:off x="2080247" y="4987037"/>
             <a:ext cx="1269899" cy="230832"/>
           </a:xfrm>
           <a:prstGeom prst="rect">
@@ -14602,7 +14783,7 @@
         </p:nvCxnSpPr>
         <p:spPr>
           <a:xfrm>
-            <a:off x="1074517" y="5538240"/>
+            <a:off x="1074517" y="4887609"/>
             <a:ext cx="6329197" cy="0"/>
           </a:xfrm>
           <a:prstGeom prst="line">
@@ -14722,7 +14903,171 @@
         </p:nvSpPr>
         <p:spPr>
           <a:xfrm>
-            <a:off x="5226580" y="2639524"/>
+            <a:off x="1102994" y="4978283"/>
+            <a:ext cx="1077539" cy="230832"/>
+          </a:xfrm>
+          <a:prstGeom prst="rect">
+            <a:avLst/>
+          </a:prstGeom>
+          <a:noFill/>
+        </p:spPr>
+        <p:txBody>
+          <a:bodyPr wrap="none" rtlCol="0">
+            <a:spAutoFit/>
+          </a:bodyPr>
+          <a:lstStyle/>
+          <a:p>
+            <a:r>
+              <a:rPr lang="ko-KR" altLang="en-US" sz="900" b="1" dirty="0">
+                <a:solidFill>
+                  <a:schemeClr val="bg1">
+                    <a:lumMod val="50000"/>
+                  </a:schemeClr>
+                </a:solidFill>
+              </a:rPr>
+              <a:t>등록시간          </a:t>
+            </a:r>
+            <a:r>
+              <a:rPr lang="en-US" altLang="ko-KR" sz="900" b="1" dirty="0">
+                <a:solidFill>
+                  <a:schemeClr val="bg1">
+                    <a:lumMod val="50000"/>
+                  </a:schemeClr>
+                </a:solidFill>
+              </a:rPr>
+              <a:t>:</a:t>
+            </a:r>
+            <a:endParaRPr lang="ko-KR" altLang="en-US" sz="900" b="1" dirty="0">
+              <a:solidFill>
+                <a:schemeClr val="bg1">
+                  <a:lumMod val="50000"/>
+                </a:schemeClr>
+              </a:solidFill>
+            </a:endParaRPr>
+          </a:p>
+        </p:txBody>
+      </p:sp>
+      <p:sp>
+        <p:nvSpPr>
+          <p:cNvPr id="6" name="TextBox 5">
+            <a:extLst>
+              <a:ext uri="{FF2B5EF4-FFF2-40B4-BE49-F238E27FC236}">
+                <a16:creationId xmlns:a16="http://schemas.microsoft.com/office/drawing/2014/main" id="{64C6B170-4747-EF01-D785-1F72AE130A29}"/>
+              </a:ext>
+            </a:extLst>
+          </p:cNvPr>
+          <p:cNvSpPr txBox="1"/>
+          <p:nvPr/>
+        </p:nvSpPr>
+        <p:spPr>
+          <a:xfrm>
+            <a:off x="5842043" y="2588714"/>
+            <a:ext cx="1122423" cy="230832"/>
+          </a:xfrm>
+          <a:prstGeom prst="rect">
+            <a:avLst/>
+          </a:prstGeom>
+          <a:noFill/>
+        </p:spPr>
+        <p:txBody>
+          <a:bodyPr wrap="none" rtlCol="0">
+            <a:spAutoFit/>
+          </a:bodyPr>
+          <a:lstStyle/>
+          <a:p>
+            <a:r>
+              <a:rPr lang="ko-KR" altLang="en-US" sz="900" b="1" dirty="0">
+                <a:solidFill>
+                  <a:schemeClr val="bg1">
+                    <a:lumMod val="50000"/>
+                  </a:schemeClr>
+                </a:solidFill>
+              </a:rPr>
+              <a:t>작성자             </a:t>
+            </a:r>
+            <a:r>
+              <a:rPr lang="en-US" altLang="ko-KR" sz="900" b="1" dirty="0">
+                <a:solidFill>
+                  <a:schemeClr val="bg1">
+                    <a:lumMod val="50000"/>
+                  </a:schemeClr>
+                </a:solidFill>
+              </a:rPr>
+              <a:t>:</a:t>
+            </a:r>
+            <a:endParaRPr lang="ko-KR" altLang="en-US" sz="900" b="1" dirty="0">
+              <a:solidFill>
+                <a:schemeClr val="bg1">
+                  <a:lumMod val="50000"/>
+                </a:schemeClr>
+              </a:solidFill>
+            </a:endParaRPr>
+          </a:p>
+        </p:txBody>
+      </p:sp>
+      <p:sp>
+        <p:nvSpPr>
+          <p:cNvPr id="7" name="TextBox 6">
+            <a:extLst>
+              <a:ext uri="{FF2B5EF4-FFF2-40B4-BE49-F238E27FC236}">
+                <a16:creationId xmlns:a16="http://schemas.microsoft.com/office/drawing/2014/main" id="{5564D426-3455-52BC-EDBC-7F6AFDB5B6A2}"/>
+              </a:ext>
+            </a:extLst>
+          </p:cNvPr>
+          <p:cNvSpPr txBox="1"/>
+          <p:nvPr/>
+        </p:nvSpPr>
+        <p:spPr>
+          <a:xfrm>
+            <a:off x="2074389" y="5200981"/>
+            <a:ext cx="1269899" cy="230832"/>
+          </a:xfrm>
+          <a:prstGeom prst="rect">
+            <a:avLst/>
+          </a:prstGeom>
+          <a:noFill/>
+        </p:spPr>
+        <p:txBody>
+          <a:bodyPr wrap="none" rtlCol="0">
+            <a:spAutoFit/>
+          </a:bodyPr>
+          <a:lstStyle/>
+          <a:p>
+            <a:r>
+              <a:rPr lang="en-US" altLang="ko-KR" sz="900" dirty="0">
+                <a:solidFill>
+                  <a:schemeClr val="bg1">
+                    <a:lumMod val="50000"/>
+                  </a:schemeClr>
+                </a:solidFill>
+              </a:rPr>
+              <a:t>2020-02-05 16:05:32</a:t>
+            </a:r>
+            <a:endParaRPr lang="ko-KR" altLang="en-US" sz="900" dirty="0">
+              <a:solidFill>
+                <a:schemeClr val="bg1">
+                  <a:lumMod val="50000"/>
+                </a:schemeClr>
+              </a:solidFill>
+            </a:endParaRPr>
+          </a:p>
+        </p:txBody>
+      </p:sp>
+      <p:sp>
+        <p:nvSpPr>
+          <p:cNvPr id="9" name="TextBox 8">
+            <a:extLst>
+              <a:ext uri="{FF2B5EF4-FFF2-40B4-BE49-F238E27FC236}">
+                <a16:creationId xmlns:a16="http://schemas.microsoft.com/office/drawing/2014/main" id="{6E0FBCE1-1F81-05F7-9762-75548130F5CE}"/>
+              </a:ext>
+            </a:extLst>
+          </p:cNvPr>
+          <p:cNvSpPr txBox="1"/>
+          <p:nvPr/>
+        </p:nvSpPr>
+        <p:spPr>
+          <a:xfrm>
+            <a:off x="1097136" y="5192227"/>
             <a:ext cx="1143262" cy="230832"/>
           </a:xfrm>
           <a:prstGeom prst="rect">
@@ -14745,64 +15090,6 @@
                 </a:solidFill>
               </a:rPr>
               <a:t>마지막 수정시간 </a:t>
-            </a:r>
-            <a:r>
-              <a:rPr lang="en-US" altLang="ko-KR" sz="900" b="1" dirty="0">
-                <a:solidFill>
-                  <a:schemeClr val="bg1">
-                    <a:lumMod val="50000"/>
-                  </a:schemeClr>
-                </a:solidFill>
-              </a:rPr>
-              <a:t>:</a:t>
-            </a:r>
-            <a:endParaRPr lang="ko-KR" altLang="en-US" sz="900" b="1" dirty="0">
-              <a:solidFill>
-                <a:schemeClr val="bg1">
-                  <a:lumMod val="50000"/>
-                </a:schemeClr>
-              </a:solidFill>
-            </a:endParaRPr>
-          </a:p>
-        </p:txBody>
-      </p:sp>
-      <p:sp>
-        <p:nvSpPr>
-          <p:cNvPr id="6" name="TextBox 5">
-            <a:extLst>
-              <a:ext uri="{FF2B5EF4-FFF2-40B4-BE49-F238E27FC236}">
-                <a16:creationId xmlns:a16="http://schemas.microsoft.com/office/drawing/2014/main" id="{64C6B170-4747-EF01-D785-1F72AE130A29}"/>
-              </a:ext>
-            </a:extLst>
-          </p:cNvPr>
-          <p:cNvSpPr txBox="1"/>
-          <p:nvPr/>
-        </p:nvSpPr>
-        <p:spPr>
-          <a:xfrm>
-            <a:off x="5235372" y="2448035"/>
-            <a:ext cx="1122423" cy="230832"/>
-          </a:xfrm>
-          <a:prstGeom prst="rect">
-            <a:avLst/>
-          </a:prstGeom>
-          <a:noFill/>
-        </p:spPr>
-        <p:txBody>
-          <a:bodyPr wrap="none" rtlCol="0">
-            <a:spAutoFit/>
-          </a:bodyPr>
-          <a:lstStyle/>
-          <a:p>
-            <a:r>
-              <a:rPr lang="ko-KR" altLang="en-US" sz="900" b="1" dirty="0">
-                <a:solidFill>
-                  <a:schemeClr val="bg1">
-                    <a:lumMod val="50000"/>
-                  </a:schemeClr>
-                </a:solidFill>
-              </a:rPr>
-              <a:t>작성자             </a:t>
             </a:r>
             <a:r>
               <a:rPr lang="en-US" altLang="ko-KR" sz="900" b="1" dirty="0">
@@ -16181,7 +16468,7 @@
                   </a:schemeClr>
                 </a:solidFill>
               </a:rPr>
-              <a:t>조회</a:t>
+              <a:t>리스트</a:t>
             </a:r>
             <a:r>
               <a:rPr lang="en-US" altLang="ko-KR" sz="1000" dirty="0">
@@ -16241,7 +16528,7 @@
                   </a:schemeClr>
                 </a:solidFill>
               </a:rPr>
-              <a:t>조회화면에 </a:t>
+              <a:t>리스트 화면이 표시된 후</a:t>
             </a:r>
             <a:br>
               <a:rPr lang="en-US" altLang="ko-KR" sz="1000" dirty="0">
@@ -16283,6 +16570,16 @@
               <a:t>” </a:t>
             </a:r>
             <a:r>
+              <a:rPr lang="ko-KR" altLang="en-US" sz="1000" dirty="0" err="1">
+                <a:solidFill>
+                  <a:schemeClr val="bg2">
+                    <a:lumMod val="25000"/>
+                  </a:schemeClr>
+                </a:solidFill>
+              </a:rPr>
+              <a:t>경고창</a:t>
+            </a:r>
+            <a:r>
               <a:rPr lang="ko-KR" altLang="en-US" sz="1000" dirty="0">
                 <a:solidFill>
                   <a:schemeClr val="bg2">
@@ -16290,7 +16587,7 @@
                   </a:schemeClr>
                 </a:solidFill>
               </a:rPr>
-              <a:t>알림 표시</a:t>
+              <a:t> 표시</a:t>
             </a:r>
             <a:br>
               <a:rPr lang="en-US" altLang="ko-KR" sz="1000" dirty="0">
@@ -16381,7 +16678,7 @@
                   </a:schemeClr>
                 </a:solidFill>
               </a:rPr>
-              <a:t>조회</a:t>
+              <a:t>리스트</a:t>
             </a:r>
             <a:r>
               <a:rPr lang="en-US" altLang="ko-KR" sz="1000" dirty="0">
@@ -16440,7 +16737,7 @@
               <a:t>수정 시 수정시간이 갱신되어야 한다</a:t>
             </a:r>
             <a:r>
-              <a:rPr lang="en-US" altLang="ko-KR" sz="1000">
+              <a:rPr lang="en-US" altLang="ko-KR" sz="1000" dirty="0">
                 <a:solidFill>
                   <a:schemeClr val="bg2">
                     <a:lumMod val="25000"/>
@@ -16449,13 +16746,6 @@
               </a:rPr>
               <a:t>.</a:t>
             </a:r>
-            <a:endParaRPr lang="en-US" altLang="ko-KR" sz="1000" dirty="0">
-              <a:solidFill>
-                <a:schemeClr val="bg2">
-                  <a:lumMod val="25000"/>
-                </a:schemeClr>
-              </a:solidFill>
-            </a:endParaRPr>
           </a:p>
           <a:p>
             <a:pPr marL="342900" indent="-342900">
@@ -16594,6 +16884,112 @@
                 <a:schemeClr val="tx1">
                   <a:lumMod val="65000"/>
                   <a:lumOff val="35000"/>
+                </a:schemeClr>
+              </a:solidFill>
+            </a:endParaRPr>
+          </a:p>
+        </p:txBody>
+      </p:sp>
+      <p:sp>
+        <p:nvSpPr>
+          <p:cNvPr id="2" name="TextBox 1">
+            <a:extLst>
+              <a:ext uri="{FF2B5EF4-FFF2-40B4-BE49-F238E27FC236}">
+                <a16:creationId xmlns:a16="http://schemas.microsoft.com/office/drawing/2014/main" id="{4644E744-6D86-C14F-D4A3-92DF48088A5C}"/>
+              </a:ext>
+            </a:extLst>
+          </p:cNvPr>
+          <p:cNvSpPr txBox="1"/>
+          <p:nvPr/>
+        </p:nvSpPr>
+        <p:spPr>
+          <a:xfrm>
+            <a:off x="5784736" y="5200981"/>
+            <a:ext cx="1269899" cy="230832"/>
+          </a:xfrm>
+          <a:prstGeom prst="rect">
+            <a:avLst/>
+          </a:prstGeom>
+          <a:noFill/>
+        </p:spPr>
+        <p:txBody>
+          <a:bodyPr wrap="none" rtlCol="0">
+            <a:spAutoFit/>
+          </a:bodyPr>
+          <a:lstStyle/>
+          <a:p>
+            <a:r>
+              <a:rPr lang="en-US" altLang="ko-KR" sz="900" dirty="0">
+                <a:solidFill>
+                  <a:schemeClr val="bg1">
+                    <a:lumMod val="50000"/>
+                  </a:schemeClr>
+                </a:solidFill>
+              </a:rPr>
+              <a:t>2020-02-05 16:05:32</a:t>
+            </a:r>
+            <a:endParaRPr lang="ko-KR" altLang="en-US" sz="900" dirty="0">
+              <a:solidFill>
+                <a:schemeClr val="bg1">
+                  <a:lumMod val="50000"/>
+                </a:schemeClr>
+              </a:solidFill>
+            </a:endParaRPr>
+          </a:p>
+        </p:txBody>
+      </p:sp>
+      <p:sp>
+        <p:nvSpPr>
+          <p:cNvPr id="3" name="TextBox 2">
+            <a:extLst>
+              <a:ext uri="{FF2B5EF4-FFF2-40B4-BE49-F238E27FC236}">
+                <a16:creationId xmlns:a16="http://schemas.microsoft.com/office/drawing/2014/main" id="{23F030AE-D391-D8F0-4E21-A0ABBD6445F2}"/>
+              </a:ext>
+            </a:extLst>
+          </p:cNvPr>
+          <p:cNvSpPr txBox="1"/>
+          <p:nvPr/>
+        </p:nvSpPr>
+        <p:spPr>
+          <a:xfrm>
+            <a:off x="4807483" y="5192227"/>
+            <a:ext cx="1143262" cy="230832"/>
+          </a:xfrm>
+          <a:prstGeom prst="rect">
+            <a:avLst/>
+          </a:prstGeom>
+          <a:noFill/>
+        </p:spPr>
+        <p:txBody>
+          <a:bodyPr wrap="none" rtlCol="0">
+            <a:spAutoFit/>
+          </a:bodyPr>
+          <a:lstStyle/>
+          <a:p>
+            <a:r>
+              <a:rPr lang="ko-KR" altLang="en-US" sz="900" b="1" dirty="0">
+                <a:solidFill>
+                  <a:schemeClr val="bg1">
+                    <a:lumMod val="50000"/>
+                  </a:schemeClr>
+                </a:solidFill>
+              </a:rPr>
+              <a:t>마지막 수정시간 </a:t>
+            </a:r>
+            <a:r>
+              <a:rPr lang="en-US" altLang="ko-KR" sz="900" b="1" dirty="0">
+                <a:solidFill>
+                  <a:schemeClr val="bg1">
+                    <a:lumMod val="50000"/>
+                  </a:schemeClr>
+                </a:solidFill>
+              </a:rPr>
+              <a:t>:</a:t>
+            </a:r>
+            <a:endParaRPr lang="ko-KR" altLang="en-US" sz="900" b="1" dirty="0">
+              <a:solidFill>
+                <a:schemeClr val="bg1">
+                  <a:lumMod val="50000"/>
                 </a:schemeClr>
               </a:solidFill>
             </a:endParaRPr>

--- a/documents/신입프로젝트_게시판_수정.pptx
+++ b/documents/신입프로젝트_게시판_수정.pptx
@@ -265,7 +265,7 @@
           <a:p>
             <a:fld id="{1A04FA71-112E-4FFA-AA9C-36DCFB1630E0}" type="datetimeFigureOut">
               <a:rPr lang="ko-KR" altLang="en-US" smtClean="0"/>
-              <a:t>2022-12-28</a:t>
+              <a:t>2023-01-02</a:t>
             </a:fld>
             <a:endParaRPr lang="ko-KR" altLang="en-US"/>
           </a:p>
@@ -463,7 +463,7 @@
           <a:p>
             <a:fld id="{1A04FA71-112E-4FFA-AA9C-36DCFB1630E0}" type="datetimeFigureOut">
               <a:rPr lang="ko-KR" altLang="en-US" smtClean="0"/>
-              <a:t>2022-12-28</a:t>
+              <a:t>2023-01-02</a:t>
             </a:fld>
             <a:endParaRPr lang="ko-KR" altLang="en-US"/>
           </a:p>
@@ -671,7 +671,7 @@
           <a:p>
             <a:fld id="{1A04FA71-112E-4FFA-AA9C-36DCFB1630E0}" type="datetimeFigureOut">
               <a:rPr lang="ko-KR" altLang="en-US" smtClean="0"/>
-              <a:t>2022-12-28</a:t>
+              <a:t>2023-01-02</a:t>
             </a:fld>
             <a:endParaRPr lang="ko-KR" altLang="en-US"/>
           </a:p>
@@ -869,7 +869,7 @@
           <a:p>
             <a:fld id="{1A04FA71-112E-4FFA-AA9C-36DCFB1630E0}" type="datetimeFigureOut">
               <a:rPr lang="ko-KR" altLang="en-US" smtClean="0"/>
-              <a:t>2022-12-28</a:t>
+              <a:t>2023-01-02</a:t>
             </a:fld>
             <a:endParaRPr lang="ko-KR" altLang="en-US"/>
           </a:p>
@@ -1144,7 +1144,7 @@
           <a:p>
             <a:fld id="{1A04FA71-112E-4FFA-AA9C-36DCFB1630E0}" type="datetimeFigureOut">
               <a:rPr lang="ko-KR" altLang="en-US" smtClean="0"/>
-              <a:t>2022-12-28</a:t>
+              <a:t>2023-01-02</a:t>
             </a:fld>
             <a:endParaRPr lang="ko-KR" altLang="en-US"/>
           </a:p>
@@ -1409,7 +1409,7 @@
           <a:p>
             <a:fld id="{1A04FA71-112E-4FFA-AA9C-36DCFB1630E0}" type="datetimeFigureOut">
               <a:rPr lang="ko-KR" altLang="en-US" smtClean="0"/>
-              <a:t>2022-12-28</a:t>
+              <a:t>2023-01-02</a:t>
             </a:fld>
             <a:endParaRPr lang="ko-KR" altLang="en-US"/>
           </a:p>
@@ -1821,7 +1821,7 @@
           <a:p>
             <a:fld id="{1A04FA71-112E-4FFA-AA9C-36DCFB1630E0}" type="datetimeFigureOut">
               <a:rPr lang="ko-KR" altLang="en-US" smtClean="0"/>
-              <a:t>2022-12-28</a:t>
+              <a:t>2023-01-02</a:t>
             </a:fld>
             <a:endParaRPr lang="ko-KR" altLang="en-US"/>
           </a:p>
@@ -1962,7 +1962,7 @@
           <a:p>
             <a:fld id="{1A04FA71-112E-4FFA-AA9C-36DCFB1630E0}" type="datetimeFigureOut">
               <a:rPr lang="ko-KR" altLang="en-US" smtClean="0"/>
-              <a:t>2022-12-28</a:t>
+              <a:t>2023-01-02</a:t>
             </a:fld>
             <a:endParaRPr lang="ko-KR" altLang="en-US"/>
           </a:p>
@@ -2075,7 +2075,7 @@
           <a:p>
             <a:fld id="{1A04FA71-112E-4FFA-AA9C-36DCFB1630E0}" type="datetimeFigureOut">
               <a:rPr lang="ko-KR" altLang="en-US" smtClean="0"/>
-              <a:t>2022-12-28</a:t>
+              <a:t>2023-01-02</a:t>
             </a:fld>
             <a:endParaRPr lang="ko-KR" altLang="en-US"/>
           </a:p>
@@ -2386,7 +2386,7 @@
           <a:p>
             <a:fld id="{1A04FA71-112E-4FFA-AA9C-36DCFB1630E0}" type="datetimeFigureOut">
               <a:rPr lang="ko-KR" altLang="en-US" smtClean="0"/>
-              <a:t>2022-12-28</a:t>
+              <a:t>2023-01-02</a:t>
             </a:fld>
             <a:endParaRPr lang="ko-KR" altLang="en-US"/>
           </a:p>
@@ -2674,7 +2674,7 @@
           <a:p>
             <a:fld id="{1A04FA71-112E-4FFA-AA9C-36DCFB1630E0}" type="datetimeFigureOut">
               <a:rPr lang="ko-KR" altLang="en-US" smtClean="0"/>
-              <a:t>2022-12-28</a:t>
+              <a:t>2023-01-02</a:t>
             </a:fld>
             <a:endParaRPr lang="ko-KR" altLang="en-US"/>
           </a:p>
@@ -2915,7 +2915,7 @@
           <a:p>
             <a:fld id="{1A04FA71-112E-4FFA-AA9C-36DCFB1630E0}" type="datetimeFigureOut">
               <a:rPr lang="ko-KR" altLang="en-US" smtClean="0"/>
-              <a:t>2022-12-28</a:t>
+              <a:t>2023-01-02</a:t>
             </a:fld>
             <a:endParaRPr lang="ko-KR" altLang="en-US"/>
           </a:p>
@@ -3450,6 +3450,34 @@
           <a:bodyPr rtlCol="0" anchor="t"/>
           <a:lstStyle/>
           <a:p>
+            <a:r>
+              <a:rPr lang="ko-KR" altLang="en-US" sz="1000" b="1" dirty="0">
+                <a:solidFill>
+                  <a:schemeClr val="bg2">
+                    <a:lumMod val="25000"/>
+                  </a:schemeClr>
+                </a:solidFill>
+              </a:rPr>
+              <a:t>요구사항</a:t>
+            </a:r>
+            <a:endParaRPr lang="en-US" altLang="ko-KR" sz="1000" b="1" dirty="0">
+              <a:solidFill>
+                <a:schemeClr val="bg2">
+                  <a:lumMod val="25000"/>
+                </a:schemeClr>
+              </a:solidFill>
+            </a:endParaRPr>
+          </a:p>
+          <a:p>
+            <a:endParaRPr lang="en-US" altLang="ko-KR" sz="1000" dirty="0">
+              <a:solidFill>
+                <a:schemeClr val="bg2">
+                  <a:lumMod val="25000"/>
+                </a:schemeClr>
+              </a:solidFill>
+            </a:endParaRPr>
+          </a:p>
+          <a:p>
             <a:pPr marL="342900" indent="-342900">
               <a:buAutoNum type="arabicPeriod"/>
             </a:pPr>
@@ -3465,6 +3493,18 @@
             <a:pPr marL="342900" indent="-342900">
               <a:buAutoNum type="arabicPeriod"/>
             </a:pPr>
+            <a:endParaRPr lang="en-US" altLang="ko-KR" sz="1000" dirty="0">
+              <a:solidFill>
+                <a:schemeClr val="bg2">
+                  <a:lumMod val="25000"/>
+                </a:schemeClr>
+              </a:solidFill>
+            </a:endParaRPr>
+          </a:p>
+          <a:p>
+            <a:pPr marL="342900" indent="-342900">
+              <a:buAutoNum type="arabicPeriod"/>
+            </a:pPr>
             <a:r>
               <a:rPr lang="ko-KR" altLang="en-US" sz="1000" dirty="0">
                 <a:solidFill>
@@ -3827,48 +3867,6 @@
             <a:pPr marL="342900" indent="-342900">
               <a:buAutoNum type="arabicPeriod"/>
             </a:pPr>
-            <a:endParaRPr lang="en-US" altLang="ko-KR" sz="1000" dirty="0">
-              <a:solidFill>
-                <a:schemeClr val="bg2">
-                  <a:lumMod val="25000"/>
-                </a:schemeClr>
-              </a:solidFill>
-            </a:endParaRPr>
-          </a:p>
-          <a:p>
-            <a:pPr marL="342900" indent="-342900">
-              <a:buAutoNum type="arabicPeriod"/>
-            </a:pPr>
-            <a:r>
-              <a:rPr lang="ko-KR" altLang="en-US" sz="1000" dirty="0">
-                <a:solidFill>
-                  <a:schemeClr val="bg2">
-                    <a:lumMod val="25000"/>
-                  </a:schemeClr>
-                </a:solidFill>
-              </a:rPr>
-              <a:t>로그인</a:t>
-            </a:r>
-            <a:r>
-              <a:rPr lang="en-US" altLang="ko-KR" sz="1000" dirty="0">
-                <a:solidFill>
-                  <a:schemeClr val="bg2">
-                    <a:lumMod val="25000"/>
-                  </a:schemeClr>
-                </a:solidFill>
-              </a:rPr>
-              <a:t>, </a:t>
-            </a:r>
-            <a:r>
-              <a:rPr lang="ko-KR" altLang="en-US" sz="1000" dirty="0">
-                <a:solidFill>
-                  <a:schemeClr val="bg2">
-                    <a:lumMod val="25000"/>
-                  </a:schemeClr>
-                </a:solidFill>
-              </a:rPr>
-              <a:t>회원가입 버튼간 공간확보</a:t>
-            </a:r>
             <a:endParaRPr lang="en-US" altLang="ko-KR" sz="1000" dirty="0">
               <a:solidFill>
                 <a:schemeClr val="bg2">
@@ -4613,7 +4611,7 @@
         </p:nvSpPr>
         <p:spPr>
           <a:xfrm>
-            <a:off x="5393592" y="4490914"/>
+            <a:off x="5393592" y="4464538"/>
             <a:ext cx="577216" cy="212648"/>
           </a:xfrm>
           <a:prstGeom prst="rect">
@@ -4692,7 +4690,7 @@
         </p:nvSpPr>
         <p:spPr>
           <a:xfrm>
-            <a:off x="791016" y="976017"/>
+            <a:off x="763809" y="860210"/>
             <a:ext cx="6930584" cy="5383764"/>
           </a:xfrm>
           <a:prstGeom prst="rect">
@@ -4912,6 +4910,717 @@
           <a:bodyPr rtlCol="0" anchor="t"/>
           <a:lstStyle/>
           <a:p>
+            <a:endParaRPr lang="en-US" altLang="ko-KR" sz="1000" dirty="0">
+              <a:solidFill>
+                <a:schemeClr val="bg2">
+                  <a:lumMod val="25000"/>
+                </a:schemeClr>
+              </a:solidFill>
+            </a:endParaRPr>
+          </a:p>
+          <a:p>
+            <a:r>
+              <a:rPr lang="ko-KR" altLang="en-US" sz="1100" b="1" dirty="0">
+                <a:solidFill>
+                  <a:schemeClr val="bg2">
+                    <a:lumMod val="25000"/>
+                  </a:schemeClr>
+                </a:solidFill>
+              </a:rPr>
+              <a:t>요구사항</a:t>
+            </a:r>
+            <a:endParaRPr lang="en-US" altLang="ko-KR" sz="1100" b="1" dirty="0">
+              <a:solidFill>
+                <a:schemeClr val="bg2">
+                  <a:lumMod val="25000"/>
+                </a:schemeClr>
+              </a:solidFill>
+            </a:endParaRPr>
+          </a:p>
+          <a:p>
+            <a:endParaRPr lang="en-US" altLang="ko-KR" sz="1000" dirty="0">
+              <a:solidFill>
+                <a:schemeClr val="bg2">
+                  <a:lumMod val="25000"/>
+                </a:schemeClr>
+              </a:solidFill>
+            </a:endParaRPr>
+          </a:p>
+          <a:p>
+            <a:endParaRPr lang="en-US" altLang="ko-KR" sz="1000" dirty="0">
+              <a:solidFill>
+                <a:schemeClr val="bg2">
+                  <a:lumMod val="25000"/>
+                </a:schemeClr>
+              </a:solidFill>
+            </a:endParaRPr>
+          </a:p>
+          <a:p>
+            <a:pPr marL="342900" indent="-342900">
+              <a:buAutoNum type="arabicPeriod"/>
+            </a:pPr>
+            <a:r>
+              <a:rPr lang="ko-KR" altLang="en-US" sz="1000" dirty="0">
+                <a:solidFill>
+                  <a:schemeClr val="bg2">
+                    <a:lumMod val="25000"/>
+                  </a:schemeClr>
+                </a:solidFill>
+              </a:rPr>
+              <a:t>아이디 </a:t>
+            </a:r>
+            <a:r>
+              <a:rPr lang="en-US" altLang="ko-KR" sz="1000" dirty="0">
+                <a:solidFill>
+                  <a:schemeClr val="bg2">
+                    <a:lumMod val="25000"/>
+                  </a:schemeClr>
+                </a:solidFill>
+              </a:rPr>
+              <a:t>(</a:t>
+            </a:r>
+            <a:r>
+              <a:rPr lang="ko-KR" altLang="en-US" sz="1000" dirty="0">
+                <a:solidFill>
+                  <a:schemeClr val="bg2">
+                    <a:lumMod val="25000"/>
+                  </a:schemeClr>
+                </a:solidFill>
+              </a:rPr>
+              <a:t>영문</a:t>
+            </a:r>
+            <a:r>
+              <a:rPr lang="en-US" altLang="ko-KR" sz="1000" dirty="0">
+                <a:solidFill>
+                  <a:schemeClr val="bg2">
+                    <a:lumMod val="25000"/>
+                  </a:schemeClr>
+                </a:solidFill>
+              </a:rPr>
+              <a:t>, </a:t>
+            </a:r>
+            <a:r>
+              <a:rPr lang="ko-KR" altLang="en-US" sz="1000" dirty="0">
+                <a:solidFill>
+                  <a:schemeClr val="bg2">
+                    <a:lumMod val="25000"/>
+                  </a:schemeClr>
+                </a:solidFill>
+              </a:rPr>
+              <a:t>숫자 포함</a:t>
+            </a:r>
+            <a:r>
+              <a:rPr lang="en-US" altLang="ko-KR" sz="1000" dirty="0">
+                <a:solidFill>
+                  <a:schemeClr val="bg2">
+                    <a:lumMod val="25000"/>
+                  </a:schemeClr>
+                </a:solidFill>
+              </a:rPr>
+              <a:t>)</a:t>
+            </a:r>
+            <a:br>
+              <a:rPr lang="en-US" altLang="ko-KR" sz="1000" dirty="0">
+                <a:solidFill>
+                  <a:schemeClr val="bg2">
+                    <a:lumMod val="25000"/>
+                  </a:schemeClr>
+                </a:solidFill>
+              </a:rPr>
+            </a:br>
+            <a:r>
+              <a:rPr lang="ko-KR" altLang="en-US" sz="1000" dirty="0">
+                <a:solidFill>
+                  <a:schemeClr val="bg2">
+                    <a:lumMod val="25000"/>
+                  </a:schemeClr>
+                </a:solidFill>
+              </a:rPr>
+              <a:t>아이디 </a:t>
+            </a:r>
+            <a:r>
+              <a:rPr lang="en-US" altLang="ko-KR" sz="1000" dirty="0" err="1">
+                <a:solidFill>
+                  <a:schemeClr val="bg2">
+                    <a:lumMod val="25000"/>
+                  </a:schemeClr>
+                </a:solidFill>
+              </a:rPr>
+              <a:t>KeyUp</a:t>
+            </a:r>
+            <a:r>
+              <a:rPr lang="en-US" altLang="ko-KR" sz="1000" dirty="0">
+                <a:solidFill>
+                  <a:schemeClr val="bg2">
+                    <a:lumMod val="25000"/>
+                  </a:schemeClr>
+                </a:solidFill>
+              </a:rPr>
+              <a:t> </a:t>
+            </a:r>
+            <a:r>
+              <a:rPr lang="ko-KR" altLang="en-US" sz="1000" dirty="0">
+                <a:solidFill>
+                  <a:schemeClr val="bg2">
+                    <a:lumMod val="25000"/>
+                  </a:schemeClr>
+                </a:solidFill>
+              </a:rPr>
+              <a:t>이벤트시 중복검사 자동 실행</a:t>
+            </a:r>
+            <a:br>
+              <a:rPr lang="en-US" altLang="ko-KR" sz="1000" dirty="0">
+                <a:solidFill>
+                  <a:schemeClr val="bg2">
+                    <a:lumMod val="25000"/>
+                  </a:schemeClr>
+                </a:solidFill>
+              </a:rPr>
+            </a:br>
+            <a:endParaRPr lang="en-US" altLang="ko-KR" sz="1000" dirty="0">
+              <a:solidFill>
+                <a:schemeClr val="bg2">
+                  <a:lumMod val="25000"/>
+                </a:schemeClr>
+              </a:solidFill>
+            </a:endParaRPr>
+          </a:p>
+          <a:p>
+            <a:pPr marL="342900" indent="-342900">
+              <a:buAutoNum type="arabicPeriod"/>
+            </a:pPr>
+            <a:r>
+              <a:rPr lang="ko-KR" altLang="en-US" sz="1000" dirty="0">
+                <a:solidFill>
+                  <a:schemeClr val="bg2">
+                    <a:lumMod val="25000"/>
+                  </a:schemeClr>
+                </a:solidFill>
+              </a:rPr>
+              <a:t>중복되는 아이디가 있는 경우 </a:t>
+            </a:r>
+            <a:r>
+              <a:rPr lang="ko-KR" altLang="en-US" sz="1000" dirty="0" err="1">
+                <a:solidFill>
+                  <a:schemeClr val="bg2">
+                    <a:lumMod val="25000"/>
+                  </a:schemeClr>
+                </a:solidFill>
+              </a:rPr>
+              <a:t>경고창</a:t>
+            </a:r>
+            <a:r>
+              <a:rPr lang="ko-KR" altLang="en-US" sz="1000" dirty="0">
+                <a:solidFill>
+                  <a:schemeClr val="bg2">
+                    <a:lumMod val="25000"/>
+                  </a:schemeClr>
+                </a:solidFill>
+              </a:rPr>
+              <a:t> 표시 후 아이디 항목으로 </a:t>
+            </a:r>
+            <a:r>
+              <a:rPr lang="en-US" altLang="ko-KR" sz="1000" dirty="0">
+                <a:solidFill>
+                  <a:schemeClr val="bg2">
+                    <a:lumMod val="25000"/>
+                  </a:schemeClr>
+                </a:solidFill>
+              </a:rPr>
+              <a:t>focus </a:t>
+            </a:r>
+            <a:r>
+              <a:rPr lang="ko-KR" altLang="en-US" sz="1000" dirty="0">
+                <a:solidFill>
+                  <a:schemeClr val="bg2">
+                    <a:lumMod val="25000"/>
+                  </a:schemeClr>
+                </a:solidFill>
+              </a:rPr>
+              <a:t>가 자동이동</a:t>
+            </a:r>
+            <a:r>
+              <a:rPr lang="en-US" altLang="ko-KR" sz="1000" dirty="0">
+                <a:solidFill>
+                  <a:schemeClr val="bg2">
+                    <a:lumMod val="25000"/>
+                  </a:schemeClr>
+                </a:solidFill>
+              </a:rPr>
+              <a:t>, </a:t>
+            </a:r>
+            <a:r>
+              <a:rPr lang="ko-KR" altLang="en-US" sz="1000" dirty="0">
+                <a:solidFill>
+                  <a:schemeClr val="bg2">
+                    <a:lumMod val="25000"/>
+                  </a:schemeClr>
+                </a:solidFill>
+              </a:rPr>
+              <a:t>가입버튼 비활성화</a:t>
+            </a:r>
+            <a:br>
+              <a:rPr lang="en-US" altLang="ko-KR" sz="1000" dirty="0">
+                <a:solidFill>
+                  <a:schemeClr val="bg2">
+                    <a:lumMod val="25000"/>
+                  </a:schemeClr>
+                </a:solidFill>
+              </a:rPr>
+            </a:br>
+            <a:endParaRPr lang="en-US" altLang="ko-KR" sz="1000" dirty="0">
+              <a:solidFill>
+                <a:schemeClr val="bg2">
+                  <a:lumMod val="25000"/>
+                </a:schemeClr>
+              </a:solidFill>
+            </a:endParaRPr>
+          </a:p>
+          <a:p>
+            <a:pPr marL="342900" indent="-342900">
+              <a:buAutoNum type="arabicPeriod"/>
+            </a:pPr>
+            <a:r>
+              <a:rPr lang="ko-KR" altLang="en-US" sz="1000" dirty="0">
+                <a:solidFill>
+                  <a:schemeClr val="bg2">
+                    <a:lumMod val="25000"/>
+                  </a:schemeClr>
+                </a:solidFill>
+              </a:rPr>
+              <a:t>비밀번호 </a:t>
+            </a:r>
+            <a:r>
+              <a:rPr lang="en-US" altLang="ko-KR" sz="1000" dirty="0">
+                <a:solidFill>
+                  <a:schemeClr val="bg2">
+                    <a:lumMod val="25000"/>
+                  </a:schemeClr>
+                </a:solidFill>
+              </a:rPr>
+              <a:t>(</a:t>
+            </a:r>
+            <a:r>
+              <a:rPr lang="ko-KR" altLang="en-US" sz="1000" dirty="0">
+                <a:solidFill>
+                  <a:schemeClr val="bg2">
+                    <a:lumMod val="25000"/>
+                  </a:schemeClr>
+                </a:solidFill>
+              </a:rPr>
+              <a:t>영문</a:t>
+            </a:r>
+            <a:r>
+              <a:rPr lang="en-US" altLang="ko-KR" sz="1000" dirty="0">
+                <a:solidFill>
+                  <a:schemeClr val="bg2">
+                    <a:lumMod val="25000"/>
+                  </a:schemeClr>
+                </a:solidFill>
+              </a:rPr>
+              <a:t>, </a:t>
+            </a:r>
+            <a:r>
+              <a:rPr lang="ko-KR" altLang="en-US" sz="1000" dirty="0">
+                <a:solidFill>
+                  <a:schemeClr val="bg2">
+                    <a:lumMod val="25000"/>
+                  </a:schemeClr>
+                </a:solidFill>
+              </a:rPr>
+              <a:t>숫자</a:t>
+            </a:r>
+            <a:r>
+              <a:rPr lang="en-US" altLang="ko-KR" sz="1000" dirty="0">
+                <a:solidFill>
+                  <a:schemeClr val="bg2">
+                    <a:lumMod val="25000"/>
+                  </a:schemeClr>
+                </a:solidFill>
+              </a:rPr>
+              <a:t>, </a:t>
+            </a:r>
+            <a:r>
+              <a:rPr lang="ko-KR" altLang="en-US" sz="1000" dirty="0">
+                <a:solidFill>
+                  <a:schemeClr val="bg2">
+                    <a:lumMod val="25000"/>
+                  </a:schemeClr>
+                </a:solidFill>
+              </a:rPr>
+              <a:t>특수문자 로 구성</a:t>
+            </a:r>
+            <a:r>
+              <a:rPr lang="en-US" altLang="ko-KR" sz="1000" dirty="0">
+                <a:solidFill>
+                  <a:schemeClr val="bg2">
+                    <a:lumMod val="25000"/>
+                  </a:schemeClr>
+                </a:solidFill>
+              </a:rPr>
+              <a:t>, </a:t>
+            </a:r>
+            <a:r>
+              <a:rPr lang="ko-KR" altLang="en-US" sz="1000" dirty="0">
+                <a:solidFill>
+                  <a:schemeClr val="bg2">
+                    <a:lumMod val="25000"/>
+                  </a:schemeClr>
+                </a:solidFill>
+              </a:rPr>
+              <a:t>특수문자 </a:t>
+            </a:r>
+            <a:r>
+              <a:rPr lang="en-US" altLang="ko-KR" sz="1000" dirty="0">
+                <a:solidFill>
+                  <a:schemeClr val="bg2">
+                    <a:lumMod val="25000"/>
+                  </a:schemeClr>
+                </a:solidFill>
+              </a:rPr>
+              <a:t>1</a:t>
+            </a:r>
+            <a:r>
+              <a:rPr lang="ko-KR" altLang="en-US" sz="1000" dirty="0">
+                <a:solidFill>
+                  <a:schemeClr val="bg2">
+                    <a:lumMod val="25000"/>
+                  </a:schemeClr>
+                </a:solidFill>
+              </a:rPr>
+              <a:t>개 필수</a:t>
+            </a:r>
+            <a:br>
+              <a:rPr lang="en-US" altLang="ko-KR" sz="1000" dirty="0">
+                <a:solidFill>
+                  <a:schemeClr val="bg2">
+                    <a:lumMod val="25000"/>
+                  </a:schemeClr>
+                </a:solidFill>
+              </a:rPr>
+            </a:br>
+            <a:endParaRPr lang="en-US" altLang="ko-KR" sz="1000" dirty="0">
+              <a:solidFill>
+                <a:schemeClr val="bg2">
+                  <a:lumMod val="25000"/>
+                </a:schemeClr>
+              </a:solidFill>
+            </a:endParaRPr>
+          </a:p>
+          <a:p>
+            <a:pPr marL="342900" indent="-342900">
+              <a:buAutoNum type="arabicPeriod"/>
+            </a:pPr>
+            <a:r>
+              <a:rPr lang="ko-KR" altLang="en-US" sz="1000" dirty="0">
+                <a:solidFill>
+                  <a:schemeClr val="bg2">
+                    <a:lumMod val="25000"/>
+                  </a:schemeClr>
+                </a:solidFill>
+              </a:rPr>
+              <a:t>이름 </a:t>
+            </a:r>
+            <a:r>
+              <a:rPr lang="en-US" altLang="ko-KR" sz="1000" dirty="0">
+                <a:solidFill>
+                  <a:schemeClr val="bg2">
+                    <a:lumMod val="25000"/>
+                  </a:schemeClr>
+                </a:solidFill>
+              </a:rPr>
+              <a:t>(</a:t>
+            </a:r>
+            <a:r>
+              <a:rPr lang="ko-KR" altLang="en-US" sz="1000" dirty="0">
+                <a:solidFill>
+                  <a:schemeClr val="bg2">
+                    <a:lumMod val="25000"/>
+                  </a:schemeClr>
+                </a:solidFill>
+              </a:rPr>
+              <a:t>한글</a:t>
+            </a:r>
+            <a:r>
+              <a:rPr lang="en-US" altLang="ko-KR" sz="1000" dirty="0">
+                <a:solidFill>
+                  <a:schemeClr val="bg2">
+                    <a:lumMod val="25000"/>
+                  </a:schemeClr>
+                </a:solidFill>
+              </a:rPr>
+              <a:t>, </a:t>
+            </a:r>
+            <a:r>
+              <a:rPr lang="ko-KR" altLang="en-US" sz="1000" dirty="0">
+                <a:solidFill>
+                  <a:schemeClr val="bg2">
+                    <a:lumMod val="25000"/>
+                  </a:schemeClr>
+                </a:solidFill>
+              </a:rPr>
+              <a:t>영문 가능</a:t>
+            </a:r>
+            <a:r>
+              <a:rPr lang="en-US" altLang="ko-KR" sz="1000" dirty="0">
+                <a:solidFill>
+                  <a:schemeClr val="bg2">
+                    <a:lumMod val="25000"/>
+                  </a:schemeClr>
+                </a:solidFill>
+              </a:rPr>
+              <a:t>)</a:t>
+            </a:r>
+            <a:br>
+              <a:rPr lang="en-US" altLang="ko-KR" sz="1000" dirty="0">
+                <a:solidFill>
+                  <a:schemeClr val="bg2">
+                    <a:lumMod val="25000"/>
+                  </a:schemeClr>
+                </a:solidFill>
+              </a:rPr>
+            </a:br>
+            <a:endParaRPr lang="en-US" altLang="ko-KR" sz="1000" dirty="0">
+              <a:solidFill>
+                <a:schemeClr val="bg2">
+                  <a:lumMod val="25000"/>
+                </a:schemeClr>
+              </a:solidFill>
+            </a:endParaRPr>
+          </a:p>
+          <a:p>
+            <a:pPr marL="342900" indent="-342900">
+              <a:buAutoNum type="arabicPeriod"/>
+            </a:pPr>
+            <a:r>
+              <a:rPr lang="ko-KR" altLang="en-US" sz="1000" dirty="0">
+                <a:solidFill>
+                  <a:schemeClr val="bg2">
+                    <a:lumMod val="25000"/>
+                  </a:schemeClr>
+                </a:solidFill>
+              </a:rPr>
+              <a:t>휴대전화번호 </a:t>
+            </a:r>
+            <a:r>
+              <a:rPr lang="en-US" altLang="ko-KR" sz="1000" dirty="0">
+                <a:solidFill>
+                  <a:schemeClr val="bg2">
+                    <a:lumMod val="25000"/>
+                  </a:schemeClr>
+                </a:solidFill>
+              </a:rPr>
+              <a:t>(</a:t>
+            </a:r>
+            <a:r>
+              <a:rPr lang="ko-KR" altLang="en-US" sz="1000" dirty="0">
+                <a:solidFill>
+                  <a:schemeClr val="bg2">
+                    <a:lumMod val="25000"/>
+                  </a:schemeClr>
+                </a:solidFill>
+              </a:rPr>
+              <a:t>휴대전화번호 형식</a:t>
+            </a:r>
+            <a:r>
+              <a:rPr lang="en-US" altLang="ko-KR" sz="1000" dirty="0">
+                <a:solidFill>
+                  <a:schemeClr val="bg2">
+                    <a:lumMod val="25000"/>
+                  </a:schemeClr>
+                </a:solidFill>
+              </a:rPr>
+              <a:t>)</a:t>
+            </a:r>
+            <a:br>
+              <a:rPr lang="en-US" altLang="ko-KR" sz="1000" dirty="0">
+                <a:solidFill>
+                  <a:schemeClr val="bg2">
+                    <a:lumMod val="25000"/>
+                  </a:schemeClr>
+                </a:solidFill>
+              </a:rPr>
+            </a:br>
+            <a:r>
+              <a:rPr lang="ko-KR" altLang="en-US" sz="1000" dirty="0">
+                <a:solidFill>
+                  <a:schemeClr val="bg2">
+                    <a:lumMod val="25000"/>
+                  </a:schemeClr>
+                </a:solidFill>
+              </a:rPr>
+              <a:t>데이터 보관은 숫자만 보관</a:t>
+            </a:r>
+            <a:br>
+              <a:rPr lang="en-US" altLang="ko-KR" sz="1000" dirty="0">
+                <a:solidFill>
+                  <a:schemeClr val="bg2">
+                    <a:lumMod val="25000"/>
+                  </a:schemeClr>
+                </a:solidFill>
+              </a:rPr>
+            </a:br>
+            <a:endParaRPr lang="en-US" altLang="ko-KR" sz="1000" dirty="0">
+              <a:solidFill>
+                <a:schemeClr val="bg2">
+                  <a:lumMod val="25000"/>
+                </a:schemeClr>
+              </a:solidFill>
+            </a:endParaRPr>
+          </a:p>
+          <a:p>
+            <a:pPr marL="342900" indent="-342900">
+              <a:buAutoNum type="arabicPeriod"/>
+            </a:pPr>
+            <a:r>
+              <a:rPr lang="ko-KR" altLang="en-US" sz="1000" dirty="0">
+                <a:solidFill>
+                  <a:schemeClr val="bg2">
+                    <a:lumMod val="25000"/>
+                  </a:schemeClr>
+                </a:solidFill>
+              </a:rPr>
+              <a:t>가입버튼 기본 비활성화</a:t>
+            </a:r>
+            <a:r>
+              <a:rPr lang="en-US" altLang="ko-KR" sz="1000" dirty="0">
+                <a:solidFill>
+                  <a:schemeClr val="bg2">
+                    <a:lumMod val="25000"/>
+                  </a:schemeClr>
+                </a:solidFill>
+              </a:rPr>
+              <a:t>, </a:t>
+            </a:r>
+            <a:r>
+              <a:rPr lang="ko-KR" altLang="en-US" sz="1000" dirty="0">
+                <a:solidFill>
+                  <a:schemeClr val="bg2">
+                    <a:lumMod val="25000"/>
+                  </a:schemeClr>
+                </a:solidFill>
+              </a:rPr>
+              <a:t>아이디 중복체크 통과 및 필수 항목 모두 입력된 경우 활성화</a:t>
+            </a:r>
+            <a:br>
+              <a:rPr lang="en-US" altLang="ko-KR" sz="1000" dirty="0">
+                <a:solidFill>
+                  <a:schemeClr val="bg2">
+                    <a:lumMod val="25000"/>
+                  </a:schemeClr>
+                </a:solidFill>
+              </a:rPr>
+            </a:br>
+            <a:endParaRPr lang="en-US" altLang="ko-KR" sz="1000" dirty="0">
+              <a:solidFill>
+                <a:schemeClr val="bg2">
+                  <a:lumMod val="25000"/>
+                </a:schemeClr>
+              </a:solidFill>
+            </a:endParaRPr>
+          </a:p>
+          <a:p>
+            <a:pPr marL="342900" indent="-342900">
+              <a:buAutoNum type="arabicPeriod"/>
+            </a:pPr>
+            <a:r>
+              <a:rPr lang="ko-KR" altLang="en-US" sz="1000" dirty="0">
+                <a:solidFill>
+                  <a:schemeClr val="bg2">
+                    <a:lumMod val="25000"/>
+                  </a:schemeClr>
+                </a:solidFill>
+              </a:rPr>
+              <a:t>필수 항목</a:t>
+            </a:r>
+            <a:br>
+              <a:rPr lang="en-US" altLang="ko-KR" sz="1000" dirty="0">
+                <a:solidFill>
+                  <a:schemeClr val="bg2">
+                    <a:lumMod val="25000"/>
+                  </a:schemeClr>
+                </a:solidFill>
+              </a:rPr>
+            </a:br>
+            <a:r>
+              <a:rPr lang="ko-KR" altLang="en-US" sz="1000" dirty="0">
+                <a:solidFill>
+                  <a:schemeClr val="bg2">
+                    <a:lumMod val="25000"/>
+                  </a:schemeClr>
+                </a:solidFill>
+              </a:rPr>
+              <a:t>아이디</a:t>
+            </a:r>
+            <a:r>
+              <a:rPr lang="en-US" altLang="ko-KR" sz="1000" dirty="0">
+                <a:solidFill>
+                  <a:schemeClr val="bg2">
+                    <a:lumMod val="25000"/>
+                  </a:schemeClr>
+                </a:solidFill>
+              </a:rPr>
+              <a:t>, </a:t>
+            </a:r>
+            <a:r>
+              <a:rPr lang="ko-KR" altLang="en-US" sz="1000" dirty="0">
+                <a:solidFill>
+                  <a:schemeClr val="bg2">
+                    <a:lumMod val="25000"/>
+                  </a:schemeClr>
+                </a:solidFill>
+              </a:rPr>
+              <a:t>비밀번호</a:t>
+            </a:r>
+            <a:r>
+              <a:rPr lang="en-US" altLang="ko-KR" sz="1000" dirty="0">
+                <a:solidFill>
+                  <a:schemeClr val="bg2">
+                    <a:lumMod val="25000"/>
+                  </a:schemeClr>
+                </a:solidFill>
+              </a:rPr>
+              <a:t>, </a:t>
+            </a:r>
+            <a:r>
+              <a:rPr lang="ko-KR" altLang="en-US" sz="1000" dirty="0">
+                <a:solidFill>
+                  <a:schemeClr val="bg2">
+                    <a:lumMod val="25000"/>
+                  </a:schemeClr>
+                </a:solidFill>
+              </a:rPr>
+              <a:t>이름</a:t>
+            </a:r>
+            <a:r>
+              <a:rPr lang="en-US" altLang="ko-KR" sz="1000" dirty="0">
+                <a:solidFill>
+                  <a:schemeClr val="bg2">
+                    <a:lumMod val="25000"/>
+                  </a:schemeClr>
+                </a:solidFill>
+              </a:rPr>
+              <a:t>, </a:t>
+            </a:r>
+            <a:r>
+              <a:rPr lang="ko-KR" altLang="en-US" sz="1000" dirty="0">
+                <a:solidFill>
+                  <a:schemeClr val="bg2">
+                    <a:lumMod val="25000"/>
+                  </a:schemeClr>
+                </a:solidFill>
+              </a:rPr>
+              <a:t>휴대전화</a:t>
+            </a:r>
+            <a:endParaRPr lang="en-US" altLang="ko-KR" sz="1000" dirty="0">
+              <a:solidFill>
+                <a:schemeClr val="bg2">
+                  <a:lumMod val="25000"/>
+                </a:schemeClr>
+              </a:solidFill>
+            </a:endParaRPr>
+          </a:p>
+          <a:p>
             <a:pPr marL="342900" indent="-342900">
               <a:buAutoNum type="arabicPeriod"/>
             </a:pPr>
@@ -4922,246 +5631,6 @@
                 </a:schemeClr>
               </a:solidFill>
             </a:endParaRPr>
-          </a:p>
-          <a:p>
-            <a:pPr marL="342900" indent="-342900">
-              <a:buAutoNum type="arabicPeriod"/>
-            </a:pPr>
-            <a:r>
-              <a:rPr lang="ko-KR" altLang="en-US" sz="1000" dirty="0">
-                <a:solidFill>
-                  <a:schemeClr val="bg2">
-                    <a:lumMod val="25000"/>
-                  </a:schemeClr>
-                </a:solidFill>
-              </a:rPr>
-              <a:t>아이디 </a:t>
-            </a:r>
-            <a:r>
-              <a:rPr lang="en-US" altLang="ko-KR" sz="1000" dirty="0">
-                <a:solidFill>
-                  <a:schemeClr val="bg2">
-                    <a:lumMod val="25000"/>
-                  </a:schemeClr>
-                </a:solidFill>
-              </a:rPr>
-              <a:t>(</a:t>
-            </a:r>
-            <a:r>
-              <a:rPr lang="ko-KR" altLang="en-US" sz="1000" dirty="0">
-                <a:solidFill>
-                  <a:schemeClr val="bg2">
-                    <a:lumMod val="25000"/>
-                  </a:schemeClr>
-                </a:solidFill>
-              </a:rPr>
-              <a:t>영문 및 숫자 포함</a:t>
-            </a:r>
-            <a:r>
-              <a:rPr lang="en-US" altLang="ko-KR" sz="1000" dirty="0">
-                <a:solidFill>
-                  <a:schemeClr val="bg2">
-                    <a:lumMod val="25000"/>
-                  </a:schemeClr>
-                </a:solidFill>
-              </a:rPr>
-              <a:t>)</a:t>
-            </a:r>
-          </a:p>
-          <a:p>
-            <a:pPr marL="342900" indent="-342900">
-              <a:buAutoNum type="arabicPeriod"/>
-            </a:pPr>
-            <a:endParaRPr lang="en-US" altLang="ko-KR" sz="1000" dirty="0">
-              <a:solidFill>
-                <a:schemeClr val="bg2">
-                  <a:lumMod val="25000"/>
-                </a:schemeClr>
-              </a:solidFill>
-            </a:endParaRPr>
-          </a:p>
-          <a:p>
-            <a:pPr marL="342900" indent="-342900">
-              <a:buAutoNum type="arabicPeriod"/>
-            </a:pPr>
-            <a:r>
-              <a:rPr lang="ko-KR" altLang="en-US" sz="1000" dirty="0">
-                <a:solidFill>
-                  <a:schemeClr val="bg2">
-                    <a:lumMod val="25000"/>
-                  </a:schemeClr>
-                </a:solidFill>
-              </a:rPr>
-              <a:t>비밀번호 </a:t>
-            </a:r>
-            <a:r>
-              <a:rPr lang="en-US" altLang="ko-KR" sz="1000" dirty="0">
-                <a:solidFill>
-                  <a:schemeClr val="bg2">
-                    <a:lumMod val="25000"/>
-                  </a:schemeClr>
-                </a:solidFill>
-              </a:rPr>
-              <a:t>(</a:t>
-            </a:r>
-            <a:r>
-              <a:rPr lang="ko-KR" altLang="en-US" sz="1000" dirty="0">
-                <a:solidFill>
-                  <a:schemeClr val="bg2">
-                    <a:lumMod val="25000"/>
-                  </a:schemeClr>
-                </a:solidFill>
-              </a:rPr>
-              <a:t>영문</a:t>
-            </a:r>
-            <a:r>
-              <a:rPr lang="en-US" altLang="ko-KR" sz="1000" dirty="0">
-                <a:solidFill>
-                  <a:schemeClr val="bg2">
-                    <a:lumMod val="25000"/>
-                  </a:schemeClr>
-                </a:solidFill>
-              </a:rPr>
-              <a:t>, </a:t>
-            </a:r>
-            <a:r>
-              <a:rPr lang="ko-KR" altLang="en-US" sz="1000" dirty="0">
-                <a:solidFill>
-                  <a:schemeClr val="bg2">
-                    <a:lumMod val="25000"/>
-                  </a:schemeClr>
-                </a:solidFill>
-              </a:rPr>
-              <a:t>숫자 필수</a:t>
-            </a:r>
-            <a:r>
-              <a:rPr lang="en-US" altLang="ko-KR" sz="1000" dirty="0">
-                <a:solidFill>
-                  <a:schemeClr val="bg2">
-                    <a:lumMod val="25000"/>
-                  </a:schemeClr>
-                </a:solidFill>
-              </a:rPr>
-              <a:t>)</a:t>
-            </a:r>
-            <a:br>
-              <a:rPr lang="en-US" altLang="ko-KR" sz="1000" dirty="0">
-                <a:solidFill>
-                  <a:schemeClr val="bg2">
-                    <a:lumMod val="25000"/>
-                  </a:schemeClr>
-                </a:solidFill>
-              </a:rPr>
-            </a:br>
-            <a:endParaRPr lang="en-US" altLang="ko-KR" sz="1000" dirty="0">
-              <a:solidFill>
-                <a:schemeClr val="bg2">
-                  <a:lumMod val="25000"/>
-                </a:schemeClr>
-              </a:solidFill>
-            </a:endParaRPr>
-          </a:p>
-          <a:p>
-            <a:pPr marL="342900" indent="-342900">
-              <a:buAutoNum type="arabicPeriod"/>
-            </a:pPr>
-            <a:r>
-              <a:rPr lang="ko-KR" altLang="en-US" sz="1000" dirty="0">
-                <a:solidFill>
-                  <a:schemeClr val="bg2">
-                    <a:lumMod val="25000"/>
-                  </a:schemeClr>
-                </a:solidFill>
-              </a:rPr>
-              <a:t>이름 </a:t>
-            </a:r>
-            <a:r>
-              <a:rPr lang="en-US" altLang="ko-KR" sz="1000" dirty="0">
-                <a:solidFill>
-                  <a:schemeClr val="bg2">
-                    <a:lumMod val="25000"/>
-                  </a:schemeClr>
-                </a:solidFill>
-              </a:rPr>
-              <a:t>(</a:t>
-            </a:r>
-            <a:r>
-              <a:rPr lang="ko-KR" altLang="en-US" sz="1000" dirty="0">
-                <a:solidFill>
-                  <a:schemeClr val="bg2">
-                    <a:lumMod val="25000"/>
-                  </a:schemeClr>
-                </a:solidFill>
-              </a:rPr>
-              <a:t>한글만 가능</a:t>
-            </a:r>
-            <a:r>
-              <a:rPr lang="en-US" altLang="ko-KR" sz="1000" dirty="0">
-                <a:solidFill>
-                  <a:schemeClr val="bg2">
-                    <a:lumMod val="25000"/>
-                  </a:schemeClr>
-                </a:solidFill>
-              </a:rPr>
-              <a:t>)</a:t>
-            </a:r>
-          </a:p>
-          <a:p>
-            <a:pPr marL="342900" indent="-342900">
-              <a:buAutoNum type="arabicPeriod"/>
-            </a:pPr>
-            <a:endParaRPr lang="en-US" altLang="ko-KR" sz="1000" dirty="0">
-              <a:solidFill>
-                <a:schemeClr val="bg2">
-                  <a:lumMod val="25000"/>
-                </a:schemeClr>
-              </a:solidFill>
-            </a:endParaRPr>
-          </a:p>
-          <a:p>
-            <a:pPr marL="342900" indent="-342900">
-              <a:buAutoNum type="arabicPeriod"/>
-            </a:pPr>
-            <a:r>
-              <a:rPr lang="ko-KR" altLang="en-US" sz="1000" dirty="0">
-                <a:solidFill>
-                  <a:schemeClr val="bg2">
-                    <a:lumMod val="25000"/>
-                  </a:schemeClr>
-                </a:solidFill>
-              </a:rPr>
-              <a:t>휴대 전화번호 </a:t>
-            </a:r>
-            <a:r>
-              <a:rPr lang="en-US" altLang="ko-KR" sz="1000" dirty="0">
-                <a:solidFill>
-                  <a:schemeClr val="bg2">
-                    <a:lumMod val="25000"/>
-                  </a:schemeClr>
-                </a:solidFill>
-              </a:rPr>
-              <a:t>(</a:t>
-            </a:r>
-            <a:r>
-              <a:rPr lang="ko-KR" altLang="en-US" sz="1000" dirty="0">
-                <a:solidFill>
-                  <a:schemeClr val="bg2">
-                    <a:lumMod val="25000"/>
-                  </a:schemeClr>
-                </a:solidFill>
-              </a:rPr>
-              <a:t>휴대전화번호 형식</a:t>
-            </a:r>
-            <a:r>
-              <a:rPr lang="en-US" altLang="ko-KR" sz="1000" dirty="0">
-                <a:solidFill>
-                  <a:schemeClr val="bg2">
-                    <a:lumMod val="25000"/>
-                  </a:schemeClr>
-                </a:solidFill>
-              </a:rPr>
-              <a:t>)</a:t>
-            </a:r>
           </a:p>
         </p:txBody>
       </p:sp>
@@ -5346,18 +5815,20 @@
         </p:nvSpPr>
         <p:spPr>
           <a:xfrm>
-            <a:off x="2557132" y="2406156"/>
-            <a:ext cx="597877" cy="316523"/>
+            <a:off x="2636260" y="3188659"/>
+            <a:ext cx="597877" cy="261610"/>
           </a:xfrm>
           <a:prstGeom prst="rect">
             <a:avLst/>
           </a:prstGeom>
           <a:solidFill>
-            <a:schemeClr val="accent6"/>
+            <a:schemeClr val="bg1">
+              <a:lumMod val="75000"/>
+            </a:schemeClr>
           </a:solidFill>
           <a:ln>
             <a:solidFill>
-              <a:schemeClr val="accent6"/>
+              <a:schemeClr val="bg1"/>
             </a:solidFill>
           </a:ln>
         </p:spPr>
@@ -5383,7 +5854,11 @@
           <a:p>
             <a:pPr algn="ctr"/>
             <a:r>
-              <a:rPr lang="ko-KR" altLang="en-US" sz="900" dirty="0"/>
+              <a:rPr lang="ko-KR" altLang="en-US" sz="900" dirty="0">
+                <a:solidFill>
+                  <a:schemeClr val="tx1"/>
+                </a:solidFill>
+              </a:rPr>
               <a:t>아이디</a:t>
             </a:r>
           </a:p>
@@ -5497,8 +5972,8 @@
         </p:nvSpPr>
         <p:spPr>
           <a:xfrm>
-            <a:off x="3396309" y="2414176"/>
-            <a:ext cx="2107674" cy="316523"/>
+            <a:off x="3387517" y="3188659"/>
+            <a:ext cx="2072506" cy="261610"/>
           </a:xfrm>
           <a:prstGeom prst="rect">
             <a:avLst/>
@@ -5549,19 +6024,19 @@
         </p:nvSpPr>
         <p:spPr>
           <a:xfrm>
-            <a:off x="2557132" y="2980285"/>
-            <a:ext cx="597877" cy="316523"/>
+            <a:off x="2636260" y="3596316"/>
+            <a:ext cx="597877" cy="281658"/>
           </a:xfrm>
           <a:prstGeom prst="rect">
             <a:avLst/>
           </a:prstGeom>
           <a:solidFill>
-            <a:schemeClr val="accent6"/>
+            <a:schemeClr val="bg1">
+              <a:lumMod val="75000"/>
+            </a:schemeClr>
           </a:solidFill>
           <a:ln>
-            <a:solidFill>
-              <a:schemeClr val="accent6"/>
-            </a:solidFill>
+            <a:noFill/>
           </a:ln>
         </p:spPr>
         <p:style>
@@ -5586,7 +6061,11 @@
           <a:p>
             <a:pPr algn="ctr"/>
             <a:r>
-              <a:rPr lang="ko-KR" altLang="en-US" sz="800" dirty="0"/>
+              <a:rPr lang="ko-KR" altLang="en-US" sz="800" dirty="0">
+                <a:solidFill>
+                  <a:schemeClr val="tx1"/>
+                </a:solidFill>
+              </a:rPr>
               <a:t>비밀번호</a:t>
             </a:r>
           </a:p>
@@ -5594,10 +6073,10 @@
       </p:sp>
       <p:sp>
         <p:nvSpPr>
-          <p:cNvPr id="18" name="직사각형 17">
-            <a:extLst>
-              <a:ext uri="{FF2B5EF4-FFF2-40B4-BE49-F238E27FC236}">
-                <a16:creationId xmlns:a16="http://schemas.microsoft.com/office/drawing/2014/main" id="{F00F3B65-AFB7-9F0A-1B75-9EC4A51500F3}"/>
+          <p:cNvPr id="2" name="직사각형 1">
+            <a:extLst>
+              <a:ext uri="{FF2B5EF4-FFF2-40B4-BE49-F238E27FC236}">
+                <a16:creationId xmlns:a16="http://schemas.microsoft.com/office/drawing/2014/main" id="{09ED84C9-DAB3-433E-0227-27F3EE75F61B}"/>
               </a:ext>
             </a:extLst>
           </p:cNvPr>
@@ -5606,8 +6085,8 @@
         </p:nvSpPr>
         <p:spPr>
           <a:xfrm>
-            <a:off x="3396309" y="2988305"/>
-            <a:ext cx="2107674" cy="316523"/>
+            <a:off x="3396309" y="3592943"/>
+            <a:ext cx="2072506" cy="281658"/>
           </a:xfrm>
           <a:prstGeom prst="rect">
             <a:avLst/>
@@ -5646,10 +6125,10 @@
       </p:sp>
       <p:sp>
         <p:nvSpPr>
-          <p:cNvPr id="21" name="직사각형 20">
-            <a:extLst>
-              <a:ext uri="{FF2B5EF4-FFF2-40B4-BE49-F238E27FC236}">
-                <a16:creationId xmlns:a16="http://schemas.microsoft.com/office/drawing/2014/main" id="{8CF44D07-133E-BD8C-0939-10E79967A77A}"/>
+          <p:cNvPr id="3" name="직사각형 2">
+            <a:extLst>
+              <a:ext uri="{FF2B5EF4-FFF2-40B4-BE49-F238E27FC236}">
+                <a16:creationId xmlns:a16="http://schemas.microsoft.com/office/drawing/2014/main" id="{8662692D-6CB7-3CEF-35F1-5039F97D3122}"/>
               </a:ext>
             </a:extLst>
           </p:cNvPr>
@@ -5658,19 +6137,19 @@
         </p:nvSpPr>
         <p:spPr>
           <a:xfrm>
-            <a:off x="2557132" y="3554414"/>
-            <a:ext cx="597877" cy="316523"/>
+            <a:off x="2647988" y="4024021"/>
+            <a:ext cx="597877" cy="261610"/>
           </a:xfrm>
           <a:prstGeom prst="rect">
             <a:avLst/>
           </a:prstGeom>
           <a:solidFill>
-            <a:schemeClr val="accent6"/>
+            <a:schemeClr val="bg1">
+              <a:lumMod val="75000"/>
+            </a:schemeClr>
           </a:solidFill>
           <a:ln>
-            <a:solidFill>
-              <a:schemeClr val="accent6"/>
-            </a:solidFill>
+            <a:noFill/>
           </a:ln>
         </p:spPr>
         <p:style>
@@ -5695,7 +6174,11 @@
           <a:p>
             <a:pPr algn="ctr"/>
             <a:r>
-              <a:rPr lang="ko-KR" altLang="en-US" sz="800" dirty="0"/>
+              <a:rPr lang="ko-KR" altLang="en-US" sz="900" dirty="0">
+                <a:solidFill>
+                  <a:schemeClr val="tx1"/>
+                </a:solidFill>
+              </a:rPr>
               <a:t>이름</a:t>
             </a:r>
           </a:p>
@@ -5703,10 +6186,10 @@
       </p:sp>
       <p:sp>
         <p:nvSpPr>
-          <p:cNvPr id="22" name="직사각형 21">
-            <a:extLst>
-              <a:ext uri="{FF2B5EF4-FFF2-40B4-BE49-F238E27FC236}">
-                <a16:creationId xmlns:a16="http://schemas.microsoft.com/office/drawing/2014/main" id="{775E555F-EBDF-2CB6-FE32-EC996147B81C}"/>
+          <p:cNvPr id="5" name="직사각형 4">
+            <a:extLst>
+              <a:ext uri="{FF2B5EF4-FFF2-40B4-BE49-F238E27FC236}">
+                <a16:creationId xmlns:a16="http://schemas.microsoft.com/office/drawing/2014/main" id="{583A111C-26B1-00D7-803F-57801617A843}"/>
               </a:ext>
             </a:extLst>
           </p:cNvPr>
@@ -5715,8 +6198,8 @@
         </p:nvSpPr>
         <p:spPr>
           <a:xfrm>
-            <a:off x="3396309" y="3562434"/>
-            <a:ext cx="2107674" cy="316523"/>
+            <a:off x="3396309" y="4028358"/>
+            <a:ext cx="2072506" cy="261610"/>
           </a:xfrm>
           <a:prstGeom prst="rect">
             <a:avLst/>
@@ -5755,10 +6238,10 @@
       </p:sp>
       <p:sp>
         <p:nvSpPr>
-          <p:cNvPr id="23" name="직사각형 22">
-            <a:extLst>
-              <a:ext uri="{FF2B5EF4-FFF2-40B4-BE49-F238E27FC236}">
-                <a16:creationId xmlns:a16="http://schemas.microsoft.com/office/drawing/2014/main" id="{09D1B7C1-C7E7-4E2A-5527-45BD3ED08186}"/>
+          <p:cNvPr id="8" name="직사각형 7">
+            <a:extLst>
+              <a:ext uri="{FF2B5EF4-FFF2-40B4-BE49-F238E27FC236}">
+                <a16:creationId xmlns:a16="http://schemas.microsoft.com/office/drawing/2014/main" id="{99976D7A-CCBC-ADDC-4F7F-967C5ECA3A52}"/>
               </a:ext>
             </a:extLst>
           </p:cNvPr>
@@ -5767,19 +6250,19 @@
         </p:nvSpPr>
         <p:spPr>
           <a:xfrm>
-            <a:off x="2557132" y="4136563"/>
-            <a:ext cx="597877" cy="316523"/>
+            <a:off x="2647988" y="4431678"/>
+            <a:ext cx="597877" cy="261610"/>
           </a:xfrm>
           <a:prstGeom prst="rect">
             <a:avLst/>
           </a:prstGeom>
           <a:solidFill>
-            <a:schemeClr val="accent6"/>
+            <a:schemeClr val="bg1">
+              <a:lumMod val="75000"/>
+            </a:schemeClr>
           </a:solidFill>
           <a:ln>
-            <a:solidFill>
-              <a:schemeClr val="accent6"/>
-            </a:solidFill>
+            <a:noFill/>
           </a:ln>
         </p:spPr>
         <p:style>
@@ -5804,7 +6287,11 @@
           <a:p>
             <a:pPr algn="ctr"/>
             <a:r>
-              <a:rPr lang="ko-KR" altLang="en-US" sz="800" dirty="0"/>
+              <a:rPr lang="ko-KR" altLang="en-US" sz="800" dirty="0">
+                <a:solidFill>
+                  <a:schemeClr val="tx1"/>
+                </a:solidFill>
+              </a:rPr>
               <a:t>휴대전화</a:t>
             </a:r>
           </a:p>
@@ -5812,10 +6299,10 @@
       </p:sp>
       <p:sp>
         <p:nvSpPr>
-          <p:cNvPr id="24" name="직사각형 23">
-            <a:extLst>
-              <a:ext uri="{FF2B5EF4-FFF2-40B4-BE49-F238E27FC236}">
-                <a16:creationId xmlns:a16="http://schemas.microsoft.com/office/drawing/2014/main" id="{562888CC-501D-A70E-7480-17C3301AF1B2}"/>
+          <p:cNvPr id="10" name="직사각형 9">
+            <a:extLst>
+              <a:ext uri="{FF2B5EF4-FFF2-40B4-BE49-F238E27FC236}">
+                <a16:creationId xmlns:a16="http://schemas.microsoft.com/office/drawing/2014/main" id="{D62F69D3-0303-FCE8-C090-BBC3E19BD5A7}"/>
               </a:ext>
             </a:extLst>
           </p:cNvPr>
@@ -5824,8 +6311,8 @@
         </p:nvSpPr>
         <p:spPr>
           <a:xfrm>
-            <a:off x="3396309" y="4144583"/>
-            <a:ext cx="2107674" cy="316523"/>
+            <a:off x="3396309" y="4431281"/>
+            <a:ext cx="2072506" cy="261610"/>
           </a:xfrm>
           <a:prstGeom prst="rect">
             <a:avLst/>
@@ -5858,16 +6345,16 @@
           <a:lstStyle/>
           <a:p>
             <a:pPr algn="ctr"/>
-            <a:endParaRPr lang="ko-KR" altLang="en-US" dirty="0"/>
-          </a:p>
-        </p:txBody>
-      </p:sp>
-      <p:sp>
-        <p:nvSpPr>
-          <p:cNvPr id="25" name="직사각형 24">
-            <a:extLst>
-              <a:ext uri="{FF2B5EF4-FFF2-40B4-BE49-F238E27FC236}">
-                <a16:creationId xmlns:a16="http://schemas.microsoft.com/office/drawing/2014/main" id="{3B8A335D-82A7-CC88-0D06-ADBD2DB56FFB}"/>
+            <a:endParaRPr lang="ko-KR" altLang="en-US"/>
+          </a:p>
+        </p:txBody>
+      </p:sp>
+      <p:sp>
+        <p:nvSpPr>
+          <p:cNvPr id="29" name="직사각형 28">
+            <a:extLst>
+              <a:ext uri="{FF2B5EF4-FFF2-40B4-BE49-F238E27FC236}">
+                <a16:creationId xmlns:a16="http://schemas.microsoft.com/office/drawing/2014/main" id="{850B74E9-1CD8-F5EB-B6BE-1150C2792E24}"/>
               </a:ext>
             </a:extLst>
           </p:cNvPr>
@@ -5876,29 +6363,32 @@
         </p:nvSpPr>
         <p:spPr>
           <a:xfrm>
-            <a:off x="4853354" y="5037992"/>
-            <a:ext cx="597877" cy="316523"/>
+            <a:off x="3269981" y="5162915"/>
+            <a:ext cx="978767" cy="189769"/>
           </a:xfrm>
           <a:prstGeom prst="rect">
             <a:avLst/>
           </a:prstGeom>
           <a:solidFill>
-            <a:schemeClr val="bg2">
-              <a:lumMod val="50000"/>
-            </a:schemeClr>
+            <a:schemeClr val="accent6"/>
           </a:solidFill>
+          <a:ln>
+            <a:solidFill>
+              <a:schemeClr val="accent6"/>
+            </a:solidFill>
+          </a:ln>
         </p:spPr>
         <p:style>
           <a:lnRef idx="2">
-            <a:schemeClr val="dk1">
+            <a:schemeClr val="accent1">
               <a:shade val="50000"/>
             </a:schemeClr>
           </a:lnRef>
           <a:fillRef idx="1">
-            <a:schemeClr val="dk1"/>
+            <a:schemeClr val="accent1"/>
           </a:fillRef>
           <a:effectRef idx="0">
-            <a:schemeClr val="dk1"/>
+            <a:schemeClr val="accent1"/>
           </a:effectRef>
           <a:fontRef idx="minor">
             <a:schemeClr val="lt1"/>
@@ -5910,18 +6400,18 @@
           <a:p>
             <a:pPr algn="ctr"/>
             <a:r>
-              <a:rPr lang="ko-KR" altLang="en-US" sz="900" dirty="0"/>
-              <a:t>취소</a:t>
-            </a:r>
-          </a:p>
-        </p:txBody>
-      </p:sp>
-      <p:sp>
-        <p:nvSpPr>
-          <p:cNvPr id="26" name="직사각형 25">
-            <a:extLst>
-              <a:ext uri="{FF2B5EF4-FFF2-40B4-BE49-F238E27FC236}">
-                <a16:creationId xmlns:a16="http://schemas.microsoft.com/office/drawing/2014/main" id="{9FE3194D-9593-FF3F-084C-E2EA4BDA765D}"/>
+              <a:rPr lang="ko-KR" altLang="en-US" sz="1000" b="1" dirty="0"/>
+              <a:t>가  입</a:t>
+            </a:r>
+          </a:p>
+        </p:txBody>
+      </p:sp>
+      <p:sp>
+        <p:nvSpPr>
+          <p:cNvPr id="30" name="직사각형 29">
+            <a:extLst>
+              <a:ext uri="{FF2B5EF4-FFF2-40B4-BE49-F238E27FC236}">
+                <a16:creationId xmlns:a16="http://schemas.microsoft.com/office/drawing/2014/main" id="{66685A67-C723-563C-256E-29CDD6494347}"/>
               </a:ext>
             </a:extLst>
           </p:cNvPr>
@@ -5930,32 +6420,32 @@
         </p:nvSpPr>
         <p:spPr>
           <a:xfrm>
-            <a:off x="4042020" y="5037991"/>
-            <a:ext cx="597877" cy="316523"/>
+            <a:off x="4490048" y="5162914"/>
+            <a:ext cx="978767" cy="189770"/>
           </a:xfrm>
           <a:prstGeom prst="rect">
             <a:avLst/>
           </a:prstGeom>
-          <a:solidFill>
-            <a:schemeClr val="accent4"/>
-          </a:solidFill>
+          <a:noFill/>
           <a:ln>
             <a:solidFill>
-              <a:schemeClr val="accent4"/>
+              <a:schemeClr val="bg1">
+                <a:lumMod val="65000"/>
+              </a:schemeClr>
             </a:solidFill>
           </a:ln>
         </p:spPr>
         <p:style>
           <a:lnRef idx="2">
-            <a:schemeClr val="dk1">
+            <a:schemeClr val="accent1">
               <a:shade val="50000"/>
             </a:schemeClr>
           </a:lnRef>
           <a:fillRef idx="1">
-            <a:schemeClr val="dk1"/>
+            <a:schemeClr val="accent1"/>
           </a:fillRef>
           <a:effectRef idx="0">
-            <a:schemeClr val="dk1"/>
+            <a:schemeClr val="accent1"/>
           </a:effectRef>
           <a:fontRef idx="minor">
             <a:schemeClr val="lt1"/>
@@ -5967,8 +6457,15 @@
           <a:p>
             <a:pPr algn="ctr"/>
             <a:r>
-              <a:rPr lang="ko-KR" altLang="en-US" sz="900" dirty="0"/>
-              <a:t>가입</a:t>
+              <a:rPr lang="ko-KR" altLang="en-US" sz="1000" b="1" dirty="0">
+                <a:solidFill>
+                  <a:schemeClr val="tx1">
+                    <a:lumMod val="75000"/>
+                    <a:lumOff val="25000"/>
+                  </a:schemeClr>
+                </a:solidFill>
+              </a:rPr>
+              <a:t>취   소</a:t>
             </a:r>
           </a:p>
         </p:txBody>
@@ -6227,8 +6724,8 @@
             </p:nvSpPr>
             <p:spPr>
               <a:xfrm>
-                <a:off x="2410868" y="3667355"/>
-                <a:ext cx="3429000" cy="396054"/>
+                <a:off x="5261854" y="3869857"/>
+                <a:ext cx="578014" cy="270650"/>
               </a:xfrm>
               <a:prstGeom prst="rect">
                 <a:avLst/>
@@ -6259,9 +6756,10 @@
               <a:p>
                 <a:pPr algn="ctr"/>
                 <a:r>
-                  <a:rPr lang="ko-KR" altLang="en-US" sz="1100" dirty="0"/>
-                  <a:t>홈으로</a:t>
+                  <a:rPr lang="ko-KR" altLang="en-US" sz="900" dirty="0"/>
+                  <a:t>확인</a:t>
                 </a:r>
+                <a:endParaRPr lang="ko-KR" altLang="en-US" sz="1100" dirty="0"/>
               </a:p>
             </p:txBody>
           </p:sp>
@@ -6502,7 +7000,7 @@
         </p:nvSpPr>
         <p:spPr>
           <a:xfrm>
-            <a:off x="7962900" y="1695449"/>
+            <a:off x="7962900" y="1677865"/>
             <a:ext cx="3873500" cy="4664331"/>
           </a:xfrm>
           <a:prstGeom prst="rect">
@@ -6551,19 +7049,25 @@
             </a:endParaRPr>
           </a:p>
           <a:p>
-            <a:pPr marL="342900" indent="-342900">
-              <a:buAutoNum type="arabicPeriod"/>
-            </a:pPr>
-            <a:r>
-              <a:rPr lang="ko-KR" altLang="en-US" sz="1000" dirty="0">
-                <a:solidFill>
-                  <a:schemeClr val="bg2">
-                    <a:lumMod val="25000"/>
-                  </a:schemeClr>
-                </a:solidFill>
-              </a:rPr>
-              <a:t>로그아웃기능 구현</a:t>
-            </a:r>
+            <a:r>
+              <a:rPr lang="ko-KR" altLang="en-US" sz="1000" b="1" dirty="0">
+                <a:solidFill>
+                  <a:schemeClr val="bg2">
+                    <a:lumMod val="25000"/>
+                  </a:schemeClr>
+                </a:solidFill>
+              </a:rPr>
+              <a:t>요구사항</a:t>
+            </a:r>
+            <a:endParaRPr lang="en-US" altLang="ko-KR" sz="1000" b="1" dirty="0">
+              <a:solidFill>
+                <a:schemeClr val="bg2">
+                  <a:lumMod val="25000"/>
+                </a:schemeClr>
+              </a:solidFill>
+            </a:endParaRPr>
+          </a:p>
+          <a:p>
             <a:endParaRPr lang="en-US" altLang="ko-KR" sz="1000" dirty="0">
               <a:solidFill>
                 <a:schemeClr val="bg2">
@@ -6588,6 +7092,52 @@
             <a:pPr marL="342900" indent="-342900">
               <a:buAutoNum type="arabicPeriod"/>
             </a:pPr>
+            <a:endParaRPr lang="en-US" altLang="ko-KR" sz="1000" dirty="0">
+              <a:solidFill>
+                <a:schemeClr val="bg2">
+                  <a:lumMod val="25000"/>
+                </a:schemeClr>
+              </a:solidFill>
+            </a:endParaRPr>
+          </a:p>
+          <a:p>
+            <a:pPr marL="342900" indent="-342900">
+              <a:buAutoNum type="arabicPeriod"/>
+            </a:pPr>
+            <a:r>
+              <a:rPr lang="ko-KR" altLang="en-US" sz="1000" dirty="0">
+                <a:solidFill>
+                  <a:schemeClr val="bg2">
+                    <a:lumMod val="25000"/>
+                  </a:schemeClr>
+                </a:solidFill>
+              </a:rPr>
+              <a:t>로그아웃기능 구현</a:t>
+            </a:r>
+            <a:endParaRPr lang="en-US" altLang="ko-KR" sz="1000" dirty="0">
+              <a:solidFill>
+                <a:schemeClr val="bg2">
+                  <a:lumMod val="25000"/>
+                </a:schemeClr>
+              </a:solidFill>
+            </a:endParaRPr>
+          </a:p>
+          <a:p>
+            <a:pPr marL="342900" indent="-342900">
+              <a:buAutoNum type="arabicPeriod"/>
+            </a:pPr>
+            <a:endParaRPr lang="en-US" altLang="ko-KR" sz="1000" dirty="0">
+              <a:solidFill>
+                <a:schemeClr val="bg2">
+                  <a:lumMod val="25000"/>
+                </a:schemeClr>
+              </a:solidFill>
+            </a:endParaRPr>
+          </a:p>
+          <a:p>
+            <a:pPr marL="342900" indent="-342900">
+              <a:buAutoNum type="arabicPeriod"/>
+            </a:pPr>
             <a:r>
               <a:rPr lang="ko-KR" altLang="en-US" sz="1000" dirty="0">
                 <a:solidFill>
@@ -6631,6 +7181,26 @@
               <a:buAutoNum type="arabicPeriod"/>
             </a:pPr>
             <a:r>
+              <a:rPr lang="ko-KR" altLang="en-US" sz="1000" dirty="0">
+                <a:solidFill>
+                  <a:schemeClr val="bg2">
+                    <a:lumMod val="25000"/>
+                  </a:schemeClr>
+                </a:solidFill>
+              </a:rPr>
+              <a:t>확인 버튼 클릭 시 </a:t>
+            </a:r>
+            <a:r>
+              <a:rPr lang="en-US" altLang="ko-KR" sz="1000" dirty="0" err="1">
+                <a:solidFill>
+                  <a:schemeClr val="bg2">
+                    <a:lumMod val="25000"/>
+                  </a:schemeClr>
+                </a:solidFill>
+              </a:rPr>
+              <a:t>index.php</a:t>
+            </a:r>
+            <a:r>
               <a:rPr lang="en-US" altLang="ko-KR" sz="1000" dirty="0">
                 <a:solidFill>
                   <a:schemeClr val="bg2">
@@ -6638,7 +7208,7 @@
                   </a:schemeClr>
                 </a:solidFill>
               </a:rPr>
-              <a:t>[</a:t>
+              <a:t> </a:t>
             </a:r>
             <a:r>
               <a:rPr lang="ko-KR" altLang="en-US" sz="1000" dirty="0">
@@ -6648,76 +7218,7 @@
                   </a:schemeClr>
                 </a:solidFill>
               </a:rPr>
-              <a:t>홈으로</a:t>
-            </a:r>
-            <a:r>
-              <a:rPr lang="en-US" altLang="ko-KR" sz="1000" dirty="0">
-                <a:solidFill>
-                  <a:schemeClr val="bg2">
-                    <a:lumMod val="25000"/>
-                  </a:schemeClr>
-                </a:solidFill>
-              </a:rPr>
-              <a:t>]</a:t>
-            </a:r>
-            <a:r>
-              <a:rPr lang="ko-KR" altLang="en-US" sz="1000" dirty="0">
-                <a:solidFill>
-                  <a:schemeClr val="bg2">
-                    <a:lumMod val="25000"/>
-                  </a:schemeClr>
-                </a:solidFill>
-              </a:rPr>
-              <a:t> 기능구현</a:t>
-            </a:r>
-            <a:br>
-              <a:rPr lang="en-US" altLang="ko-KR" sz="1000" dirty="0">
-                <a:solidFill>
-                  <a:schemeClr val="bg2">
-                    <a:lumMod val="25000"/>
-                  </a:schemeClr>
-                </a:solidFill>
-              </a:rPr>
-            </a:br>
-            <a:r>
-              <a:rPr lang="en-US" altLang="ko-KR" sz="1000" dirty="0">
-                <a:solidFill>
-                  <a:schemeClr val="bg2">
-                    <a:lumMod val="25000"/>
-                  </a:schemeClr>
-                </a:solidFill>
-              </a:rPr>
-              <a:t>“</a:t>
-            </a:r>
-            <a:r>
-              <a:rPr lang="ko-KR" altLang="en-US" sz="1000" dirty="0">
-                <a:solidFill>
-                  <a:schemeClr val="bg2">
-                    <a:lumMod val="25000"/>
-                  </a:schemeClr>
-                </a:solidFill>
-              </a:rPr>
-              <a:t>로그인</a:t>
-            </a:r>
-            <a:r>
-              <a:rPr lang="en-US" altLang="ko-KR" sz="1000" dirty="0">
-                <a:solidFill>
-                  <a:schemeClr val="bg2">
-                    <a:lumMod val="25000"/>
-                  </a:schemeClr>
-                </a:solidFill>
-              </a:rPr>
-              <a:t>” </a:t>
-            </a:r>
-            <a:r>
-              <a:rPr lang="ko-KR" altLang="en-US" sz="1000" dirty="0">
-                <a:solidFill>
-                  <a:schemeClr val="bg2">
-                    <a:lumMod val="25000"/>
-                  </a:schemeClr>
-                </a:solidFill>
-              </a:rPr>
-              <a:t>화면으로 이동</a:t>
+              <a:t>로 이동</a:t>
             </a:r>
             <a:endParaRPr lang="en-US" altLang="ko-KR" sz="1000" dirty="0">
               <a:solidFill>
@@ -6728,6 +7229,73 @@
             </a:endParaRPr>
           </a:p>
           <a:p>
+            <a:pPr marL="342900" indent="-342900">
+              <a:buFontTx/>
+              <a:buAutoNum type="arabicPeriod"/>
+            </a:pPr>
+            <a:endParaRPr lang="en-US" altLang="ko-KR" sz="1000" dirty="0">
+              <a:solidFill>
+                <a:schemeClr val="bg2">
+                  <a:lumMod val="25000"/>
+                </a:schemeClr>
+              </a:solidFill>
+            </a:endParaRPr>
+          </a:p>
+          <a:p>
+            <a:pPr marL="342900" indent="-342900">
+              <a:buFontTx/>
+              <a:buAutoNum type="arabicPeriod"/>
+            </a:pPr>
+            <a:r>
+              <a:rPr lang="en-US" altLang="ko-KR" sz="1000" dirty="0">
+                <a:solidFill>
+                  <a:schemeClr val="bg2">
+                    <a:lumMod val="25000"/>
+                  </a:schemeClr>
+                </a:solidFill>
+              </a:rPr>
+              <a:t>3</a:t>
+            </a:r>
+            <a:r>
+              <a:rPr lang="ko-KR" altLang="en-US" sz="1000" dirty="0">
+                <a:solidFill>
+                  <a:schemeClr val="bg2">
+                    <a:lumMod val="25000"/>
+                  </a:schemeClr>
+                </a:solidFill>
+              </a:rPr>
+              <a:t>초 후 자동으로 </a:t>
+            </a:r>
+            <a:r>
+              <a:rPr lang="en-US" altLang="ko-KR" sz="1000" dirty="0" err="1">
+                <a:solidFill>
+                  <a:schemeClr val="bg2">
+                    <a:lumMod val="25000"/>
+                  </a:schemeClr>
+                </a:solidFill>
+              </a:rPr>
+              <a:t>index.php</a:t>
+            </a:r>
+            <a:r>
+              <a:rPr lang="en-US" altLang="ko-KR" sz="1000" dirty="0">
+                <a:solidFill>
+                  <a:schemeClr val="bg2">
+                    <a:lumMod val="25000"/>
+                  </a:schemeClr>
+                </a:solidFill>
+              </a:rPr>
+              <a:t> </a:t>
+            </a:r>
+            <a:r>
+              <a:rPr lang="ko-KR" altLang="en-US" sz="1000" dirty="0">
+                <a:solidFill>
+                  <a:schemeClr val="bg2">
+                    <a:lumMod val="25000"/>
+                  </a:schemeClr>
+                </a:solidFill>
+              </a:rPr>
+              <a:t>로 이동하도록 구현</a:t>
+            </a:r>
             <a:endParaRPr lang="en-US" altLang="ko-KR" sz="1000" dirty="0">
               <a:solidFill>
                 <a:schemeClr val="bg2">
@@ -6805,6 +7373,74 @@
                 <a:schemeClr val="tx1">
                   <a:lumMod val="65000"/>
                   <a:lumOff val="35000"/>
+                </a:schemeClr>
+              </a:solidFill>
+            </a:endParaRPr>
+          </a:p>
+        </p:txBody>
+      </p:sp>
+      <p:sp>
+        <p:nvSpPr>
+          <p:cNvPr id="6" name="TextBox 5">
+            <a:extLst>
+              <a:ext uri="{FF2B5EF4-FFF2-40B4-BE49-F238E27FC236}">
+                <a16:creationId xmlns:a16="http://schemas.microsoft.com/office/drawing/2014/main" id="{7379A23B-0728-8076-4DC6-533120032BB2}"/>
+              </a:ext>
+            </a:extLst>
+          </p:cNvPr>
+          <p:cNvSpPr txBox="1"/>
+          <p:nvPr/>
+        </p:nvSpPr>
+        <p:spPr>
+          <a:xfrm>
+            <a:off x="2565076" y="3932613"/>
+            <a:ext cx="1907931" cy="215444"/>
+          </a:xfrm>
+          <a:prstGeom prst="rect">
+            <a:avLst/>
+          </a:prstGeom>
+          <a:noFill/>
+        </p:spPr>
+        <p:txBody>
+          <a:bodyPr wrap="square" rtlCol="0">
+            <a:spAutoFit/>
+          </a:bodyPr>
+          <a:lstStyle/>
+          <a:p>
+            <a:r>
+              <a:rPr lang="en-US" altLang="ko-KR" sz="800" dirty="0">
+                <a:solidFill>
+                  <a:schemeClr val="bg1">
+                    <a:lumMod val="50000"/>
+                  </a:schemeClr>
+                </a:solidFill>
+              </a:rPr>
+              <a:t>3</a:t>
+            </a:r>
+            <a:r>
+              <a:rPr lang="ko-KR" altLang="en-US" sz="800" dirty="0">
+                <a:solidFill>
+                  <a:schemeClr val="bg1">
+                    <a:lumMod val="50000"/>
+                  </a:schemeClr>
+                </a:solidFill>
+              </a:rPr>
+              <a:t>초 후 처음 화면으로 이동합니다</a:t>
+            </a:r>
+            <a:r>
+              <a:rPr lang="en-US" altLang="ko-KR" sz="800" dirty="0">
+                <a:solidFill>
+                  <a:schemeClr val="bg1">
+                    <a:lumMod val="50000"/>
+                  </a:schemeClr>
+                </a:solidFill>
+              </a:rPr>
+              <a:t>….</a:t>
+            </a:r>
+            <a:endParaRPr lang="ko-KR" altLang="en-US" sz="800" dirty="0">
+              <a:solidFill>
+                <a:schemeClr val="bg1">
+                  <a:lumMod val="50000"/>
                 </a:schemeClr>
               </a:solidFill>
             </a:endParaRPr>
@@ -7292,7 +7928,9 @@
             <a:srgbClr val="0070C0"/>
           </a:solidFill>
           <a:ln>
-            <a:noFill/>
+            <a:solidFill>
+              <a:schemeClr val="accent1"/>
+            </a:solidFill>
           </a:ln>
         </p:spPr>
         <p:style>
@@ -7618,8 +8256,8 @@
           </p:nvSpPr>
           <p:spPr>
             <a:xfrm>
-              <a:off x="7095069" y="3324316"/>
-              <a:ext cx="514449" cy="223448"/>
+              <a:off x="7094279" y="3331395"/>
+              <a:ext cx="511158" cy="180629"/>
             </a:xfrm>
             <a:prstGeom prst="roundRect">
               <a:avLst/>
@@ -7653,10 +8291,10 @@
             <a:p>
               <a:pPr algn="ctr"/>
               <a:r>
-                <a:rPr lang="ko-KR" altLang="en-US" sz="900" dirty="0"/>
+                <a:rPr lang="ko-KR" altLang="en-US" sz="800" dirty="0"/>
                 <a:t>삭제</a:t>
               </a:r>
-              <a:endParaRPr lang="en-US" altLang="ko-KR" sz="900" dirty="0"/>
+              <a:endParaRPr lang="en-US" altLang="ko-KR" sz="800" dirty="0"/>
             </a:p>
           </p:txBody>
         </p:sp>
@@ -7674,8 +8312,8 @@
           </p:nvSpPr>
           <p:spPr>
             <a:xfrm>
-              <a:off x="6542260" y="3319398"/>
-              <a:ext cx="514449" cy="223448"/>
+              <a:off x="6545551" y="3336982"/>
+              <a:ext cx="511158" cy="175027"/>
             </a:xfrm>
             <a:prstGeom prst="roundRect">
               <a:avLst/>
@@ -7709,10 +8347,10 @@
             <a:p>
               <a:pPr algn="ctr"/>
               <a:r>
-                <a:rPr lang="ko-KR" altLang="en-US" sz="900" dirty="0"/>
+                <a:rPr lang="ko-KR" altLang="en-US" sz="800" dirty="0"/>
                 <a:t>조회</a:t>
               </a:r>
-              <a:endParaRPr lang="en-US" altLang="ko-KR" sz="900" dirty="0"/>
+              <a:endParaRPr lang="en-US" altLang="ko-KR" sz="800" dirty="0"/>
             </a:p>
           </p:txBody>
         </p:sp>
@@ -8050,118 +8688,6 @@
             </a:p>
           </p:txBody>
         </p:sp>
-        <p:sp>
-          <p:nvSpPr>
-            <p:cNvPr id="73" name="사각형: 둥근 모서리 72">
-              <a:extLst>
-                <a:ext uri="{FF2B5EF4-FFF2-40B4-BE49-F238E27FC236}">
-                  <a16:creationId xmlns:a16="http://schemas.microsoft.com/office/drawing/2014/main" id="{46E2F218-C377-47E9-9DD4-5A78A65B759A}"/>
-                </a:ext>
-              </a:extLst>
-            </p:cNvPr>
-            <p:cNvSpPr/>
-            <p:nvPr/>
-          </p:nvSpPr>
-          <p:spPr>
-            <a:xfrm>
-              <a:off x="7095070" y="3315474"/>
-              <a:ext cx="514449" cy="223448"/>
-            </a:xfrm>
-            <a:prstGeom prst="roundRect">
-              <a:avLst/>
-            </a:prstGeom>
-            <a:solidFill>
-              <a:srgbClr val="FF0000"/>
-            </a:solidFill>
-            <a:ln>
-              <a:noFill/>
-            </a:ln>
-          </p:spPr>
-          <p:style>
-            <a:lnRef idx="2">
-              <a:schemeClr val="accent1">
-                <a:shade val="50000"/>
-              </a:schemeClr>
-            </a:lnRef>
-            <a:fillRef idx="1">
-              <a:schemeClr val="accent1"/>
-            </a:fillRef>
-            <a:effectRef idx="0">
-              <a:schemeClr val="accent1"/>
-            </a:effectRef>
-            <a:fontRef idx="minor">
-              <a:schemeClr val="lt1"/>
-            </a:fontRef>
-          </p:style>
-          <p:txBody>
-            <a:bodyPr rtlCol="0" anchor="ctr"/>
-            <a:lstStyle/>
-            <a:p>
-              <a:pPr algn="ctr"/>
-              <a:r>
-                <a:rPr lang="ko-KR" altLang="en-US" sz="900" dirty="0"/>
-                <a:t>삭제</a:t>
-              </a:r>
-              <a:endParaRPr lang="en-US" altLang="ko-KR" sz="900" dirty="0"/>
-            </a:p>
-          </p:txBody>
-        </p:sp>
-        <p:sp>
-          <p:nvSpPr>
-            <p:cNvPr id="74" name="사각형: 둥근 모서리 73">
-              <a:extLst>
-                <a:ext uri="{FF2B5EF4-FFF2-40B4-BE49-F238E27FC236}">
-                  <a16:creationId xmlns:a16="http://schemas.microsoft.com/office/drawing/2014/main" id="{CBB8C7B9-91AA-4600-9B44-6402E6D4F7DB}"/>
-                </a:ext>
-              </a:extLst>
-            </p:cNvPr>
-            <p:cNvSpPr/>
-            <p:nvPr/>
-          </p:nvSpPr>
-          <p:spPr>
-            <a:xfrm>
-              <a:off x="6545551" y="3315336"/>
-              <a:ext cx="514449" cy="223448"/>
-            </a:xfrm>
-            <a:prstGeom prst="roundRect">
-              <a:avLst/>
-            </a:prstGeom>
-            <a:solidFill>
-              <a:srgbClr val="FFC000"/>
-            </a:solidFill>
-            <a:ln>
-              <a:noFill/>
-            </a:ln>
-          </p:spPr>
-          <p:style>
-            <a:lnRef idx="2">
-              <a:schemeClr val="accent1">
-                <a:shade val="50000"/>
-              </a:schemeClr>
-            </a:lnRef>
-            <a:fillRef idx="1">
-              <a:schemeClr val="accent1"/>
-            </a:fillRef>
-            <a:effectRef idx="0">
-              <a:schemeClr val="accent1"/>
-            </a:effectRef>
-            <a:fontRef idx="minor">
-              <a:schemeClr val="lt1"/>
-            </a:fontRef>
-          </p:style>
-          <p:txBody>
-            <a:bodyPr rtlCol="0" anchor="ctr"/>
-            <a:lstStyle/>
-            <a:p>
-              <a:pPr algn="ctr"/>
-              <a:r>
-                <a:rPr lang="ko-KR" altLang="en-US" sz="900" dirty="0"/>
-                <a:t>조회</a:t>
-              </a:r>
-              <a:endParaRPr lang="en-US" altLang="ko-KR" sz="900" dirty="0"/>
-            </a:p>
-          </p:txBody>
-        </p:sp>
         <p:cxnSp>
           <p:nvCxnSpPr>
             <p:cNvPr id="75" name="직선 연결선 74">
@@ -8451,118 +8977,6 @@
             </a:p>
           </p:txBody>
         </p:sp>
-        <p:sp>
-          <p:nvSpPr>
-            <p:cNvPr id="82" name="사각형: 둥근 모서리 81">
-              <a:extLst>
-                <a:ext uri="{FF2B5EF4-FFF2-40B4-BE49-F238E27FC236}">
-                  <a16:creationId xmlns:a16="http://schemas.microsoft.com/office/drawing/2014/main" id="{35DBF7D0-B696-426D-B927-B2BFCF6402E3}"/>
-                </a:ext>
-              </a:extLst>
-            </p:cNvPr>
-            <p:cNvSpPr/>
-            <p:nvPr/>
-          </p:nvSpPr>
-          <p:spPr>
-            <a:xfrm>
-              <a:off x="7080852" y="3319705"/>
-              <a:ext cx="514449" cy="223448"/>
-            </a:xfrm>
-            <a:prstGeom prst="roundRect">
-              <a:avLst/>
-            </a:prstGeom>
-            <a:solidFill>
-              <a:srgbClr val="FF0000"/>
-            </a:solidFill>
-            <a:ln>
-              <a:noFill/>
-            </a:ln>
-          </p:spPr>
-          <p:style>
-            <a:lnRef idx="2">
-              <a:schemeClr val="accent1">
-                <a:shade val="50000"/>
-              </a:schemeClr>
-            </a:lnRef>
-            <a:fillRef idx="1">
-              <a:schemeClr val="accent1"/>
-            </a:fillRef>
-            <a:effectRef idx="0">
-              <a:schemeClr val="accent1"/>
-            </a:effectRef>
-            <a:fontRef idx="minor">
-              <a:schemeClr val="lt1"/>
-            </a:fontRef>
-          </p:style>
-          <p:txBody>
-            <a:bodyPr rtlCol="0" anchor="ctr"/>
-            <a:lstStyle/>
-            <a:p>
-              <a:pPr algn="ctr"/>
-              <a:r>
-                <a:rPr lang="ko-KR" altLang="en-US" sz="900" dirty="0"/>
-                <a:t>삭제</a:t>
-              </a:r>
-              <a:endParaRPr lang="en-US" altLang="ko-KR" sz="900" dirty="0"/>
-            </a:p>
-          </p:txBody>
-        </p:sp>
-        <p:sp>
-          <p:nvSpPr>
-            <p:cNvPr id="83" name="사각형: 둥근 모서리 82">
-              <a:extLst>
-                <a:ext uri="{FF2B5EF4-FFF2-40B4-BE49-F238E27FC236}">
-                  <a16:creationId xmlns:a16="http://schemas.microsoft.com/office/drawing/2014/main" id="{2A38FF0B-2530-4D71-A9BD-11EB833BEC70}"/>
-                </a:ext>
-              </a:extLst>
-            </p:cNvPr>
-            <p:cNvSpPr/>
-            <p:nvPr/>
-          </p:nvSpPr>
-          <p:spPr>
-            <a:xfrm>
-              <a:off x="6522613" y="3319705"/>
-              <a:ext cx="514449" cy="223448"/>
-            </a:xfrm>
-            <a:prstGeom prst="roundRect">
-              <a:avLst/>
-            </a:prstGeom>
-            <a:solidFill>
-              <a:srgbClr val="FFC000"/>
-            </a:solidFill>
-            <a:ln>
-              <a:noFill/>
-            </a:ln>
-          </p:spPr>
-          <p:style>
-            <a:lnRef idx="2">
-              <a:schemeClr val="accent1">
-                <a:shade val="50000"/>
-              </a:schemeClr>
-            </a:lnRef>
-            <a:fillRef idx="1">
-              <a:schemeClr val="accent1"/>
-            </a:fillRef>
-            <a:effectRef idx="0">
-              <a:schemeClr val="accent1"/>
-            </a:effectRef>
-            <a:fontRef idx="minor">
-              <a:schemeClr val="lt1"/>
-            </a:fontRef>
-          </p:style>
-          <p:txBody>
-            <a:bodyPr rtlCol="0" anchor="ctr"/>
-            <a:lstStyle/>
-            <a:p>
-              <a:pPr algn="ctr"/>
-              <a:r>
-                <a:rPr lang="ko-KR" altLang="en-US" sz="900" dirty="0"/>
-                <a:t>조회</a:t>
-              </a:r>
-              <a:endParaRPr lang="en-US" altLang="ko-KR" sz="900" dirty="0"/>
-            </a:p>
-          </p:txBody>
-        </p:sp>
         <p:cxnSp>
           <p:nvCxnSpPr>
             <p:cNvPr id="84" name="직선 연결선 83">
@@ -8852,118 +9266,6 @@
             </a:p>
           </p:txBody>
         </p:sp>
-        <p:sp>
-          <p:nvSpPr>
-            <p:cNvPr id="91" name="사각형: 둥근 모서리 90">
-              <a:extLst>
-                <a:ext uri="{FF2B5EF4-FFF2-40B4-BE49-F238E27FC236}">
-                  <a16:creationId xmlns:a16="http://schemas.microsoft.com/office/drawing/2014/main" id="{4DE34AC0-97AC-4F96-8EF4-AF0F9C1BCACF}"/>
-                </a:ext>
-              </a:extLst>
-            </p:cNvPr>
-            <p:cNvSpPr/>
-            <p:nvPr/>
-          </p:nvSpPr>
-          <p:spPr>
-            <a:xfrm>
-              <a:off x="7080851" y="3317276"/>
-              <a:ext cx="514449" cy="223448"/>
-            </a:xfrm>
-            <a:prstGeom prst="roundRect">
-              <a:avLst/>
-            </a:prstGeom>
-            <a:solidFill>
-              <a:srgbClr val="FF0000"/>
-            </a:solidFill>
-            <a:ln>
-              <a:noFill/>
-            </a:ln>
-          </p:spPr>
-          <p:style>
-            <a:lnRef idx="2">
-              <a:schemeClr val="accent1">
-                <a:shade val="50000"/>
-              </a:schemeClr>
-            </a:lnRef>
-            <a:fillRef idx="1">
-              <a:schemeClr val="accent1"/>
-            </a:fillRef>
-            <a:effectRef idx="0">
-              <a:schemeClr val="accent1"/>
-            </a:effectRef>
-            <a:fontRef idx="minor">
-              <a:schemeClr val="lt1"/>
-            </a:fontRef>
-          </p:style>
-          <p:txBody>
-            <a:bodyPr rtlCol="0" anchor="ctr"/>
-            <a:lstStyle/>
-            <a:p>
-              <a:pPr algn="ctr"/>
-              <a:r>
-                <a:rPr lang="ko-KR" altLang="en-US" sz="900" dirty="0"/>
-                <a:t>삭제</a:t>
-              </a:r>
-              <a:endParaRPr lang="en-US" altLang="ko-KR" sz="900" dirty="0"/>
-            </a:p>
-          </p:txBody>
-        </p:sp>
-        <p:sp>
-          <p:nvSpPr>
-            <p:cNvPr id="92" name="사각형: 둥근 모서리 91">
-              <a:extLst>
-                <a:ext uri="{FF2B5EF4-FFF2-40B4-BE49-F238E27FC236}">
-                  <a16:creationId xmlns:a16="http://schemas.microsoft.com/office/drawing/2014/main" id="{266F7661-4A07-4EBC-B79F-540DBA4E4F7F}"/>
-                </a:ext>
-              </a:extLst>
-            </p:cNvPr>
-            <p:cNvSpPr/>
-            <p:nvPr/>
-          </p:nvSpPr>
-          <p:spPr>
-            <a:xfrm>
-              <a:off x="6528039" y="3315025"/>
-              <a:ext cx="514449" cy="223448"/>
-            </a:xfrm>
-            <a:prstGeom prst="roundRect">
-              <a:avLst/>
-            </a:prstGeom>
-            <a:solidFill>
-              <a:srgbClr val="FFC000"/>
-            </a:solidFill>
-            <a:ln>
-              <a:noFill/>
-            </a:ln>
-          </p:spPr>
-          <p:style>
-            <a:lnRef idx="2">
-              <a:schemeClr val="accent1">
-                <a:shade val="50000"/>
-              </a:schemeClr>
-            </a:lnRef>
-            <a:fillRef idx="1">
-              <a:schemeClr val="accent1"/>
-            </a:fillRef>
-            <a:effectRef idx="0">
-              <a:schemeClr val="accent1"/>
-            </a:effectRef>
-            <a:fontRef idx="minor">
-              <a:schemeClr val="lt1"/>
-            </a:fontRef>
-          </p:style>
-          <p:txBody>
-            <a:bodyPr rtlCol="0" anchor="ctr"/>
-            <a:lstStyle/>
-            <a:p>
-              <a:pPr algn="ctr"/>
-              <a:r>
-                <a:rPr lang="ko-KR" altLang="en-US" sz="900" dirty="0"/>
-                <a:t>조회</a:t>
-              </a:r>
-              <a:endParaRPr lang="en-US" altLang="ko-KR" sz="900" dirty="0"/>
-            </a:p>
-          </p:txBody>
-        </p:sp>
         <p:cxnSp>
           <p:nvCxnSpPr>
             <p:cNvPr id="93" name="직선 연결선 92">
@@ -9274,118 +9576,6 @@
                   </a:schemeClr>
                 </a:solidFill>
               </a:endParaRPr>
-            </a:p>
-          </p:txBody>
-        </p:sp>
-        <p:sp>
-          <p:nvSpPr>
-            <p:cNvPr id="100" name="사각형: 둥근 모서리 99">
-              <a:extLst>
-                <a:ext uri="{FF2B5EF4-FFF2-40B4-BE49-F238E27FC236}">
-                  <a16:creationId xmlns:a16="http://schemas.microsoft.com/office/drawing/2014/main" id="{A5207692-2EED-4FF4-B3FC-1F69E7A48578}"/>
-                </a:ext>
-              </a:extLst>
-            </p:cNvPr>
-            <p:cNvSpPr/>
-            <p:nvPr/>
-          </p:nvSpPr>
-          <p:spPr>
-            <a:xfrm>
-              <a:off x="7074502" y="3317276"/>
-              <a:ext cx="514449" cy="223448"/>
-            </a:xfrm>
-            <a:prstGeom prst="roundRect">
-              <a:avLst/>
-            </a:prstGeom>
-            <a:solidFill>
-              <a:srgbClr val="FF0000"/>
-            </a:solidFill>
-            <a:ln>
-              <a:noFill/>
-            </a:ln>
-          </p:spPr>
-          <p:style>
-            <a:lnRef idx="2">
-              <a:schemeClr val="accent1">
-                <a:shade val="50000"/>
-              </a:schemeClr>
-            </a:lnRef>
-            <a:fillRef idx="1">
-              <a:schemeClr val="accent1"/>
-            </a:fillRef>
-            <a:effectRef idx="0">
-              <a:schemeClr val="accent1"/>
-            </a:effectRef>
-            <a:fontRef idx="minor">
-              <a:schemeClr val="lt1"/>
-            </a:fontRef>
-          </p:style>
-          <p:txBody>
-            <a:bodyPr rtlCol="0" anchor="ctr"/>
-            <a:lstStyle/>
-            <a:p>
-              <a:pPr algn="ctr"/>
-              <a:r>
-                <a:rPr lang="ko-KR" altLang="en-US" sz="900" dirty="0"/>
-                <a:t>삭제</a:t>
-              </a:r>
-              <a:endParaRPr lang="en-US" altLang="ko-KR" sz="900" dirty="0"/>
-            </a:p>
-          </p:txBody>
-        </p:sp>
-        <p:sp>
-          <p:nvSpPr>
-            <p:cNvPr id="101" name="사각형: 둥근 모서리 100">
-              <a:extLst>
-                <a:ext uri="{FF2B5EF4-FFF2-40B4-BE49-F238E27FC236}">
-                  <a16:creationId xmlns:a16="http://schemas.microsoft.com/office/drawing/2014/main" id="{6D53FE7E-01AE-4950-9D39-4CDA36E48FDB}"/>
-                </a:ext>
-              </a:extLst>
-            </p:cNvPr>
-            <p:cNvSpPr/>
-            <p:nvPr/>
-          </p:nvSpPr>
-          <p:spPr>
-            <a:xfrm>
-              <a:off x="6516262" y="3317276"/>
-              <a:ext cx="514449" cy="223448"/>
-            </a:xfrm>
-            <a:prstGeom prst="roundRect">
-              <a:avLst/>
-            </a:prstGeom>
-            <a:solidFill>
-              <a:srgbClr val="FFC000"/>
-            </a:solidFill>
-            <a:ln>
-              <a:noFill/>
-            </a:ln>
-          </p:spPr>
-          <p:style>
-            <a:lnRef idx="2">
-              <a:schemeClr val="accent1">
-                <a:shade val="50000"/>
-              </a:schemeClr>
-            </a:lnRef>
-            <a:fillRef idx="1">
-              <a:schemeClr val="accent1"/>
-            </a:fillRef>
-            <a:effectRef idx="0">
-              <a:schemeClr val="accent1"/>
-            </a:effectRef>
-            <a:fontRef idx="minor">
-              <a:schemeClr val="lt1"/>
-            </a:fontRef>
-          </p:style>
-          <p:txBody>
-            <a:bodyPr rtlCol="0" anchor="ctr"/>
-            <a:lstStyle/>
-            <a:p>
-              <a:pPr algn="ctr"/>
-              <a:r>
-                <a:rPr lang="ko-KR" altLang="en-US" sz="900" dirty="0"/>
-                <a:t>조회</a:t>
-              </a:r>
-              <a:endParaRPr lang="en-US" altLang="ko-KR" sz="900" dirty="0"/>
             </a:p>
           </p:txBody>
         </p:sp>
@@ -9678,118 +9868,6 @@
             </a:p>
           </p:txBody>
         </p:sp>
-        <p:sp>
-          <p:nvSpPr>
-            <p:cNvPr id="109" name="사각형: 둥근 모서리 108">
-              <a:extLst>
-                <a:ext uri="{FF2B5EF4-FFF2-40B4-BE49-F238E27FC236}">
-                  <a16:creationId xmlns:a16="http://schemas.microsoft.com/office/drawing/2014/main" id="{CCA2D074-1F50-44AB-A1F4-F7E1D8EC1DCE}"/>
-                </a:ext>
-              </a:extLst>
-            </p:cNvPr>
-            <p:cNvSpPr/>
-            <p:nvPr/>
-          </p:nvSpPr>
-          <p:spPr>
-            <a:xfrm>
-              <a:off x="7067453" y="3317276"/>
-              <a:ext cx="514449" cy="223448"/>
-            </a:xfrm>
-            <a:prstGeom prst="roundRect">
-              <a:avLst/>
-            </a:prstGeom>
-            <a:solidFill>
-              <a:srgbClr val="FF0000"/>
-            </a:solidFill>
-            <a:ln>
-              <a:noFill/>
-            </a:ln>
-          </p:spPr>
-          <p:style>
-            <a:lnRef idx="2">
-              <a:schemeClr val="accent1">
-                <a:shade val="50000"/>
-              </a:schemeClr>
-            </a:lnRef>
-            <a:fillRef idx="1">
-              <a:schemeClr val="accent1"/>
-            </a:fillRef>
-            <a:effectRef idx="0">
-              <a:schemeClr val="accent1"/>
-            </a:effectRef>
-            <a:fontRef idx="minor">
-              <a:schemeClr val="lt1"/>
-            </a:fontRef>
-          </p:style>
-          <p:txBody>
-            <a:bodyPr rtlCol="0" anchor="ctr"/>
-            <a:lstStyle/>
-            <a:p>
-              <a:pPr algn="ctr"/>
-              <a:r>
-                <a:rPr lang="ko-KR" altLang="en-US" sz="900" dirty="0"/>
-                <a:t>삭제</a:t>
-              </a:r>
-              <a:endParaRPr lang="en-US" altLang="ko-KR" sz="900" dirty="0"/>
-            </a:p>
-          </p:txBody>
-        </p:sp>
-        <p:sp>
-          <p:nvSpPr>
-            <p:cNvPr id="110" name="사각형: 둥근 모서리 109">
-              <a:extLst>
-                <a:ext uri="{FF2B5EF4-FFF2-40B4-BE49-F238E27FC236}">
-                  <a16:creationId xmlns:a16="http://schemas.microsoft.com/office/drawing/2014/main" id="{58835517-6E62-4AC4-9284-7F0CE2C3F49B}"/>
-                </a:ext>
-              </a:extLst>
-            </p:cNvPr>
-            <p:cNvSpPr/>
-            <p:nvPr/>
-          </p:nvSpPr>
-          <p:spPr>
-            <a:xfrm>
-              <a:off x="6509213" y="3321119"/>
-              <a:ext cx="514449" cy="223448"/>
-            </a:xfrm>
-            <a:prstGeom prst="roundRect">
-              <a:avLst/>
-            </a:prstGeom>
-            <a:solidFill>
-              <a:srgbClr val="FFC000"/>
-            </a:solidFill>
-            <a:ln>
-              <a:noFill/>
-            </a:ln>
-          </p:spPr>
-          <p:style>
-            <a:lnRef idx="2">
-              <a:schemeClr val="accent1">
-                <a:shade val="50000"/>
-              </a:schemeClr>
-            </a:lnRef>
-            <a:fillRef idx="1">
-              <a:schemeClr val="accent1"/>
-            </a:fillRef>
-            <a:effectRef idx="0">
-              <a:schemeClr val="accent1"/>
-            </a:effectRef>
-            <a:fontRef idx="minor">
-              <a:schemeClr val="lt1"/>
-            </a:fontRef>
-          </p:style>
-          <p:txBody>
-            <a:bodyPr rtlCol="0" anchor="ctr"/>
-            <a:lstStyle/>
-            <a:p>
-              <a:pPr algn="ctr"/>
-              <a:r>
-                <a:rPr lang="ko-KR" altLang="en-US" sz="900" dirty="0"/>
-                <a:t>조회</a:t>
-              </a:r>
-              <a:endParaRPr lang="en-US" altLang="ko-KR" sz="900" dirty="0"/>
-            </a:p>
-          </p:txBody>
-        </p:sp>
         <p:cxnSp>
           <p:nvCxnSpPr>
             <p:cNvPr id="111" name="직선 연결선 110">
@@ -9984,7 +10062,7 @@
         </p:nvSpPr>
         <p:spPr>
           <a:xfrm>
-            <a:off x="3145557" y="5473316"/>
+            <a:off x="2944071" y="5465642"/>
             <a:ext cx="375468" cy="151198"/>
           </a:xfrm>
           <a:prstGeom prst="rect">
@@ -10262,7 +10340,7 @@
         </p:nvSpPr>
         <p:spPr>
           <a:xfrm>
-            <a:off x="4480581" y="5473634"/>
+            <a:off x="4676206" y="5481828"/>
             <a:ext cx="405349" cy="154497"/>
           </a:xfrm>
           <a:prstGeom prst="rect">
@@ -11019,126 +11097,25 @@
             </a:endParaRPr>
           </a:p>
           <a:p>
-            <a:pPr marL="342900" indent="-342900">
-              <a:buAutoNum type="arabicPeriod"/>
-            </a:pPr>
-            <a:r>
-              <a:rPr lang="ko-KR" altLang="en-US" sz="1000" dirty="0">
-                <a:solidFill>
-                  <a:schemeClr val="bg2">
-                    <a:lumMod val="25000"/>
-                  </a:schemeClr>
-                </a:solidFill>
-              </a:rPr>
-              <a:t>검색기능 구현</a:t>
-            </a:r>
-            <a:br>
-              <a:rPr lang="en-US" altLang="ko-KR" sz="1000" dirty="0">
-                <a:solidFill>
-                  <a:schemeClr val="bg2">
-                    <a:lumMod val="25000"/>
-                  </a:schemeClr>
-                </a:solidFill>
-              </a:rPr>
-            </a:br>
-            <a:r>
-              <a:rPr lang="ko-KR" altLang="en-US" sz="1000" dirty="0" err="1">
-                <a:solidFill>
-                  <a:schemeClr val="bg2">
-                    <a:lumMod val="25000"/>
-                  </a:schemeClr>
-                </a:solidFill>
-              </a:rPr>
-              <a:t>ㆍ작성자</a:t>
-            </a:r>
-            <a:r>
-              <a:rPr lang="ko-KR" altLang="en-US" sz="1000" dirty="0">
-                <a:solidFill>
-                  <a:schemeClr val="bg2">
-                    <a:lumMod val="25000"/>
-                  </a:schemeClr>
-                </a:solidFill>
-              </a:rPr>
-              <a:t> </a:t>
-            </a:r>
-            <a:r>
-              <a:rPr lang="en-US" altLang="ko-KR" sz="1000" dirty="0">
-                <a:solidFill>
-                  <a:schemeClr val="bg2">
-                    <a:lumMod val="25000"/>
-                  </a:schemeClr>
-                </a:solidFill>
-              </a:rPr>
-              <a:t>/ </a:t>
-            </a:r>
-            <a:r>
-              <a:rPr lang="ko-KR" altLang="en-US" sz="1000" dirty="0">
-                <a:solidFill>
-                  <a:schemeClr val="bg2">
-                    <a:lumMod val="25000"/>
-                  </a:schemeClr>
-                </a:solidFill>
-              </a:rPr>
-              <a:t>제목 </a:t>
-            </a:r>
-            <a:r>
-              <a:rPr lang="en-US" altLang="ko-KR" sz="1000" dirty="0">
-                <a:solidFill>
-                  <a:schemeClr val="bg2">
-                    <a:lumMod val="25000"/>
-                  </a:schemeClr>
-                </a:solidFill>
-              </a:rPr>
-              <a:t>/ </a:t>
-            </a:r>
-            <a:r>
-              <a:rPr lang="ko-KR" altLang="en-US" sz="1000" dirty="0">
-                <a:solidFill>
-                  <a:schemeClr val="bg2">
-                    <a:lumMod val="25000"/>
-                  </a:schemeClr>
-                </a:solidFill>
-              </a:rPr>
-              <a:t>작성일자로 검색가능</a:t>
-            </a:r>
-            <a:br>
-              <a:rPr lang="en-US" altLang="ko-KR" sz="1000" dirty="0">
-                <a:solidFill>
-                  <a:schemeClr val="bg2">
-                    <a:lumMod val="25000"/>
-                  </a:schemeClr>
-                </a:solidFill>
-              </a:rPr>
-            </a:br>
-            <a:r>
-              <a:rPr lang="ko-KR" altLang="en-US" sz="1000" dirty="0" err="1">
-                <a:solidFill>
-                  <a:schemeClr val="bg2">
-                    <a:lumMod val="25000"/>
-                  </a:schemeClr>
-                </a:solidFill>
-              </a:rPr>
-              <a:t>ㆍ빈값으로</a:t>
-            </a:r>
-            <a:r>
-              <a:rPr lang="ko-KR" altLang="en-US" sz="1000" dirty="0">
-                <a:solidFill>
-                  <a:schemeClr val="bg2">
-                    <a:lumMod val="25000"/>
-                  </a:schemeClr>
-                </a:solidFill>
-              </a:rPr>
-              <a:t> 검색 시 전체검색 기능으로 진행</a:t>
-            </a:r>
-            <a:br>
-              <a:rPr lang="en-US" altLang="ko-KR" sz="1000" dirty="0">
-                <a:solidFill>
-                  <a:schemeClr val="bg2">
-                    <a:lumMod val="25000"/>
-                  </a:schemeClr>
-                </a:solidFill>
-              </a:rPr>
-            </a:br>
+            <a:r>
+              <a:rPr lang="ko-KR" altLang="en-US" sz="1000" b="1" dirty="0">
+                <a:solidFill>
+                  <a:schemeClr val="bg2">
+                    <a:lumMod val="25000"/>
+                  </a:schemeClr>
+                </a:solidFill>
+              </a:rPr>
+              <a:t>요구사항</a:t>
+            </a:r>
+            <a:endParaRPr lang="en-US" altLang="ko-KR" sz="1000" b="1" dirty="0">
+              <a:solidFill>
+                <a:schemeClr val="bg2">
+                  <a:lumMod val="25000"/>
+                </a:schemeClr>
+              </a:solidFill>
+            </a:endParaRPr>
+          </a:p>
+          <a:p>
             <a:endParaRPr lang="en-US" altLang="ko-KR" sz="1000" dirty="0">
               <a:solidFill>
                 <a:schemeClr val="bg2">
@@ -11159,7 +11136,7 @@
                   </a:schemeClr>
                 </a:solidFill>
               </a:rPr>
-              <a:t>정렬기능 구현</a:t>
+              <a:t>검색기능 구현</a:t>
             </a:r>
             <a:br>
               <a:rPr lang="en-US" altLang="ko-KR" sz="1000" dirty="0">
@@ -11178,7 +11155,17 @@
                   </a:schemeClr>
                 </a:solidFill>
               </a:rPr>
-              <a:t>ㆍ번호</a:t>
+              <a:t>ㆍ작성자</a:t>
+            </a:r>
+            <a:r>
+              <a:rPr lang="ko-KR" altLang="en-US" sz="1000" dirty="0">
+                <a:solidFill>
+                  <a:schemeClr val="bg2">
+                    <a:lumMod val="25000"/>
+                  </a:schemeClr>
+                </a:solidFill>
+              </a:rPr>
+              <a:t> </a:t>
             </a:r>
             <a:r>
               <a:rPr lang="en-US" altLang="ko-KR" sz="1000" dirty="0">
@@ -11188,7 +11175,7 @@
                   </a:schemeClr>
                 </a:solidFill>
               </a:rPr>
-              <a:t> / </a:t>
+              <a:t>/ </a:t>
             </a:r>
             <a:r>
               <a:rPr lang="ko-KR" altLang="en-US" sz="1000" dirty="0">
@@ -11218,27 +11205,7 @@
                   </a:schemeClr>
                 </a:solidFill>
               </a:rPr>
-              <a:t>작성자 </a:t>
-            </a:r>
-            <a:r>
-              <a:rPr lang="en-US" altLang="ko-KR" sz="1000" dirty="0">
-                <a:solidFill>
-                  <a:schemeClr val="bg2">
-                    <a:lumMod val="25000"/>
-                  </a:schemeClr>
-                </a:solidFill>
-              </a:rPr>
-              <a:t>/ </a:t>
-            </a:r>
-            <a:r>
-              <a:rPr lang="ko-KR" altLang="en-US" sz="1000" dirty="0">
-                <a:solidFill>
-                  <a:schemeClr val="bg2">
-                    <a:lumMod val="25000"/>
-                  </a:schemeClr>
-                </a:solidFill>
-              </a:rPr>
-              <a:t>작성일자 별로 정렬 가능</a:t>
+              <a:t>작성일자로 검색가능</a:t>
             </a:r>
             <a:br>
               <a:rPr lang="en-US" altLang="ko-KR" sz="1000" dirty="0">
@@ -11257,7 +11224,7 @@
                   </a:schemeClr>
                 </a:solidFill>
               </a:rPr>
-              <a:t>ㆍ정렬하고자</a:t>
+              <a:t>ㆍ빈값으로</a:t>
             </a:r>
             <a:r>
               <a:rPr lang="ko-KR" altLang="en-US" sz="1000" dirty="0">
@@ -11267,145 +11234,8 @@
                   </a:schemeClr>
                 </a:solidFill>
               </a:rPr>
-              <a:t> 하는 필드명을 누르면 정렬 됨</a:t>
-            </a:r>
-            <a:br>
-              <a:rPr lang="en-US" altLang="ko-KR" sz="1000" dirty="0">
-                <a:solidFill>
-                  <a:schemeClr val="bg2">
-                    <a:lumMod val="25000"/>
-                  </a:schemeClr>
-                </a:solidFill>
-              </a:rPr>
-            </a:br>
-            <a:r>
-              <a:rPr lang="ko-KR" altLang="en-US" sz="1000" dirty="0" err="1">
-                <a:solidFill>
-                  <a:schemeClr val="bg2">
-                    <a:lumMod val="25000"/>
-                  </a:schemeClr>
-                </a:solidFill>
-              </a:rPr>
-              <a:t>ㆍ필드명</a:t>
-            </a:r>
-            <a:r>
-              <a:rPr lang="ko-KR" altLang="en-US" sz="1000" dirty="0">
-                <a:solidFill>
-                  <a:schemeClr val="bg2">
-                    <a:lumMod val="25000"/>
-                  </a:schemeClr>
-                </a:solidFill>
-              </a:rPr>
-              <a:t> 옆에 정렬방향 표시 </a:t>
-            </a:r>
-            <a:br>
-              <a:rPr lang="en-US" altLang="ko-KR" sz="1000" dirty="0">
-                <a:solidFill>
-                  <a:schemeClr val="bg2">
-                    <a:lumMod val="25000"/>
-                  </a:schemeClr>
-                </a:solidFill>
-              </a:rPr>
-            </a:br>
-            <a:r>
-              <a:rPr lang="en-US" altLang="ko-KR" sz="1000" dirty="0">
-                <a:solidFill>
-                  <a:schemeClr val="bg2">
-                    <a:lumMod val="25000"/>
-                  </a:schemeClr>
-                </a:solidFill>
-              </a:rPr>
-              <a:t>   (</a:t>
-            </a:r>
-            <a:r>
-              <a:rPr lang="ko-KR" altLang="en-US" sz="1000" dirty="0">
-                <a:solidFill>
-                  <a:schemeClr val="bg2">
-                    <a:lumMod val="25000"/>
-                  </a:schemeClr>
-                </a:solidFill>
-              </a:rPr>
-              <a:t>▼ </a:t>
-            </a:r>
-            <a:r>
-              <a:rPr lang="en-US" altLang="ko-KR" sz="1000" dirty="0">
-                <a:solidFill>
-                  <a:schemeClr val="bg2">
-                    <a:lumMod val="25000"/>
-                  </a:schemeClr>
-                </a:solidFill>
-              </a:rPr>
-              <a:t>- </a:t>
-            </a:r>
-            <a:r>
-              <a:rPr lang="ko-KR" altLang="en-US" sz="1000" dirty="0">
-                <a:solidFill>
-                  <a:schemeClr val="bg2">
-                    <a:lumMod val="25000"/>
-                  </a:schemeClr>
-                </a:solidFill>
-              </a:rPr>
-              <a:t>내림차순</a:t>
-            </a:r>
-            <a:r>
-              <a:rPr lang="en-US" altLang="ko-KR" sz="1000" dirty="0">
-                <a:solidFill>
-                  <a:schemeClr val="bg2">
-                    <a:lumMod val="25000"/>
-                  </a:schemeClr>
-                </a:solidFill>
-              </a:rPr>
-              <a:t>, </a:t>
-            </a:r>
-            <a:r>
-              <a:rPr lang="ko-KR" altLang="en-US" sz="1000" dirty="0">
-                <a:solidFill>
-                  <a:schemeClr val="bg2">
-                    <a:lumMod val="25000"/>
-                  </a:schemeClr>
-                </a:solidFill>
-              </a:rPr>
-              <a:t>▲ </a:t>
-            </a:r>
-            <a:r>
-              <a:rPr lang="en-US" altLang="ko-KR" sz="1000" dirty="0">
-                <a:solidFill>
-                  <a:schemeClr val="bg2">
-                    <a:lumMod val="25000"/>
-                  </a:schemeClr>
-                </a:solidFill>
-              </a:rPr>
-              <a:t>- </a:t>
-            </a:r>
-            <a:r>
-              <a:rPr lang="ko-KR" altLang="en-US" sz="1000" dirty="0">
-                <a:solidFill>
-                  <a:schemeClr val="bg2">
-                    <a:lumMod val="25000"/>
-                  </a:schemeClr>
-                </a:solidFill>
-              </a:rPr>
-              <a:t>오름차순</a:t>
-            </a:r>
-            <a:r>
-              <a:rPr lang="en-US" altLang="ko-KR" sz="1000" dirty="0">
-                <a:solidFill>
-                  <a:schemeClr val="bg2">
-                    <a:lumMod val="25000"/>
-                  </a:schemeClr>
-                </a:solidFill>
-              </a:rPr>
-              <a:t>)</a:t>
-            </a:r>
-            <a:br>
-              <a:rPr lang="en-US" altLang="ko-KR" sz="1000" dirty="0">
-                <a:solidFill>
-                  <a:schemeClr val="bg2">
-                    <a:lumMod val="25000"/>
-                  </a:schemeClr>
-                </a:solidFill>
-              </a:rPr>
-            </a:br>
+              <a:t> 검색 시 전체검색 기능으로 진행</a:t>
+            </a:r>
             <a:endParaRPr lang="en-US" altLang="ko-KR" sz="1000" dirty="0">
               <a:solidFill>
                 <a:schemeClr val="bg2">
@@ -11426,7 +11256,7 @@
                   </a:schemeClr>
                 </a:solidFill>
               </a:rPr>
-              <a:t>페이지기능 구현</a:t>
+              <a:t>정렬기능 구현</a:t>
             </a:r>
             <a:br>
               <a:rPr lang="en-US" altLang="ko-KR" sz="1000" dirty="0">
@@ -11445,7 +11275,17 @@
                   </a:schemeClr>
                 </a:solidFill>
               </a:rPr>
-              <a:t>ㆍ한페이지당</a:t>
+              <a:t>ㆍ번호</a:t>
+            </a:r>
+            <a:r>
+              <a:rPr lang="en-US" altLang="ko-KR" sz="1000" dirty="0">
+                <a:solidFill>
+                  <a:schemeClr val="bg2">
+                    <a:lumMod val="25000"/>
+                  </a:schemeClr>
+                </a:solidFill>
+              </a:rPr>
+              <a:t> / </a:t>
             </a:r>
             <a:r>
               <a:rPr lang="ko-KR" altLang="en-US" sz="1000" dirty="0">
@@ -11455,7 +11295,7 @@
                   </a:schemeClr>
                 </a:solidFill>
               </a:rPr>
-              <a:t> </a:t>
+              <a:t>제목 </a:t>
             </a:r>
             <a:r>
               <a:rPr lang="en-US" altLang="ko-KR" sz="1000" dirty="0">
@@ -11465,7 +11305,7 @@
                   </a:schemeClr>
                 </a:solidFill>
               </a:rPr>
-              <a:t>10</a:t>
+              <a:t>/ </a:t>
             </a:r>
             <a:r>
               <a:rPr lang="ko-KR" altLang="en-US" sz="1000" dirty="0">
@@ -11475,7 +11315,27 @@
                   </a:schemeClr>
                 </a:solidFill>
               </a:rPr>
-              <a:t>건 씩 표시</a:t>
+              <a:t>작성자 </a:t>
+            </a:r>
+            <a:r>
+              <a:rPr lang="en-US" altLang="ko-KR" sz="1000" dirty="0">
+                <a:solidFill>
+                  <a:schemeClr val="bg2">
+                    <a:lumMod val="25000"/>
+                  </a:schemeClr>
+                </a:solidFill>
+              </a:rPr>
+              <a:t>/ </a:t>
+            </a:r>
+            <a:r>
+              <a:rPr lang="ko-KR" altLang="en-US" sz="1000" dirty="0">
+                <a:solidFill>
+                  <a:schemeClr val="bg2">
+                    <a:lumMod val="25000"/>
+                  </a:schemeClr>
+                </a:solidFill>
+              </a:rPr>
+              <a:t>작성일자 별로 정렬 가능</a:t>
             </a:r>
             <a:br>
               <a:rPr lang="en-US" altLang="ko-KR" sz="1000" dirty="0">
@@ -11494,7 +11354,7 @@
                   </a:schemeClr>
                 </a:solidFill>
               </a:rPr>
-              <a:t>ㆍ첫</a:t>
+              <a:t>ㆍ정렬하고자</a:t>
             </a:r>
             <a:r>
               <a:rPr lang="ko-KR" altLang="en-US" sz="1000" dirty="0">
@@ -11504,27 +11364,7 @@
                   </a:schemeClr>
                 </a:solidFill>
               </a:rPr>
-              <a:t> 페이지</a:t>
-            </a:r>
-            <a:r>
-              <a:rPr lang="en-US" altLang="ko-KR" sz="1000" dirty="0">
-                <a:solidFill>
-                  <a:schemeClr val="bg2">
-                    <a:lumMod val="25000"/>
-                  </a:schemeClr>
-                </a:solidFill>
-              </a:rPr>
-              <a:t>, </a:t>
-            </a:r>
-            <a:r>
-              <a:rPr lang="ko-KR" altLang="en-US" sz="1000" dirty="0">
-                <a:solidFill>
-                  <a:schemeClr val="bg2">
-                    <a:lumMod val="25000"/>
-                  </a:schemeClr>
-                </a:solidFill>
-              </a:rPr>
-              <a:t>마지막페이지로 이동가능</a:t>
+              <a:t> 하는 필드명을 누르면 정렬 됨</a:t>
             </a:r>
             <a:br>
               <a:rPr lang="en-US" altLang="ko-KR" sz="1000" dirty="0">
@@ -11535,6 +11375,327 @@
                 </a:solidFill>
               </a:rPr>
             </a:br>
+            <a:r>
+              <a:rPr lang="ko-KR" altLang="en-US" sz="1000" dirty="0" err="1">
+                <a:solidFill>
+                  <a:schemeClr val="bg2">
+                    <a:lumMod val="25000"/>
+                  </a:schemeClr>
+                </a:solidFill>
+              </a:rPr>
+              <a:t>ㆍ필드명</a:t>
+            </a:r>
+            <a:r>
+              <a:rPr lang="ko-KR" altLang="en-US" sz="1000" dirty="0">
+                <a:solidFill>
+                  <a:schemeClr val="bg2">
+                    <a:lumMod val="25000"/>
+                  </a:schemeClr>
+                </a:solidFill>
+              </a:rPr>
+              <a:t> 옆에 정렬방향 표시 </a:t>
+            </a:r>
+            <a:br>
+              <a:rPr lang="en-US" altLang="ko-KR" sz="1000" dirty="0">
+                <a:solidFill>
+                  <a:schemeClr val="bg2">
+                    <a:lumMod val="25000"/>
+                  </a:schemeClr>
+                </a:solidFill>
+              </a:rPr>
+            </a:br>
+            <a:r>
+              <a:rPr lang="en-US" altLang="ko-KR" sz="1000" dirty="0">
+                <a:solidFill>
+                  <a:schemeClr val="bg2">
+                    <a:lumMod val="25000"/>
+                  </a:schemeClr>
+                </a:solidFill>
+              </a:rPr>
+              <a:t>   (</a:t>
+            </a:r>
+            <a:r>
+              <a:rPr lang="ko-KR" altLang="en-US" sz="1000" dirty="0">
+                <a:solidFill>
+                  <a:schemeClr val="bg2">
+                    <a:lumMod val="25000"/>
+                  </a:schemeClr>
+                </a:solidFill>
+              </a:rPr>
+              <a:t>▼ </a:t>
+            </a:r>
+            <a:r>
+              <a:rPr lang="en-US" altLang="ko-KR" sz="1000" dirty="0">
+                <a:solidFill>
+                  <a:schemeClr val="bg2">
+                    <a:lumMod val="25000"/>
+                  </a:schemeClr>
+                </a:solidFill>
+              </a:rPr>
+              <a:t>- </a:t>
+            </a:r>
+            <a:r>
+              <a:rPr lang="ko-KR" altLang="en-US" sz="1000" dirty="0">
+                <a:solidFill>
+                  <a:schemeClr val="bg2">
+                    <a:lumMod val="25000"/>
+                  </a:schemeClr>
+                </a:solidFill>
+              </a:rPr>
+              <a:t>내림차순</a:t>
+            </a:r>
+            <a:r>
+              <a:rPr lang="en-US" altLang="ko-KR" sz="1000" dirty="0">
+                <a:solidFill>
+                  <a:schemeClr val="bg2">
+                    <a:lumMod val="25000"/>
+                  </a:schemeClr>
+                </a:solidFill>
+              </a:rPr>
+              <a:t>, </a:t>
+            </a:r>
+            <a:r>
+              <a:rPr lang="ko-KR" altLang="en-US" sz="1000" dirty="0">
+                <a:solidFill>
+                  <a:schemeClr val="bg2">
+                    <a:lumMod val="25000"/>
+                  </a:schemeClr>
+                </a:solidFill>
+              </a:rPr>
+              <a:t>▲ </a:t>
+            </a:r>
+            <a:r>
+              <a:rPr lang="en-US" altLang="ko-KR" sz="1000" dirty="0">
+                <a:solidFill>
+                  <a:schemeClr val="bg2">
+                    <a:lumMod val="25000"/>
+                  </a:schemeClr>
+                </a:solidFill>
+              </a:rPr>
+              <a:t>- </a:t>
+            </a:r>
+            <a:r>
+              <a:rPr lang="ko-KR" altLang="en-US" sz="1000" dirty="0">
+                <a:solidFill>
+                  <a:schemeClr val="bg2">
+                    <a:lumMod val="25000"/>
+                  </a:schemeClr>
+                </a:solidFill>
+              </a:rPr>
+              <a:t>오름차순</a:t>
+            </a:r>
+            <a:r>
+              <a:rPr lang="en-US" altLang="ko-KR" sz="1000" dirty="0">
+                <a:solidFill>
+                  <a:schemeClr val="bg2">
+                    <a:lumMod val="25000"/>
+                  </a:schemeClr>
+                </a:solidFill>
+              </a:rPr>
+              <a:t>)</a:t>
+            </a:r>
+          </a:p>
+          <a:p>
+            <a:pPr marL="342900" indent="-342900">
+              <a:buAutoNum type="arabicPeriod"/>
+            </a:pPr>
+            <a:r>
+              <a:rPr lang="ko-KR" altLang="en-US" sz="1000" dirty="0">
+                <a:solidFill>
+                  <a:schemeClr val="bg2">
+                    <a:lumMod val="25000"/>
+                  </a:schemeClr>
+                </a:solidFill>
+              </a:rPr>
+              <a:t>페이지기능 구현</a:t>
+            </a:r>
+            <a:br>
+              <a:rPr lang="en-US" altLang="ko-KR" sz="1000" dirty="0">
+                <a:solidFill>
+                  <a:schemeClr val="bg2">
+                    <a:lumMod val="25000"/>
+                  </a:schemeClr>
+                </a:solidFill>
+              </a:rPr>
+            </a:br>
+            <a:r>
+              <a:rPr lang="en-US" altLang="ko-KR" sz="1000" dirty="0">
+                <a:solidFill>
+                  <a:schemeClr val="bg2">
+                    <a:lumMod val="25000"/>
+                  </a:schemeClr>
+                </a:solidFill>
+              </a:rPr>
+              <a:t>3-1. </a:t>
+            </a:r>
+            <a:r>
+              <a:rPr lang="ko-KR" altLang="en-US" sz="1000" dirty="0">
+                <a:solidFill>
+                  <a:schemeClr val="bg2">
+                    <a:lumMod val="25000"/>
+                  </a:schemeClr>
+                </a:solidFill>
+              </a:rPr>
+              <a:t>한페이지당 </a:t>
+            </a:r>
+            <a:r>
+              <a:rPr lang="en-US" altLang="ko-KR" sz="1000" dirty="0">
+                <a:solidFill>
+                  <a:schemeClr val="bg2">
+                    <a:lumMod val="25000"/>
+                  </a:schemeClr>
+                </a:solidFill>
+              </a:rPr>
+              <a:t>10</a:t>
+            </a:r>
+            <a:r>
+              <a:rPr lang="ko-KR" altLang="en-US" sz="1000" dirty="0">
+                <a:solidFill>
+                  <a:schemeClr val="bg2">
+                    <a:lumMod val="25000"/>
+                  </a:schemeClr>
+                </a:solidFill>
+              </a:rPr>
+              <a:t>건 씩 표시</a:t>
+            </a:r>
+            <a:br>
+              <a:rPr lang="en-US" altLang="ko-KR" sz="1000" dirty="0">
+                <a:solidFill>
+                  <a:schemeClr val="bg2">
+                    <a:lumMod val="25000"/>
+                  </a:schemeClr>
+                </a:solidFill>
+              </a:rPr>
+            </a:br>
+            <a:r>
+              <a:rPr lang="en-US" altLang="ko-KR" sz="1000" dirty="0">
+                <a:solidFill>
+                  <a:schemeClr val="bg2">
+                    <a:lumMod val="25000"/>
+                  </a:schemeClr>
+                </a:solidFill>
+              </a:rPr>
+              <a:t>3-2. </a:t>
+            </a:r>
+            <a:r>
+              <a:rPr lang="ko-KR" altLang="en-US" sz="1000" dirty="0">
+                <a:solidFill>
+                  <a:schemeClr val="bg2">
+                    <a:lumMod val="25000"/>
+                  </a:schemeClr>
+                </a:solidFill>
+              </a:rPr>
+              <a:t>첫 페이지</a:t>
+            </a:r>
+            <a:r>
+              <a:rPr lang="en-US" altLang="ko-KR" sz="1000" dirty="0">
+                <a:solidFill>
+                  <a:schemeClr val="bg2">
+                    <a:lumMod val="25000"/>
+                  </a:schemeClr>
+                </a:solidFill>
+              </a:rPr>
+              <a:t>, </a:t>
+            </a:r>
+            <a:r>
+              <a:rPr lang="ko-KR" altLang="en-US" sz="1000" dirty="0">
+                <a:solidFill>
+                  <a:schemeClr val="bg2">
+                    <a:lumMod val="25000"/>
+                  </a:schemeClr>
+                </a:solidFill>
+              </a:rPr>
+              <a:t>마지막페이지로 이동가능</a:t>
+            </a:r>
+            <a:br>
+              <a:rPr lang="en-US" altLang="ko-KR" sz="1000" dirty="0">
+                <a:solidFill>
+                  <a:schemeClr val="bg2">
+                    <a:lumMod val="25000"/>
+                  </a:schemeClr>
+                </a:solidFill>
+              </a:rPr>
+            </a:br>
+            <a:r>
+              <a:rPr lang="en-US" altLang="ko-KR" sz="1000" dirty="0">
+                <a:solidFill>
+                  <a:schemeClr val="bg2">
+                    <a:lumMod val="25000"/>
+                  </a:schemeClr>
+                </a:solidFill>
+              </a:rPr>
+              <a:t>3-3. </a:t>
+            </a:r>
+            <a:r>
+              <a:rPr lang="ko-KR" altLang="en-US" sz="1000" dirty="0">
+                <a:solidFill>
+                  <a:schemeClr val="bg2">
+                    <a:lumMod val="25000"/>
+                  </a:schemeClr>
+                </a:solidFill>
+              </a:rPr>
+              <a:t>페이지는 </a:t>
+            </a:r>
+            <a:r>
+              <a:rPr lang="en-US" altLang="ko-KR" sz="1000" dirty="0">
+                <a:solidFill>
+                  <a:schemeClr val="bg2">
+                    <a:lumMod val="25000"/>
+                  </a:schemeClr>
+                </a:solidFill>
+              </a:rPr>
+              <a:t>10</a:t>
+            </a:r>
+            <a:r>
+              <a:rPr lang="ko-KR" altLang="en-US" sz="1000" dirty="0">
+                <a:solidFill>
+                  <a:schemeClr val="bg2">
+                    <a:lumMod val="25000"/>
+                  </a:schemeClr>
+                </a:solidFill>
+              </a:rPr>
+              <a:t>개씩 표시</a:t>
+            </a:r>
+            <a:r>
+              <a:rPr lang="en-US" altLang="ko-KR" sz="1000" dirty="0">
+                <a:solidFill>
+                  <a:schemeClr val="bg2">
+                    <a:lumMod val="25000"/>
+                  </a:schemeClr>
+                </a:solidFill>
+              </a:rPr>
+              <a:t>, 11</a:t>
+            </a:r>
+            <a:r>
+              <a:rPr lang="ko-KR" altLang="en-US" sz="1000" dirty="0">
+                <a:solidFill>
+                  <a:schemeClr val="bg2">
+                    <a:lumMod val="25000"/>
+                  </a:schemeClr>
+                </a:solidFill>
+              </a:rPr>
+              <a:t>페이지 부터는 </a:t>
+            </a:r>
+            <a:r>
+              <a:rPr lang="en-US" altLang="ko-KR" sz="1000" dirty="0">
+                <a:solidFill>
+                  <a:schemeClr val="bg2">
+                    <a:lumMod val="25000"/>
+                  </a:schemeClr>
+                </a:solidFill>
+              </a:rPr>
+              <a:t>&gt; </a:t>
+            </a:r>
+            <a:r>
+              <a:rPr lang="ko-KR" altLang="en-US" sz="1000" dirty="0">
+                <a:solidFill>
+                  <a:schemeClr val="bg2">
+                    <a:lumMod val="25000"/>
+                  </a:schemeClr>
+                </a:solidFill>
+              </a:rPr>
+              <a:t>버튼을 통해 표시</a:t>
+            </a:r>
             <a:endParaRPr lang="en-US" altLang="ko-KR" sz="1000" dirty="0">
               <a:solidFill>
                 <a:schemeClr val="bg2">
@@ -11633,6 +11794,224 @@
               </a:solidFill>
             </a:endParaRPr>
           </a:p>
+          <a:p>
+            <a:pPr marL="342900" indent="-342900">
+              <a:buAutoNum type="arabicPeriod"/>
+            </a:pPr>
+            <a:r>
+              <a:rPr lang="ko-KR" altLang="en-US" sz="1000" dirty="0" err="1">
+                <a:solidFill>
+                  <a:schemeClr val="bg2">
+                    <a:lumMod val="25000"/>
+                  </a:schemeClr>
+                </a:solidFill>
+              </a:rPr>
+              <a:t>해더</a:t>
+            </a:r>
+            <a:r>
+              <a:rPr lang="ko-KR" altLang="en-US" sz="1000" dirty="0">
+                <a:solidFill>
+                  <a:schemeClr val="bg2">
+                    <a:lumMod val="25000"/>
+                  </a:schemeClr>
+                </a:solidFill>
+              </a:rPr>
+              <a:t> 좌측의 </a:t>
+            </a:r>
+            <a:r>
+              <a:rPr lang="en-US" altLang="ko-KR" sz="1000" dirty="0">
+                <a:solidFill>
+                  <a:schemeClr val="bg2">
+                    <a:lumMod val="25000"/>
+                  </a:schemeClr>
+                </a:solidFill>
+              </a:rPr>
+              <a:t>CMSKOREA Board </a:t>
+            </a:r>
+            <a:r>
+              <a:rPr lang="ko-KR" altLang="en-US" sz="1000" dirty="0">
+                <a:solidFill>
+                  <a:schemeClr val="bg2">
+                    <a:lumMod val="25000"/>
+                  </a:schemeClr>
+                </a:solidFill>
+              </a:rPr>
+              <a:t>를 클 시 리스트 페이지로 이동 </a:t>
+            </a:r>
+            <a:r>
+              <a:rPr lang="en-US" altLang="ko-KR" sz="1000" dirty="0">
+                <a:solidFill>
+                  <a:schemeClr val="bg2">
+                    <a:lumMod val="25000"/>
+                  </a:schemeClr>
+                </a:solidFill>
+              </a:rPr>
+              <a:t>(</a:t>
+            </a:r>
+            <a:r>
+              <a:rPr lang="ko-KR" altLang="en-US" sz="1000" dirty="0">
+                <a:solidFill>
+                  <a:schemeClr val="bg2">
+                    <a:lumMod val="25000"/>
+                  </a:schemeClr>
+                </a:solidFill>
+              </a:rPr>
+              <a:t>검색</a:t>
+            </a:r>
+            <a:r>
+              <a:rPr lang="en-US" altLang="ko-KR" sz="1000" dirty="0">
+                <a:solidFill>
+                  <a:schemeClr val="bg2">
+                    <a:lumMod val="25000"/>
+                  </a:schemeClr>
+                </a:solidFill>
+              </a:rPr>
+              <a:t>, </a:t>
+            </a:r>
+            <a:r>
+              <a:rPr lang="ko-KR" altLang="en-US" sz="1000" dirty="0">
+                <a:solidFill>
+                  <a:schemeClr val="bg2">
+                    <a:lumMod val="25000"/>
+                  </a:schemeClr>
+                </a:solidFill>
+              </a:rPr>
+              <a:t>페이지 유지하지 않음</a:t>
+            </a:r>
+            <a:r>
+              <a:rPr lang="en-US" altLang="ko-KR" sz="1000" dirty="0">
+                <a:solidFill>
+                  <a:schemeClr val="bg2">
+                    <a:lumMod val="25000"/>
+                  </a:schemeClr>
+                </a:solidFill>
+              </a:rPr>
+              <a:t>)</a:t>
+            </a:r>
+          </a:p>
+          <a:p>
+            <a:pPr marL="342900" indent="-342900">
+              <a:buAutoNum type="arabicPeriod"/>
+            </a:pPr>
+            <a:r>
+              <a:rPr lang="ko-KR" altLang="en-US" sz="1000" dirty="0">
+                <a:solidFill>
+                  <a:schemeClr val="bg2">
+                    <a:lumMod val="25000"/>
+                  </a:schemeClr>
+                </a:solidFill>
+              </a:rPr>
+              <a:t>리스트내부에서 표시되는 텍스트 </a:t>
+            </a:r>
+            <a:r>
+              <a:rPr lang="ko-KR" altLang="en-US" sz="1000" dirty="0" err="1">
+                <a:solidFill>
+                  <a:schemeClr val="bg2">
+                    <a:lumMod val="25000"/>
+                  </a:schemeClr>
+                </a:solidFill>
+              </a:rPr>
+              <a:t>수평정렬</a:t>
+            </a:r>
+            <a:r>
+              <a:rPr lang="ko-KR" altLang="en-US" sz="1000" dirty="0">
+                <a:solidFill>
+                  <a:schemeClr val="bg2">
+                    <a:lumMod val="25000"/>
+                  </a:schemeClr>
+                </a:solidFill>
+              </a:rPr>
+              <a:t> </a:t>
+            </a:r>
+            <a:r>
+              <a:rPr lang="en-US" altLang="ko-KR" sz="1000" dirty="0">
+                <a:solidFill>
+                  <a:schemeClr val="bg2">
+                    <a:lumMod val="25000"/>
+                  </a:schemeClr>
+                </a:solidFill>
+              </a:rPr>
+              <a:t>– </a:t>
+            </a:r>
+            <a:r>
+              <a:rPr lang="ko-KR" altLang="en-US" sz="1000" dirty="0">
+                <a:solidFill>
+                  <a:schemeClr val="bg2">
+                    <a:lumMod val="25000"/>
+                  </a:schemeClr>
+                </a:solidFill>
+              </a:rPr>
+              <a:t>중앙으로 설정</a:t>
+            </a:r>
+            <a:endParaRPr lang="en-US" altLang="ko-KR" sz="1000" dirty="0">
+              <a:solidFill>
+                <a:schemeClr val="bg2">
+                  <a:lumMod val="25000"/>
+                </a:schemeClr>
+              </a:solidFill>
+            </a:endParaRPr>
+          </a:p>
+          <a:p>
+            <a:pPr marL="342900" indent="-342900">
+              <a:buAutoNum type="arabicPeriod"/>
+            </a:pPr>
+            <a:r>
+              <a:rPr lang="ko-KR" altLang="en-US" sz="1000" dirty="0">
+                <a:solidFill>
+                  <a:schemeClr val="bg2">
+                    <a:lumMod val="25000"/>
+                  </a:schemeClr>
+                </a:solidFill>
+              </a:rPr>
+              <a:t>검색결과 표시</a:t>
+            </a:r>
+            <a:br>
+              <a:rPr lang="en-US" altLang="ko-KR" sz="1000" dirty="0">
+                <a:solidFill>
+                  <a:schemeClr val="bg2">
+                    <a:lumMod val="25000"/>
+                  </a:schemeClr>
+                </a:solidFill>
+              </a:rPr>
+            </a:br>
+            <a:r>
+              <a:rPr lang="ko-KR" altLang="en-US" sz="1000" dirty="0">
+                <a:solidFill>
+                  <a:schemeClr val="bg2">
+                    <a:lumMod val="25000"/>
+                  </a:schemeClr>
+                </a:solidFill>
+              </a:rPr>
+              <a:t>검색된 건수 </a:t>
+            </a:r>
+            <a:r>
+              <a:rPr lang="en-US" altLang="ko-KR" sz="1000" dirty="0">
+                <a:solidFill>
+                  <a:schemeClr val="bg2">
+                    <a:lumMod val="25000"/>
+                  </a:schemeClr>
+                </a:solidFill>
+              </a:rPr>
+              <a:t>/ </a:t>
+            </a:r>
+            <a:r>
+              <a:rPr lang="ko-KR" altLang="en-US" sz="1000" dirty="0">
+                <a:solidFill>
+                  <a:schemeClr val="bg2">
+                    <a:lumMod val="25000"/>
+                  </a:schemeClr>
+                </a:solidFill>
+              </a:rPr>
+              <a:t>전체 건수</a:t>
+            </a:r>
+            <a:endParaRPr lang="en-US" altLang="ko-KR" sz="1000" dirty="0">
+              <a:solidFill>
+                <a:schemeClr val="bg2">
+                  <a:lumMod val="25000"/>
+                </a:schemeClr>
+              </a:solidFill>
+            </a:endParaRPr>
+          </a:p>
         </p:txBody>
       </p:sp>
       <p:sp>
@@ -11649,8 +12028,8 @@
         </p:nvSpPr>
         <p:spPr>
           <a:xfrm>
-            <a:off x="8091054" y="5473314"/>
-            <a:ext cx="3616448" cy="742847"/>
+            <a:off x="8072776" y="5881983"/>
+            <a:ext cx="3653748" cy="348860"/>
           </a:xfrm>
           <a:prstGeom prst="rect">
             <a:avLst/>
@@ -11723,6 +12102,749 @@
                 <a:schemeClr val="tx1">
                   <a:lumMod val="65000"/>
                   <a:lumOff val="35000"/>
+                </a:schemeClr>
+              </a:solidFill>
+            </a:endParaRPr>
+          </a:p>
+        </p:txBody>
+      </p:sp>
+      <p:sp>
+        <p:nvSpPr>
+          <p:cNvPr id="7" name="사각형: 둥근 모서리 6">
+            <a:extLst>
+              <a:ext uri="{FF2B5EF4-FFF2-40B4-BE49-F238E27FC236}">
+                <a16:creationId xmlns:a16="http://schemas.microsoft.com/office/drawing/2014/main" id="{132BD605-258E-88D8-D1B8-B0DB950E5CD4}"/>
+              </a:ext>
+            </a:extLst>
+          </p:cNvPr>
+          <p:cNvSpPr/>
+          <p:nvPr/>
+        </p:nvSpPr>
+        <p:spPr>
+          <a:xfrm>
+            <a:off x="7098590" y="3673055"/>
+            <a:ext cx="511158" cy="180629"/>
+          </a:xfrm>
+          <a:prstGeom prst="roundRect">
+            <a:avLst/>
+          </a:prstGeom>
+          <a:solidFill>
+            <a:srgbClr val="FF0000"/>
+          </a:solidFill>
+          <a:ln>
+            <a:noFill/>
+          </a:ln>
+        </p:spPr>
+        <p:style>
+          <a:lnRef idx="2">
+            <a:schemeClr val="accent1">
+              <a:shade val="50000"/>
+            </a:schemeClr>
+          </a:lnRef>
+          <a:fillRef idx="1">
+            <a:schemeClr val="accent1"/>
+          </a:fillRef>
+          <a:effectRef idx="0">
+            <a:schemeClr val="accent1"/>
+          </a:effectRef>
+          <a:fontRef idx="minor">
+            <a:schemeClr val="lt1"/>
+          </a:fontRef>
+        </p:style>
+        <p:txBody>
+          <a:bodyPr rtlCol="0" anchor="ctr"/>
+          <a:lstStyle/>
+          <a:p>
+            <a:pPr algn="ctr"/>
+            <a:r>
+              <a:rPr lang="ko-KR" altLang="en-US" sz="800" dirty="0"/>
+              <a:t>삭제</a:t>
+            </a:r>
+            <a:endParaRPr lang="en-US" altLang="ko-KR" sz="800" dirty="0"/>
+          </a:p>
+        </p:txBody>
+      </p:sp>
+      <p:sp>
+        <p:nvSpPr>
+          <p:cNvPr id="8" name="사각형: 둥근 모서리 7">
+            <a:extLst>
+              <a:ext uri="{FF2B5EF4-FFF2-40B4-BE49-F238E27FC236}">
+                <a16:creationId xmlns:a16="http://schemas.microsoft.com/office/drawing/2014/main" id="{28F1CBEB-3461-1F44-6E56-703EF28B3D91}"/>
+              </a:ext>
+            </a:extLst>
+          </p:cNvPr>
+          <p:cNvSpPr/>
+          <p:nvPr/>
+        </p:nvSpPr>
+        <p:spPr>
+          <a:xfrm>
+            <a:off x="6549862" y="3678642"/>
+            <a:ext cx="511158" cy="175027"/>
+          </a:xfrm>
+          <a:prstGeom prst="roundRect">
+            <a:avLst/>
+          </a:prstGeom>
+          <a:solidFill>
+            <a:srgbClr val="FFC000"/>
+          </a:solidFill>
+          <a:ln>
+            <a:noFill/>
+          </a:ln>
+        </p:spPr>
+        <p:style>
+          <a:lnRef idx="2">
+            <a:schemeClr val="accent1">
+              <a:shade val="50000"/>
+            </a:schemeClr>
+          </a:lnRef>
+          <a:fillRef idx="1">
+            <a:schemeClr val="accent1"/>
+          </a:fillRef>
+          <a:effectRef idx="0">
+            <a:schemeClr val="accent1"/>
+          </a:effectRef>
+          <a:fontRef idx="minor">
+            <a:schemeClr val="lt1"/>
+          </a:fontRef>
+        </p:style>
+        <p:txBody>
+          <a:bodyPr rtlCol="0" anchor="ctr"/>
+          <a:lstStyle/>
+          <a:p>
+            <a:pPr algn="ctr"/>
+            <a:r>
+              <a:rPr lang="ko-KR" altLang="en-US" sz="800" dirty="0"/>
+              <a:t>조회</a:t>
+            </a:r>
+            <a:endParaRPr lang="en-US" altLang="ko-KR" sz="800" dirty="0"/>
+          </a:p>
+        </p:txBody>
+      </p:sp>
+      <p:sp>
+        <p:nvSpPr>
+          <p:cNvPr id="9" name="사각형: 둥근 모서리 8">
+            <a:extLst>
+              <a:ext uri="{FF2B5EF4-FFF2-40B4-BE49-F238E27FC236}">
+                <a16:creationId xmlns:a16="http://schemas.microsoft.com/office/drawing/2014/main" id="{3C78A87D-C3C7-F3FA-E46B-50493E9D6EFC}"/>
+              </a:ext>
+            </a:extLst>
+          </p:cNvPr>
+          <p:cNvSpPr/>
+          <p:nvPr/>
+        </p:nvSpPr>
+        <p:spPr>
+          <a:xfrm>
+            <a:off x="7090941" y="4036867"/>
+            <a:ext cx="511158" cy="180629"/>
+          </a:xfrm>
+          <a:prstGeom prst="roundRect">
+            <a:avLst/>
+          </a:prstGeom>
+          <a:solidFill>
+            <a:srgbClr val="FF0000"/>
+          </a:solidFill>
+          <a:ln>
+            <a:noFill/>
+          </a:ln>
+        </p:spPr>
+        <p:style>
+          <a:lnRef idx="2">
+            <a:schemeClr val="accent1">
+              <a:shade val="50000"/>
+            </a:schemeClr>
+          </a:lnRef>
+          <a:fillRef idx="1">
+            <a:schemeClr val="accent1"/>
+          </a:fillRef>
+          <a:effectRef idx="0">
+            <a:schemeClr val="accent1"/>
+          </a:effectRef>
+          <a:fontRef idx="minor">
+            <a:schemeClr val="lt1"/>
+          </a:fontRef>
+        </p:style>
+        <p:txBody>
+          <a:bodyPr rtlCol="0" anchor="ctr"/>
+          <a:lstStyle/>
+          <a:p>
+            <a:pPr algn="ctr"/>
+            <a:r>
+              <a:rPr lang="ko-KR" altLang="en-US" sz="800" dirty="0"/>
+              <a:t>삭제</a:t>
+            </a:r>
+            <a:endParaRPr lang="en-US" altLang="ko-KR" sz="800" dirty="0"/>
+          </a:p>
+        </p:txBody>
+      </p:sp>
+      <p:sp>
+        <p:nvSpPr>
+          <p:cNvPr id="10" name="사각형: 둥근 모서리 9">
+            <a:extLst>
+              <a:ext uri="{FF2B5EF4-FFF2-40B4-BE49-F238E27FC236}">
+                <a16:creationId xmlns:a16="http://schemas.microsoft.com/office/drawing/2014/main" id="{3C2EE16B-DF0D-A42C-ED90-D5C607FD8C4C}"/>
+              </a:ext>
+            </a:extLst>
+          </p:cNvPr>
+          <p:cNvSpPr/>
+          <p:nvPr/>
+        </p:nvSpPr>
+        <p:spPr>
+          <a:xfrm>
+            <a:off x="6542213" y="4042454"/>
+            <a:ext cx="511158" cy="175027"/>
+          </a:xfrm>
+          <a:prstGeom prst="roundRect">
+            <a:avLst/>
+          </a:prstGeom>
+          <a:solidFill>
+            <a:srgbClr val="FFC000"/>
+          </a:solidFill>
+          <a:ln>
+            <a:noFill/>
+          </a:ln>
+        </p:spPr>
+        <p:style>
+          <a:lnRef idx="2">
+            <a:schemeClr val="accent1">
+              <a:shade val="50000"/>
+            </a:schemeClr>
+          </a:lnRef>
+          <a:fillRef idx="1">
+            <a:schemeClr val="accent1"/>
+          </a:fillRef>
+          <a:effectRef idx="0">
+            <a:schemeClr val="accent1"/>
+          </a:effectRef>
+          <a:fontRef idx="minor">
+            <a:schemeClr val="lt1"/>
+          </a:fontRef>
+        </p:style>
+        <p:txBody>
+          <a:bodyPr rtlCol="0" anchor="ctr"/>
+          <a:lstStyle/>
+          <a:p>
+            <a:pPr algn="ctr"/>
+            <a:r>
+              <a:rPr lang="ko-KR" altLang="en-US" sz="800" dirty="0"/>
+              <a:t>조회</a:t>
+            </a:r>
+            <a:endParaRPr lang="en-US" altLang="ko-KR" sz="800" dirty="0"/>
+          </a:p>
+        </p:txBody>
+      </p:sp>
+      <p:sp>
+        <p:nvSpPr>
+          <p:cNvPr id="11" name="사각형: 둥근 모서리 10">
+            <a:extLst>
+              <a:ext uri="{FF2B5EF4-FFF2-40B4-BE49-F238E27FC236}">
+                <a16:creationId xmlns:a16="http://schemas.microsoft.com/office/drawing/2014/main" id="{4290D850-A1BA-D1F1-772E-3F20C6E4BD29}"/>
+              </a:ext>
+            </a:extLst>
+          </p:cNvPr>
+          <p:cNvSpPr/>
+          <p:nvPr/>
+        </p:nvSpPr>
+        <p:spPr>
+          <a:xfrm>
+            <a:off x="7098590" y="4374843"/>
+            <a:ext cx="511158" cy="180629"/>
+          </a:xfrm>
+          <a:prstGeom prst="roundRect">
+            <a:avLst/>
+          </a:prstGeom>
+          <a:solidFill>
+            <a:srgbClr val="FF0000"/>
+          </a:solidFill>
+          <a:ln>
+            <a:noFill/>
+          </a:ln>
+        </p:spPr>
+        <p:style>
+          <a:lnRef idx="2">
+            <a:schemeClr val="accent1">
+              <a:shade val="50000"/>
+            </a:schemeClr>
+          </a:lnRef>
+          <a:fillRef idx="1">
+            <a:schemeClr val="accent1"/>
+          </a:fillRef>
+          <a:effectRef idx="0">
+            <a:schemeClr val="accent1"/>
+          </a:effectRef>
+          <a:fontRef idx="minor">
+            <a:schemeClr val="lt1"/>
+          </a:fontRef>
+        </p:style>
+        <p:txBody>
+          <a:bodyPr rtlCol="0" anchor="ctr"/>
+          <a:lstStyle/>
+          <a:p>
+            <a:pPr algn="ctr"/>
+            <a:r>
+              <a:rPr lang="ko-KR" altLang="en-US" sz="800" dirty="0"/>
+              <a:t>삭제</a:t>
+            </a:r>
+            <a:endParaRPr lang="en-US" altLang="ko-KR" sz="800" dirty="0"/>
+          </a:p>
+        </p:txBody>
+      </p:sp>
+      <p:sp>
+        <p:nvSpPr>
+          <p:cNvPr id="12" name="사각형: 둥근 모서리 11">
+            <a:extLst>
+              <a:ext uri="{FF2B5EF4-FFF2-40B4-BE49-F238E27FC236}">
+                <a16:creationId xmlns:a16="http://schemas.microsoft.com/office/drawing/2014/main" id="{BF1E6A6B-AE1E-46B6-F714-11F93B603333}"/>
+              </a:ext>
+            </a:extLst>
+          </p:cNvPr>
+          <p:cNvSpPr/>
+          <p:nvPr/>
+        </p:nvSpPr>
+        <p:spPr>
+          <a:xfrm>
+            <a:off x="6549862" y="4380430"/>
+            <a:ext cx="511158" cy="175027"/>
+          </a:xfrm>
+          <a:prstGeom prst="roundRect">
+            <a:avLst/>
+          </a:prstGeom>
+          <a:solidFill>
+            <a:srgbClr val="FFC000"/>
+          </a:solidFill>
+          <a:ln>
+            <a:noFill/>
+          </a:ln>
+        </p:spPr>
+        <p:style>
+          <a:lnRef idx="2">
+            <a:schemeClr val="accent1">
+              <a:shade val="50000"/>
+            </a:schemeClr>
+          </a:lnRef>
+          <a:fillRef idx="1">
+            <a:schemeClr val="accent1"/>
+          </a:fillRef>
+          <a:effectRef idx="0">
+            <a:schemeClr val="accent1"/>
+          </a:effectRef>
+          <a:fontRef idx="minor">
+            <a:schemeClr val="lt1"/>
+          </a:fontRef>
+        </p:style>
+        <p:txBody>
+          <a:bodyPr rtlCol="0" anchor="ctr"/>
+          <a:lstStyle/>
+          <a:p>
+            <a:pPr algn="ctr"/>
+            <a:r>
+              <a:rPr lang="ko-KR" altLang="en-US" sz="800" dirty="0"/>
+              <a:t>조회</a:t>
+            </a:r>
+            <a:endParaRPr lang="en-US" altLang="ko-KR" sz="800" dirty="0"/>
+          </a:p>
+        </p:txBody>
+      </p:sp>
+      <p:sp>
+        <p:nvSpPr>
+          <p:cNvPr id="13" name="사각형: 둥근 모서리 12">
+            <a:extLst>
+              <a:ext uri="{FF2B5EF4-FFF2-40B4-BE49-F238E27FC236}">
+                <a16:creationId xmlns:a16="http://schemas.microsoft.com/office/drawing/2014/main" id="{C0F9B7F5-3575-AB75-E41D-40532BF39CE7}"/>
+              </a:ext>
+            </a:extLst>
+          </p:cNvPr>
+          <p:cNvSpPr/>
+          <p:nvPr/>
+        </p:nvSpPr>
+        <p:spPr>
+          <a:xfrm>
+            <a:off x="7098590" y="4737927"/>
+            <a:ext cx="511158" cy="180629"/>
+          </a:xfrm>
+          <a:prstGeom prst="roundRect">
+            <a:avLst/>
+          </a:prstGeom>
+          <a:solidFill>
+            <a:srgbClr val="FF0000"/>
+          </a:solidFill>
+          <a:ln>
+            <a:noFill/>
+          </a:ln>
+        </p:spPr>
+        <p:style>
+          <a:lnRef idx="2">
+            <a:schemeClr val="accent1">
+              <a:shade val="50000"/>
+            </a:schemeClr>
+          </a:lnRef>
+          <a:fillRef idx="1">
+            <a:schemeClr val="accent1"/>
+          </a:fillRef>
+          <a:effectRef idx="0">
+            <a:schemeClr val="accent1"/>
+          </a:effectRef>
+          <a:fontRef idx="minor">
+            <a:schemeClr val="lt1"/>
+          </a:fontRef>
+        </p:style>
+        <p:txBody>
+          <a:bodyPr rtlCol="0" anchor="ctr"/>
+          <a:lstStyle/>
+          <a:p>
+            <a:pPr algn="ctr"/>
+            <a:r>
+              <a:rPr lang="ko-KR" altLang="en-US" sz="800" dirty="0"/>
+              <a:t>삭제</a:t>
+            </a:r>
+            <a:endParaRPr lang="en-US" altLang="ko-KR" sz="800" dirty="0"/>
+          </a:p>
+        </p:txBody>
+      </p:sp>
+      <p:sp>
+        <p:nvSpPr>
+          <p:cNvPr id="14" name="사각형: 둥근 모서리 13">
+            <a:extLst>
+              <a:ext uri="{FF2B5EF4-FFF2-40B4-BE49-F238E27FC236}">
+                <a16:creationId xmlns:a16="http://schemas.microsoft.com/office/drawing/2014/main" id="{32928994-C3C3-DC65-47C0-CA6193D0D9F2}"/>
+              </a:ext>
+            </a:extLst>
+          </p:cNvPr>
+          <p:cNvSpPr/>
+          <p:nvPr/>
+        </p:nvSpPr>
+        <p:spPr>
+          <a:xfrm>
+            <a:off x="6549862" y="4743514"/>
+            <a:ext cx="511158" cy="175027"/>
+          </a:xfrm>
+          <a:prstGeom prst="roundRect">
+            <a:avLst/>
+          </a:prstGeom>
+          <a:solidFill>
+            <a:srgbClr val="FFC000"/>
+          </a:solidFill>
+          <a:ln>
+            <a:noFill/>
+          </a:ln>
+        </p:spPr>
+        <p:style>
+          <a:lnRef idx="2">
+            <a:schemeClr val="accent1">
+              <a:shade val="50000"/>
+            </a:schemeClr>
+          </a:lnRef>
+          <a:fillRef idx="1">
+            <a:schemeClr val="accent1"/>
+          </a:fillRef>
+          <a:effectRef idx="0">
+            <a:schemeClr val="accent1"/>
+          </a:effectRef>
+          <a:fontRef idx="minor">
+            <a:schemeClr val="lt1"/>
+          </a:fontRef>
+        </p:style>
+        <p:txBody>
+          <a:bodyPr rtlCol="0" anchor="ctr"/>
+          <a:lstStyle/>
+          <a:p>
+            <a:pPr algn="ctr"/>
+            <a:r>
+              <a:rPr lang="ko-KR" altLang="en-US" sz="800" dirty="0"/>
+              <a:t>조회</a:t>
+            </a:r>
+            <a:endParaRPr lang="en-US" altLang="ko-KR" sz="800" dirty="0"/>
+          </a:p>
+        </p:txBody>
+      </p:sp>
+      <p:sp>
+        <p:nvSpPr>
+          <p:cNvPr id="15" name="사각형: 둥근 모서리 14">
+            <a:extLst>
+              <a:ext uri="{FF2B5EF4-FFF2-40B4-BE49-F238E27FC236}">
+                <a16:creationId xmlns:a16="http://schemas.microsoft.com/office/drawing/2014/main" id="{C0A6BE49-138B-5617-3B96-D4A1AE235835}"/>
+              </a:ext>
+            </a:extLst>
+          </p:cNvPr>
+          <p:cNvSpPr/>
+          <p:nvPr/>
+        </p:nvSpPr>
+        <p:spPr>
+          <a:xfrm>
+            <a:off x="7090941" y="5079692"/>
+            <a:ext cx="511158" cy="180629"/>
+          </a:xfrm>
+          <a:prstGeom prst="roundRect">
+            <a:avLst/>
+          </a:prstGeom>
+          <a:solidFill>
+            <a:srgbClr val="FF0000"/>
+          </a:solidFill>
+          <a:ln>
+            <a:noFill/>
+          </a:ln>
+        </p:spPr>
+        <p:style>
+          <a:lnRef idx="2">
+            <a:schemeClr val="accent1">
+              <a:shade val="50000"/>
+            </a:schemeClr>
+          </a:lnRef>
+          <a:fillRef idx="1">
+            <a:schemeClr val="accent1"/>
+          </a:fillRef>
+          <a:effectRef idx="0">
+            <a:schemeClr val="accent1"/>
+          </a:effectRef>
+          <a:fontRef idx="minor">
+            <a:schemeClr val="lt1"/>
+          </a:fontRef>
+        </p:style>
+        <p:txBody>
+          <a:bodyPr rtlCol="0" anchor="ctr"/>
+          <a:lstStyle/>
+          <a:p>
+            <a:pPr algn="ctr"/>
+            <a:r>
+              <a:rPr lang="ko-KR" altLang="en-US" sz="800" dirty="0"/>
+              <a:t>삭제</a:t>
+            </a:r>
+            <a:endParaRPr lang="en-US" altLang="ko-KR" sz="800" dirty="0"/>
+          </a:p>
+        </p:txBody>
+      </p:sp>
+      <p:sp>
+        <p:nvSpPr>
+          <p:cNvPr id="16" name="사각형: 둥근 모서리 15">
+            <a:extLst>
+              <a:ext uri="{FF2B5EF4-FFF2-40B4-BE49-F238E27FC236}">
+                <a16:creationId xmlns:a16="http://schemas.microsoft.com/office/drawing/2014/main" id="{152F5337-4637-2DB8-3B52-72DF554F02E6}"/>
+              </a:ext>
+            </a:extLst>
+          </p:cNvPr>
+          <p:cNvSpPr/>
+          <p:nvPr/>
+        </p:nvSpPr>
+        <p:spPr>
+          <a:xfrm>
+            <a:off x="6542213" y="5085279"/>
+            <a:ext cx="511158" cy="175027"/>
+          </a:xfrm>
+          <a:prstGeom prst="roundRect">
+            <a:avLst/>
+          </a:prstGeom>
+          <a:solidFill>
+            <a:srgbClr val="FFC000"/>
+          </a:solidFill>
+          <a:ln>
+            <a:noFill/>
+          </a:ln>
+        </p:spPr>
+        <p:style>
+          <a:lnRef idx="2">
+            <a:schemeClr val="accent1">
+              <a:shade val="50000"/>
+            </a:schemeClr>
+          </a:lnRef>
+          <a:fillRef idx="1">
+            <a:schemeClr val="accent1"/>
+          </a:fillRef>
+          <a:effectRef idx="0">
+            <a:schemeClr val="accent1"/>
+          </a:effectRef>
+          <a:fontRef idx="minor">
+            <a:schemeClr val="lt1"/>
+          </a:fontRef>
+        </p:style>
+        <p:txBody>
+          <a:bodyPr rtlCol="0" anchor="ctr"/>
+          <a:lstStyle/>
+          <a:p>
+            <a:pPr algn="ctr"/>
+            <a:r>
+              <a:rPr lang="ko-KR" altLang="en-US" sz="800" dirty="0"/>
+              <a:t>조회</a:t>
+            </a:r>
+            <a:endParaRPr lang="en-US" altLang="ko-KR" sz="800" dirty="0"/>
+          </a:p>
+        </p:txBody>
+      </p:sp>
+      <p:sp>
+        <p:nvSpPr>
+          <p:cNvPr id="17" name="TextBox 16">
+            <a:extLst>
+              <a:ext uri="{FF2B5EF4-FFF2-40B4-BE49-F238E27FC236}">
+                <a16:creationId xmlns:a16="http://schemas.microsoft.com/office/drawing/2014/main" id="{66E01E81-51A5-E6B5-8D78-289A4167D7D4}"/>
+              </a:ext>
+            </a:extLst>
+          </p:cNvPr>
+          <p:cNvSpPr txBox="1"/>
+          <p:nvPr/>
+        </p:nvSpPr>
+        <p:spPr>
+          <a:xfrm>
+            <a:off x="4032851" y="2588575"/>
+            <a:ext cx="900666" cy="230832"/>
+          </a:xfrm>
+          <a:prstGeom prst="rect">
+            <a:avLst/>
+          </a:prstGeom>
+          <a:noFill/>
+        </p:spPr>
+        <p:txBody>
+          <a:bodyPr wrap="square" rtlCol="0">
+            <a:spAutoFit/>
+          </a:bodyPr>
+          <a:lstStyle/>
+          <a:p>
+            <a:r>
+              <a:rPr lang="en-US" altLang="ko-KR" sz="900" dirty="0"/>
+              <a:t>00 / 1,000 </a:t>
+            </a:r>
+            <a:r>
+              <a:rPr lang="ko-KR" altLang="en-US" sz="900" dirty="0"/>
+              <a:t>건</a:t>
+            </a:r>
+          </a:p>
+        </p:txBody>
+      </p:sp>
+      <p:sp>
+        <p:nvSpPr>
+          <p:cNvPr id="35" name="직사각형 34">
+            <a:extLst>
+              <a:ext uri="{FF2B5EF4-FFF2-40B4-BE49-F238E27FC236}">
+                <a16:creationId xmlns:a16="http://schemas.microsoft.com/office/drawing/2014/main" id="{F5F0AFEA-5E3D-F83A-11C7-949781CD313B}"/>
+              </a:ext>
+            </a:extLst>
+          </p:cNvPr>
+          <p:cNvSpPr/>
+          <p:nvPr/>
+        </p:nvSpPr>
+        <p:spPr>
+          <a:xfrm>
+            <a:off x="3358430" y="5467831"/>
+            <a:ext cx="159466" cy="154492"/>
+          </a:xfrm>
+          <a:prstGeom prst="rect">
+            <a:avLst/>
+          </a:prstGeom>
+          <a:solidFill>
+            <a:schemeClr val="bg1"/>
+          </a:solidFill>
+          <a:ln w="3175">
+            <a:solidFill>
+              <a:schemeClr val="bg1">
+                <a:lumMod val="65000"/>
+              </a:schemeClr>
+            </a:solidFill>
+          </a:ln>
+        </p:spPr>
+        <p:style>
+          <a:lnRef idx="2">
+            <a:schemeClr val="accent1">
+              <a:shade val="50000"/>
+            </a:schemeClr>
+          </a:lnRef>
+          <a:fillRef idx="1">
+            <a:schemeClr val="accent1"/>
+          </a:fillRef>
+          <a:effectRef idx="0">
+            <a:schemeClr val="accent1"/>
+          </a:effectRef>
+          <a:fontRef idx="minor">
+            <a:schemeClr val="lt1"/>
+          </a:fontRef>
+        </p:style>
+        <p:txBody>
+          <a:bodyPr rtlCol="0" anchor="ctr"/>
+          <a:lstStyle/>
+          <a:p>
+            <a:pPr algn="ctr"/>
+            <a:r>
+              <a:rPr lang="en-US" altLang="ko-KR" sz="700" dirty="0">
+                <a:solidFill>
+                  <a:schemeClr val="bg2">
+                    <a:lumMod val="50000"/>
+                  </a:schemeClr>
+                </a:solidFill>
+              </a:rPr>
+              <a:t>&lt;</a:t>
+            </a:r>
+            <a:endParaRPr lang="ko-KR" altLang="en-US" sz="700" dirty="0">
+              <a:solidFill>
+                <a:schemeClr val="bg2">
+                  <a:lumMod val="50000"/>
+                </a:schemeClr>
+              </a:solidFill>
+            </a:endParaRPr>
+          </a:p>
+        </p:txBody>
+      </p:sp>
+      <p:sp>
+        <p:nvSpPr>
+          <p:cNvPr id="37" name="직사각형 36">
+            <a:extLst>
+              <a:ext uri="{FF2B5EF4-FFF2-40B4-BE49-F238E27FC236}">
+                <a16:creationId xmlns:a16="http://schemas.microsoft.com/office/drawing/2014/main" id="{0A62A284-BE65-1A4D-8031-9E1E2C1108EC}"/>
+              </a:ext>
+            </a:extLst>
+          </p:cNvPr>
+          <p:cNvSpPr/>
+          <p:nvPr/>
+        </p:nvSpPr>
+        <p:spPr>
+          <a:xfrm>
+            <a:off x="4480582" y="5473312"/>
+            <a:ext cx="159466" cy="154496"/>
+          </a:xfrm>
+          <a:prstGeom prst="rect">
+            <a:avLst/>
+          </a:prstGeom>
+          <a:solidFill>
+            <a:schemeClr val="bg1"/>
+          </a:solidFill>
+          <a:ln w="3175">
+            <a:solidFill>
+              <a:schemeClr val="bg1">
+                <a:lumMod val="65000"/>
+              </a:schemeClr>
+            </a:solidFill>
+          </a:ln>
+        </p:spPr>
+        <p:style>
+          <a:lnRef idx="2">
+            <a:schemeClr val="accent1">
+              <a:shade val="50000"/>
+            </a:schemeClr>
+          </a:lnRef>
+          <a:fillRef idx="1">
+            <a:schemeClr val="accent1"/>
+          </a:fillRef>
+          <a:effectRef idx="0">
+            <a:schemeClr val="accent1"/>
+          </a:effectRef>
+          <a:fontRef idx="minor">
+            <a:schemeClr val="lt1"/>
+          </a:fontRef>
+        </p:style>
+        <p:txBody>
+          <a:bodyPr rtlCol="0" anchor="ctr"/>
+          <a:lstStyle/>
+          <a:p>
+            <a:pPr algn="ctr"/>
+            <a:r>
+              <a:rPr lang="en-US" altLang="ko-KR" sz="700" dirty="0">
+                <a:solidFill>
+                  <a:schemeClr val="bg2">
+                    <a:lumMod val="50000"/>
+                  </a:schemeClr>
+                </a:solidFill>
+              </a:rPr>
+              <a:t>&gt;</a:t>
+            </a:r>
+            <a:endParaRPr lang="ko-KR" altLang="en-US" sz="700" dirty="0">
+              <a:solidFill>
+                <a:schemeClr val="bg2">
+                  <a:lumMod val="50000"/>
                 </a:schemeClr>
               </a:solidFill>
             </a:endParaRPr>
@@ -12339,7 +13461,7 @@
         <p:spPr>
           <a:xfrm>
             <a:off x="2181223" y="2961201"/>
-            <a:ext cx="4886230" cy="2125149"/>
+            <a:ext cx="4886230" cy="1701425"/>
           </a:xfrm>
           <a:prstGeom prst="rect">
             <a:avLst/>
@@ -12394,7 +13516,7 @@
         </p:nvSpPr>
         <p:spPr>
           <a:xfrm>
-            <a:off x="1209675" y="5191627"/>
+            <a:off x="1209675" y="4772068"/>
             <a:ext cx="742950" cy="238125"/>
           </a:xfrm>
           <a:prstGeom prst="rect">
@@ -12451,7 +13573,7 @@
         </p:nvSpPr>
         <p:spPr>
           <a:xfrm>
-            <a:off x="2181225" y="5191627"/>
+            <a:off x="2181225" y="4772068"/>
             <a:ext cx="1276350" cy="233753"/>
           </a:xfrm>
           <a:prstGeom prst="rect">
@@ -12489,7 +13611,16 @@
           <a:lstStyle/>
           <a:p>
             <a:pPr algn="ctr"/>
-            <a:endParaRPr lang="ko-KR" altLang="en-US" dirty="0"/>
+            <a:r>
+              <a:rPr lang="ko-KR" altLang="en-US" sz="1000" dirty="0">
+                <a:solidFill>
+                  <a:schemeClr val="bg1">
+                    <a:lumMod val="75000"/>
+                  </a:schemeClr>
+                </a:solidFill>
+              </a:rPr>
+              <a:t>홍길동</a:t>
+            </a:r>
           </a:p>
         </p:txBody>
       </p:sp>
@@ -12507,12 +13638,20 @@
         </p:nvSpPr>
         <p:spPr>
           <a:xfrm>
-            <a:off x="1209675" y="5694356"/>
-            <a:ext cx="2914650" cy="377396"/>
+            <a:off x="4868618" y="5880912"/>
+            <a:ext cx="978767" cy="189769"/>
           </a:xfrm>
           <a:prstGeom prst="rect">
             <a:avLst/>
           </a:prstGeom>
+          <a:solidFill>
+            <a:schemeClr val="accent6"/>
+          </a:solidFill>
+          <a:ln>
+            <a:solidFill>
+              <a:schemeClr val="accent6"/>
+            </a:solidFill>
+          </a:ln>
         </p:spPr>
         <p:style>
           <a:lnRef idx="2">
@@ -12536,8 +13675,8 @@
           <a:p>
             <a:pPr algn="ctr"/>
             <a:r>
-              <a:rPr lang="ko-KR" altLang="en-US" sz="1100" dirty="0"/>
-              <a:t>등  록</a:t>
+              <a:rPr lang="ko-KR" altLang="en-US" sz="1000" b="1" dirty="0"/>
+              <a:t>작   성</a:t>
             </a:r>
           </a:p>
         </p:txBody>
@@ -12556,8 +13695,8 @@
         </p:nvSpPr>
         <p:spPr>
           <a:xfrm>
-            <a:off x="4152803" y="5693285"/>
-            <a:ext cx="2914650" cy="377396"/>
+            <a:off x="6088685" y="5880911"/>
+            <a:ext cx="978767" cy="189770"/>
           </a:xfrm>
           <a:prstGeom prst="rect">
             <a:avLst/>
@@ -12593,7 +13732,7 @@
           <a:p>
             <a:pPr algn="ctr"/>
             <a:r>
-              <a:rPr lang="ko-KR" altLang="en-US" sz="1100" dirty="0">
+              <a:rPr lang="ko-KR" altLang="en-US" sz="1000" b="1" dirty="0">
                 <a:solidFill>
                   <a:schemeClr val="tx1">
                     <a:lumMod val="75000"/>
@@ -12601,7 +13740,7 @@
                   </a:schemeClr>
                 </a:solidFill>
               </a:rPr>
-              <a:t>취소</a:t>
+              <a:t>취  소</a:t>
             </a:r>
           </a:p>
         </p:txBody>
@@ -12796,6 +13935,46 @@
             </a:endParaRPr>
           </a:p>
           <a:p>
+            <a:r>
+              <a:rPr lang="ko-KR" altLang="en-US" sz="1000" b="1" dirty="0">
+                <a:solidFill>
+                  <a:schemeClr val="bg2">
+                    <a:lumMod val="25000"/>
+                  </a:schemeClr>
+                </a:solidFill>
+              </a:rPr>
+              <a:t>요구사항</a:t>
+            </a:r>
+            <a:endParaRPr lang="en-US" altLang="ko-KR" sz="1000" b="1" dirty="0">
+              <a:solidFill>
+                <a:schemeClr val="bg2">
+                  <a:lumMod val="25000"/>
+                </a:schemeClr>
+              </a:solidFill>
+            </a:endParaRPr>
+          </a:p>
+          <a:p>
+            <a:endParaRPr lang="en-US" altLang="ko-KR" sz="1000" dirty="0">
+              <a:solidFill>
+                <a:schemeClr val="bg2">
+                  <a:lumMod val="25000"/>
+                </a:schemeClr>
+              </a:solidFill>
+            </a:endParaRPr>
+          </a:p>
+          <a:p>
+            <a:pPr marL="342900" indent="-342900">
+              <a:buAutoNum type="arabicPeriod"/>
+            </a:pPr>
+            <a:endParaRPr lang="en-US" altLang="ko-KR" sz="1000" dirty="0">
+              <a:solidFill>
+                <a:schemeClr val="bg2">
+                  <a:lumMod val="25000"/>
+                </a:schemeClr>
+              </a:solidFill>
+            </a:endParaRPr>
+          </a:p>
+          <a:p>
             <a:pPr marL="342900" indent="-342900">
               <a:buAutoNum type="arabicPeriod"/>
             </a:pPr>
@@ -12872,16 +14051,6 @@
               <a:buAutoNum type="arabicPeriod"/>
             </a:pPr>
             <a:r>
-              <a:rPr lang="en-US" altLang="ko-KR" sz="1000" dirty="0">
-                <a:solidFill>
-                  <a:schemeClr val="bg2">
-                    <a:lumMod val="25000"/>
-                  </a:schemeClr>
-                </a:solidFill>
-              </a:rPr>
-              <a:t>[ </a:t>
-            </a:r>
-            <a:r>
               <a:rPr lang="ko-KR" altLang="en-US" sz="1000" dirty="0">
                 <a:solidFill>
                   <a:schemeClr val="bg2">
@@ -12889,27 +14058,7 @@
                   </a:schemeClr>
                 </a:solidFill>
               </a:rPr>
-              <a:t>등록 </a:t>
-            </a:r>
-            <a:r>
-              <a:rPr lang="en-US" altLang="ko-KR" sz="1000" dirty="0">
-                <a:solidFill>
-                  <a:schemeClr val="bg2">
-                    <a:lumMod val="25000"/>
-                  </a:schemeClr>
-                </a:solidFill>
-              </a:rPr>
-              <a:t>]</a:t>
-            </a:r>
-            <a:r>
-              <a:rPr lang="ko-KR" altLang="en-US" sz="1000" dirty="0">
-                <a:solidFill>
-                  <a:schemeClr val="bg2">
-                    <a:lumMod val="25000"/>
-                  </a:schemeClr>
-                </a:solidFill>
-              </a:rPr>
-              <a:t> 기능구현</a:t>
+              <a:t>등록버튼 기능구현</a:t>
             </a:r>
             <a:br>
               <a:rPr lang="en-US" altLang="ko-KR" sz="1000" dirty="0">
@@ -13040,16 +14189,6 @@
               <a:t>” </a:t>
             </a:r>
             <a:r>
-              <a:rPr lang="ko-KR" altLang="en-US" sz="1000" dirty="0">
-                <a:solidFill>
-                  <a:schemeClr val="bg2">
-                    <a:lumMod val="25000"/>
-                  </a:schemeClr>
-                </a:solidFill>
-              </a:rPr>
-              <a:t>알림 </a:t>
-            </a:r>
-            <a:r>
               <a:rPr lang="ko-KR" altLang="en-US" sz="1000" dirty="0" err="1">
                 <a:solidFill>
                   <a:schemeClr val="bg2">
@@ -13057,17 +14196,7 @@
                   </a:schemeClr>
                 </a:solidFill>
               </a:rPr>
-              <a:t>경고창</a:t>
-            </a:r>
-            <a:r>
-              <a:rPr lang="ko-KR" altLang="en-US" sz="1000" dirty="0">
-                <a:solidFill>
-                  <a:schemeClr val="bg2">
-                    <a:lumMod val="25000"/>
-                  </a:schemeClr>
-                </a:solidFill>
-              </a:rPr>
-              <a:t> 표시</a:t>
+              <a:t>알림표시</a:t>
             </a:r>
             <a:br>
               <a:rPr lang="en-US" altLang="ko-KR" sz="1000" dirty="0">
@@ -13092,16 +14221,6 @@
               <a:buAutoNum type="arabicPeriod"/>
             </a:pPr>
             <a:r>
-              <a:rPr lang="en-US" altLang="ko-KR" sz="1000" dirty="0">
-                <a:solidFill>
-                  <a:schemeClr val="bg2">
-                    <a:lumMod val="25000"/>
-                  </a:schemeClr>
-                </a:solidFill>
-              </a:rPr>
-              <a:t>[ </a:t>
-            </a:r>
-            <a:r>
               <a:rPr lang="ko-KR" altLang="en-US" sz="1000" dirty="0">
                 <a:solidFill>
                   <a:schemeClr val="bg2">
@@ -13109,27 +14228,7 @@
                   </a:schemeClr>
                 </a:solidFill>
               </a:rPr>
-              <a:t>취소 </a:t>
-            </a:r>
-            <a:r>
-              <a:rPr lang="en-US" altLang="ko-KR" sz="1000" dirty="0">
-                <a:solidFill>
-                  <a:schemeClr val="bg2">
-                    <a:lumMod val="25000"/>
-                  </a:schemeClr>
-                </a:solidFill>
-              </a:rPr>
-              <a:t>] </a:t>
-            </a:r>
-            <a:r>
-              <a:rPr lang="ko-KR" altLang="en-US" sz="1000" dirty="0">
-                <a:solidFill>
-                  <a:schemeClr val="bg2">
-                    <a:lumMod val="25000"/>
-                  </a:schemeClr>
-                </a:solidFill>
-              </a:rPr>
-              <a:t>기능구현</a:t>
+              <a:t>취소버튼 기능구현</a:t>
             </a:r>
             <a:br>
               <a:rPr lang="en-US" altLang="ko-KR" sz="1000" dirty="0">
@@ -13236,6 +14335,25 @@
               </a:rPr>
               <a:t>변경가능</a:t>
             </a:r>
+            <a:br>
+              <a:rPr lang="en-US" altLang="ko-KR" sz="1000" dirty="0">
+                <a:solidFill>
+                  <a:schemeClr val="bg2">
+                    <a:lumMod val="25000"/>
+                  </a:schemeClr>
+                </a:solidFill>
+              </a:rPr>
+            </a:br>
+            <a:r>
+              <a:rPr lang="ko-KR" altLang="en-US" sz="1000" dirty="0">
+                <a:solidFill>
+                  <a:schemeClr val="bg2">
+                    <a:lumMod val="25000"/>
+                  </a:schemeClr>
+                </a:solidFill>
+              </a:rPr>
+              <a:t>이름은 연한 회색으로 표시</a:t>
+            </a:r>
             <a:endParaRPr lang="en-US" altLang="ko-KR" sz="1000" dirty="0">
               <a:solidFill>
                 <a:schemeClr val="bg2">
@@ -13249,6 +14367,166 @@
               <a:buFontTx/>
               <a:buAutoNum type="arabicPeriod"/>
             </a:pPr>
+            <a:endParaRPr lang="en-US" altLang="ko-KR" sz="1000" dirty="0">
+              <a:solidFill>
+                <a:schemeClr val="bg2">
+                  <a:lumMod val="25000"/>
+                </a:schemeClr>
+              </a:solidFill>
+            </a:endParaRPr>
+          </a:p>
+          <a:p>
+            <a:pPr marL="342900" indent="-342900">
+              <a:buFontTx/>
+              <a:buAutoNum type="arabicPeriod"/>
+            </a:pPr>
+            <a:r>
+              <a:rPr lang="ko-KR" altLang="en-US" sz="1000" dirty="0" err="1">
+                <a:solidFill>
+                  <a:schemeClr val="bg2">
+                    <a:lumMod val="25000"/>
+                  </a:schemeClr>
+                </a:solidFill>
+              </a:rPr>
+              <a:t>파일업로드</a:t>
+            </a:r>
+            <a:r>
+              <a:rPr lang="ko-KR" altLang="en-US" sz="1000" dirty="0">
+                <a:solidFill>
+                  <a:schemeClr val="bg2">
+                    <a:lumMod val="25000"/>
+                  </a:schemeClr>
+                </a:solidFill>
+              </a:rPr>
+              <a:t> 기능구현</a:t>
+            </a:r>
+            <a:br>
+              <a:rPr lang="en-US" altLang="ko-KR" sz="1000" dirty="0">
+                <a:solidFill>
+                  <a:schemeClr val="bg2">
+                    <a:lumMod val="25000"/>
+                  </a:schemeClr>
+                </a:solidFill>
+              </a:rPr>
+            </a:br>
+            <a:r>
+              <a:rPr lang="ko-KR" altLang="en-US" sz="1000" dirty="0">
+                <a:solidFill>
+                  <a:schemeClr val="bg2">
+                    <a:lumMod val="25000"/>
+                  </a:schemeClr>
+                </a:solidFill>
+              </a:rPr>
+              <a:t>용량제한</a:t>
+            </a:r>
+            <a:r>
+              <a:rPr lang="en-US" altLang="ko-KR" sz="1000" dirty="0">
+                <a:solidFill>
+                  <a:schemeClr val="bg2">
+                    <a:lumMod val="25000"/>
+                  </a:schemeClr>
+                </a:solidFill>
+              </a:rPr>
+              <a:t> : 3MB</a:t>
+            </a:r>
+            <a:br>
+              <a:rPr lang="en-US" altLang="ko-KR" sz="1000" dirty="0">
+                <a:solidFill>
+                  <a:schemeClr val="bg2">
+                    <a:lumMod val="25000"/>
+                  </a:schemeClr>
+                </a:solidFill>
+              </a:rPr>
+            </a:br>
+            <a:r>
+              <a:rPr lang="ko-KR" altLang="en-US" sz="1000" dirty="0">
+                <a:solidFill>
+                  <a:schemeClr val="bg2">
+                    <a:lumMod val="25000"/>
+                  </a:schemeClr>
+                </a:solidFill>
+              </a:rPr>
+              <a:t>확장자 </a:t>
+            </a:r>
+            <a:r>
+              <a:rPr lang="en-US" altLang="ko-KR" sz="1000" dirty="0">
+                <a:solidFill>
+                  <a:schemeClr val="bg2">
+                    <a:lumMod val="25000"/>
+                  </a:schemeClr>
+                </a:solidFill>
+              </a:rPr>
+              <a:t>: .jpg, .</a:t>
+            </a:r>
+            <a:r>
+              <a:rPr lang="en-US" altLang="ko-KR" sz="1000" dirty="0" err="1">
+                <a:solidFill>
+                  <a:schemeClr val="bg2">
+                    <a:lumMod val="25000"/>
+                  </a:schemeClr>
+                </a:solidFill>
+              </a:rPr>
+              <a:t>png</a:t>
+            </a:r>
+            <a:r>
+              <a:rPr lang="en-US" altLang="ko-KR" sz="1000" dirty="0">
+                <a:solidFill>
+                  <a:schemeClr val="bg2">
+                    <a:lumMod val="25000"/>
+                  </a:schemeClr>
+                </a:solidFill>
+              </a:rPr>
+              <a:t>, .gif, .pdf </a:t>
+            </a:r>
+            <a:r>
+              <a:rPr lang="ko-KR" altLang="en-US" sz="1000" dirty="0">
+                <a:solidFill>
+                  <a:schemeClr val="bg2">
+                    <a:lumMod val="25000"/>
+                  </a:schemeClr>
+                </a:solidFill>
+              </a:rPr>
+              <a:t>만 가능</a:t>
+            </a:r>
+            <a:br>
+              <a:rPr lang="en-US" altLang="ko-KR" sz="1000" dirty="0">
+                <a:solidFill>
+                  <a:schemeClr val="bg2">
+                    <a:lumMod val="25000"/>
+                  </a:schemeClr>
+                </a:solidFill>
+              </a:rPr>
+            </a:br>
+            <a:r>
+              <a:rPr lang="ko-KR" altLang="en-US" sz="1000" dirty="0">
+                <a:solidFill>
+                  <a:schemeClr val="bg2">
+                    <a:lumMod val="25000"/>
+                  </a:schemeClr>
+                </a:solidFill>
+              </a:rPr>
+              <a:t>최대 </a:t>
+            </a:r>
+            <a:r>
+              <a:rPr lang="en-US" altLang="ko-KR" sz="1000" dirty="0">
+                <a:solidFill>
+                  <a:schemeClr val="bg2">
+                    <a:lumMod val="25000"/>
+                  </a:schemeClr>
+                </a:solidFill>
+              </a:rPr>
+              <a:t>2</a:t>
+            </a:r>
+            <a:r>
+              <a:rPr lang="ko-KR" altLang="en-US" sz="1000" dirty="0">
+                <a:solidFill>
+                  <a:schemeClr val="bg2">
+                    <a:lumMod val="25000"/>
+                  </a:schemeClr>
+                </a:solidFill>
+              </a:rPr>
+              <a:t>건만 등록 가능</a:t>
+            </a:r>
             <a:endParaRPr lang="en-US" altLang="ko-KR" sz="1000" dirty="0">
               <a:solidFill>
                 <a:schemeClr val="bg2">
@@ -13380,6 +14658,362 @@
                 </a:schemeClr>
               </a:solidFill>
             </a:endParaRPr>
+          </a:p>
+        </p:txBody>
+      </p:sp>
+      <p:sp>
+        <p:nvSpPr>
+          <p:cNvPr id="2" name="직사각형 1">
+            <a:extLst>
+              <a:ext uri="{FF2B5EF4-FFF2-40B4-BE49-F238E27FC236}">
+                <a16:creationId xmlns:a16="http://schemas.microsoft.com/office/drawing/2014/main" id="{A0BE7332-FE63-DCEF-C6F2-67DB4A876F02}"/>
+              </a:ext>
+            </a:extLst>
+          </p:cNvPr>
+          <p:cNvSpPr/>
+          <p:nvPr/>
+        </p:nvSpPr>
+        <p:spPr>
+          <a:xfrm>
+            <a:off x="1209675" y="5117909"/>
+            <a:ext cx="742950" cy="238125"/>
+          </a:xfrm>
+          <a:prstGeom prst="rect">
+            <a:avLst/>
+          </a:prstGeom>
+          <a:solidFill>
+            <a:schemeClr val="bg1">
+              <a:lumMod val="75000"/>
+            </a:schemeClr>
+          </a:solidFill>
+          <a:ln>
+            <a:noFill/>
+          </a:ln>
+        </p:spPr>
+        <p:style>
+          <a:lnRef idx="2">
+            <a:schemeClr val="accent1">
+              <a:shade val="50000"/>
+            </a:schemeClr>
+          </a:lnRef>
+          <a:fillRef idx="1">
+            <a:schemeClr val="accent1"/>
+          </a:fillRef>
+          <a:effectRef idx="0">
+            <a:schemeClr val="accent1"/>
+          </a:effectRef>
+          <a:fontRef idx="minor">
+            <a:schemeClr val="lt1"/>
+          </a:fontRef>
+        </p:style>
+        <p:txBody>
+          <a:bodyPr rtlCol="0" anchor="ctr"/>
+          <a:lstStyle/>
+          <a:p>
+            <a:pPr algn="ctr"/>
+            <a:r>
+              <a:rPr lang="ko-KR" altLang="en-US" sz="800" dirty="0" err="1"/>
+              <a:t>파일업로드</a:t>
+            </a:r>
+            <a:endParaRPr lang="ko-KR" altLang="en-US" sz="800" dirty="0"/>
+          </a:p>
+        </p:txBody>
+      </p:sp>
+      <p:sp>
+        <p:nvSpPr>
+          <p:cNvPr id="3" name="직사각형 2">
+            <a:extLst>
+              <a:ext uri="{FF2B5EF4-FFF2-40B4-BE49-F238E27FC236}">
+                <a16:creationId xmlns:a16="http://schemas.microsoft.com/office/drawing/2014/main" id="{47CDBAD8-10EE-D63B-1AD6-FCC05DE5A214}"/>
+              </a:ext>
+            </a:extLst>
+          </p:cNvPr>
+          <p:cNvSpPr/>
+          <p:nvPr/>
+        </p:nvSpPr>
+        <p:spPr>
+          <a:xfrm>
+            <a:off x="2181223" y="5122281"/>
+            <a:ext cx="1276350" cy="233753"/>
+          </a:xfrm>
+          <a:prstGeom prst="rect">
+            <a:avLst/>
+          </a:prstGeom>
+          <a:solidFill>
+            <a:schemeClr val="bg1"/>
+          </a:solidFill>
+          <a:ln w="9525">
+            <a:solidFill>
+              <a:schemeClr val="bg1">
+                <a:lumMod val="75000"/>
+              </a:schemeClr>
+            </a:solidFill>
+          </a:ln>
+        </p:spPr>
+        <p:style>
+          <a:lnRef idx="2">
+            <a:schemeClr val="accent1">
+              <a:shade val="50000"/>
+            </a:schemeClr>
+          </a:lnRef>
+          <a:fillRef idx="1">
+            <a:schemeClr val="accent1"/>
+          </a:fillRef>
+          <a:effectRef idx="0">
+            <a:schemeClr val="accent1"/>
+          </a:effectRef>
+          <a:fontRef idx="minor">
+            <a:schemeClr val="lt1"/>
+          </a:fontRef>
+        </p:style>
+        <p:txBody>
+          <a:bodyPr rtlCol="0" anchor="ctr"/>
+          <a:lstStyle/>
+          <a:p>
+            <a:pPr algn="ctr"/>
+            <a:endParaRPr lang="ko-KR" altLang="en-US" sz="1000" dirty="0">
+              <a:solidFill>
+                <a:schemeClr val="bg1">
+                  <a:lumMod val="75000"/>
+                </a:schemeClr>
+              </a:solidFill>
+            </a:endParaRPr>
+          </a:p>
+        </p:txBody>
+      </p:sp>
+      <p:sp>
+        <p:nvSpPr>
+          <p:cNvPr id="6" name="직사각형 5">
+            <a:extLst>
+              <a:ext uri="{FF2B5EF4-FFF2-40B4-BE49-F238E27FC236}">
+                <a16:creationId xmlns:a16="http://schemas.microsoft.com/office/drawing/2014/main" id="{A144B70B-F27E-9466-7FDE-4578DFA4A340}"/>
+              </a:ext>
+            </a:extLst>
+          </p:cNvPr>
+          <p:cNvSpPr/>
+          <p:nvPr/>
+        </p:nvSpPr>
+        <p:spPr>
+          <a:xfrm>
+            <a:off x="3457573" y="5127152"/>
+            <a:ext cx="411042" cy="238125"/>
+          </a:xfrm>
+          <a:prstGeom prst="rect">
+            <a:avLst/>
+          </a:prstGeom>
+          <a:solidFill>
+            <a:schemeClr val="bg1">
+              <a:lumMod val="75000"/>
+            </a:schemeClr>
+          </a:solidFill>
+          <a:ln>
+            <a:noFill/>
+          </a:ln>
+        </p:spPr>
+        <p:style>
+          <a:lnRef idx="2">
+            <a:schemeClr val="accent1">
+              <a:shade val="50000"/>
+            </a:schemeClr>
+          </a:lnRef>
+          <a:fillRef idx="1">
+            <a:schemeClr val="accent1"/>
+          </a:fillRef>
+          <a:effectRef idx="0">
+            <a:schemeClr val="accent1"/>
+          </a:effectRef>
+          <a:fontRef idx="minor">
+            <a:schemeClr val="lt1"/>
+          </a:fontRef>
+        </p:style>
+        <p:txBody>
+          <a:bodyPr rtlCol="0" anchor="ctr"/>
+          <a:lstStyle/>
+          <a:p>
+            <a:pPr algn="ctr"/>
+            <a:r>
+              <a:rPr lang="ko-KR" altLang="en-US" sz="800"/>
+              <a:t>선택</a:t>
+            </a:r>
+            <a:endParaRPr lang="ko-KR" altLang="en-US" sz="800" dirty="0"/>
+          </a:p>
+        </p:txBody>
+      </p:sp>
+      <p:sp>
+        <p:nvSpPr>
+          <p:cNvPr id="7" name="직사각형 6">
+            <a:extLst>
+              <a:ext uri="{FF2B5EF4-FFF2-40B4-BE49-F238E27FC236}">
+                <a16:creationId xmlns:a16="http://schemas.microsoft.com/office/drawing/2014/main" id="{EF96E7B3-94F9-BF58-7840-F38366B55883}"/>
+              </a:ext>
+            </a:extLst>
+          </p:cNvPr>
+          <p:cNvSpPr/>
+          <p:nvPr/>
+        </p:nvSpPr>
+        <p:spPr>
+          <a:xfrm>
+            <a:off x="1209675" y="5491477"/>
+            <a:ext cx="742950" cy="238125"/>
+          </a:xfrm>
+          <a:prstGeom prst="rect">
+            <a:avLst/>
+          </a:prstGeom>
+          <a:solidFill>
+            <a:schemeClr val="bg1">
+              <a:lumMod val="75000"/>
+            </a:schemeClr>
+          </a:solidFill>
+          <a:ln>
+            <a:noFill/>
+          </a:ln>
+        </p:spPr>
+        <p:style>
+          <a:lnRef idx="2">
+            <a:schemeClr val="accent1">
+              <a:shade val="50000"/>
+            </a:schemeClr>
+          </a:lnRef>
+          <a:fillRef idx="1">
+            <a:schemeClr val="accent1"/>
+          </a:fillRef>
+          <a:effectRef idx="0">
+            <a:schemeClr val="accent1"/>
+          </a:effectRef>
+          <a:fontRef idx="minor">
+            <a:schemeClr val="lt1"/>
+          </a:fontRef>
+        </p:style>
+        <p:txBody>
+          <a:bodyPr rtlCol="0" anchor="ctr"/>
+          <a:lstStyle/>
+          <a:p>
+            <a:pPr algn="ctr"/>
+            <a:r>
+              <a:rPr lang="ko-KR" altLang="en-US" sz="800" dirty="0" err="1"/>
+              <a:t>파일업로드</a:t>
+            </a:r>
+            <a:endParaRPr lang="ko-KR" altLang="en-US" sz="800" dirty="0"/>
+          </a:p>
+        </p:txBody>
+      </p:sp>
+      <p:sp>
+        <p:nvSpPr>
+          <p:cNvPr id="8" name="직사각형 7">
+            <a:extLst>
+              <a:ext uri="{FF2B5EF4-FFF2-40B4-BE49-F238E27FC236}">
+                <a16:creationId xmlns:a16="http://schemas.microsoft.com/office/drawing/2014/main" id="{12C25683-4DFB-12DB-5025-73CE5F770DED}"/>
+              </a:ext>
+            </a:extLst>
+          </p:cNvPr>
+          <p:cNvSpPr/>
+          <p:nvPr/>
+        </p:nvSpPr>
+        <p:spPr>
+          <a:xfrm>
+            <a:off x="2181223" y="5495849"/>
+            <a:ext cx="1276350" cy="233753"/>
+          </a:xfrm>
+          <a:prstGeom prst="rect">
+            <a:avLst/>
+          </a:prstGeom>
+          <a:solidFill>
+            <a:schemeClr val="bg1"/>
+          </a:solidFill>
+          <a:ln w="9525">
+            <a:solidFill>
+              <a:schemeClr val="bg1">
+                <a:lumMod val="75000"/>
+              </a:schemeClr>
+            </a:solidFill>
+          </a:ln>
+        </p:spPr>
+        <p:style>
+          <a:lnRef idx="2">
+            <a:schemeClr val="accent1">
+              <a:shade val="50000"/>
+            </a:schemeClr>
+          </a:lnRef>
+          <a:fillRef idx="1">
+            <a:schemeClr val="accent1"/>
+          </a:fillRef>
+          <a:effectRef idx="0">
+            <a:schemeClr val="accent1"/>
+          </a:effectRef>
+          <a:fontRef idx="minor">
+            <a:schemeClr val="lt1"/>
+          </a:fontRef>
+        </p:style>
+        <p:txBody>
+          <a:bodyPr rtlCol="0" anchor="ctr"/>
+          <a:lstStyle/>
+          <a:p>
+            <a:pPr algn="ctr"/>
+            <a:endParaRPr lang="ko-KR" altLang="en-US" sz="1000" dirty="0">
+              <a:solidFill>
+                <a:schemeClr val="bg1">
+                  <a:lumMod val="75000"/>
+                </a:schemeClr>
+              </a:solidFill>
+            </a:endParaRPr>
+          </a:p>
+        </p:txBody>
+      </p:sp>
+      <p:sp>
+        <p:nvSpPr>
+          <p:cNvPr id="9" name="직사각형 8">
+            <a:extLst>
+              <a:ext uri="{FF2B5EF4-FFF2-40B4-BE49-F238E27FC236}">
+                <a16:creationId xmlns:a16="http://schemas.microsoft.com/office/drawing/2014/main" id="{BBD40FD0-E959-1CF1-BAA5-A70884DA17D0}"/>
+              </a:ext>
+            </a:extLst>
+          </p:cNvPr>
+          <p:cNvSpPr/>
+          <p:nvPr/>
+        </p:nvSpPr>
+        <p:spPr>
+          <a:xfrm>
+            <a:off x="3457573" y="5495849"/>
+            <a:ext cx="411042" cy="242996"/>
+          </a:xfrm>
+          <a:prstGeom prst="rect">
+            <a:avLst/>
+          </a:prstGeom>
+          <a:solidFill>
+            <a:schemeClr val="bg1">
+              <a:lumMod val="75000"/>
+            </a:schemeClr>
+          </a:solidFill>
+          <a:ln>
+            <a:noFill/>
+          </a:ln>
+        </p:spPr>
+        <p:style>
+          <a:lnRef idx="2">
+            <a:schemeClr val="accent1">
+              <a:shade val="50000"/>
+            </a:schemeClr>
+          </a:lnRef>
+          <a:fillRef idx="1">
+            <a:schemeClr val="accent1"/>
+          </a:fillRef>
+          <a:effectRef idx="0">
+            <a:schemeClr val="accent1"/>
+          </a:effectRef>
+          <a:fontRef idx="minor">
+            <a:schemeClr val="lt1"/>
+          </a:fontRef>
+        </p:style>
+        <p:txBody>
+          <a:bodyPr rtlCol="0" anchor="ctr"/>
+          <a:lstStyle/>
+          <a:p>
+            <a:pPr algn="ctr"/>
+            <a:r>
+              <a:rPr lang="ko-KR" altLang="en-US" sz="800"/>
+              <a:t>선택</a:t>
+            </a:r>
+            <a:endParaRPr lang="ko-KR" altLang="en-US" sz="800" dirty="0"/>
           </a:p>
         </p:txBody>
       </p:sp>
@@ -13427,7 +15061,7 @@
         </p:nvSpPr>
         <p:spPr>
           <a:xfrm>
-            <a:off x="791016" y="976017"/>
+            <a:off x="773823" y="970040"/>
             <a:ext cx="6930584" cy="5383764"/>
           </a:xfrm>
           <a:prstGeom prst="rect">
@@ -13810,127 +15444,6 @@
       </p:sp>
       <p:sp>
         <p:nvSpPr>
-          <p:cNvPr id="142" name="직사각형 141">
-            <a:extLst>
-              <a:ext uri="{FF2B5EF4-FFF2-40B4-BE49-F238E27FC236}">
-                <a16:creationId xmlns:a16="http://schemas.microsoft.com/office/drawing/2014/main" id="{2823F82A-5708-4D32-8DF0-C5EA6E1A2A11}"/>
-              </a:ext>
-            </a:extLst>
-          </p:cNvPr>
-          <p:cNvSpPr/>
-          <p:nvPr/>
-        </p:nvSpPr>
-        <p:spPr>
-          <a:xfrm>
-            <a:off x="1209675" y="5694356"/>
-            <a:ext cx="2914650" cy="377396"/>
-          </a:xfrm>
-          <a:prstGeom prst="rect">
-            <a:avLst/>
-          </a:prstGeom>
-          <a:solidFill>
-            <a:srgbClr val="FFC000"/>
-          </a:solidFill>
-          <a:ln>
-            <a:solidFill>
-              <a:srgbClr val="FFC000"/>
-            </a:solidFill>
-          </a:ln>
-        </p:spPr>
-        <p:style>
-          <a:lnRef idx="2">
-            <a:schemeClr val="accent1">
-              <a:shade val="50000"/>
-            </a:schemeClr>
-          </a:lnRef>
-          <a:fillRef idx="1">
-            <a:schemeClr val="accent1"/>
-          </a:fillRef>
-          <a:effectRef idx="0">
-            <a:schemeClr val="accent1"/>
-          </a:effectRef>
-          <a:fontRef idx="minor">
-            <a:schemeClr val="lt1"/>
-          </a:fontRef>
-        </p:style>
-        <p:txBody>
-          <a:bodyPr rtlCol="0" anchor="ctr"/>
-          <a:lstStyle/>
-          <a:p>
-            <a:pPr algn="ctr"/>
-            <a:r>
-              <a:rPr lang="ko-KR" altLang="en-US" sz="1100" dirty="0"/>
-              <a:t>수  정</a:t>
-            </a:r>
-          </a:p>
-        </p:txBody>
-      </p:sp>
-      <p:sp>
-        <p:nvSpPr>
-          <p:cNvPr id="144" name="직사각형 143">
-            <a:extLst>
-              <a:ext uri="{FF2B5EF4-FFF2-40B4-BE49-F238E27FC236}">
-                <a16:creationId xmlns:a16="http://schemas.microsoft.com/office/drawing/2014/main" id="{C97F6F27-FCC5-4CC8-BB1E-3B2B367BB28C}"/>
-              </a:ext>
-            </a:extLst>
-          </p:cNvPr>
-          <p:cNvSpPr/>
-          <p:nvPr/>
-        </p:nvSpPr>
-        <p:spPr>
-          <a:xfrm>
-            <a:off x="4152803" y="5693285"/>
-            <a:ext cx="2914650" cy="377396"/>
-          </a:xfrm>
-          <a:prstGeom prst="rect">
-            <a:avLst/>
-          </a:prstGeom>
-          <a:noFill/>
-          <a:ln>
-            <a:solidFill>
-              <a:schemeClr val="bg1">
-                <a:lumMod val="65000"/>
-              </a:schemeClr>
-            </a:solidFill>
-          </a:ln>
-        </p:spPr>
-        <p:style>
-          <a:lnRef idx="2">
-            <a:schemeClr val="accent1">
-              <a:shade val="50000"/>
-            </a:schemeClr>
-          </a:lnRef>
-          <a:fillRef idx="1">
-            <a:schemeClr val="accent1"/>
-          </a:fillRef>
-          <a:effectRef idx="0">
-            <a:schemeClr val="accent1"/>
-          </a:effectRef>
-          <a:fontRef idx="minor">
-            <a:schemeClr val="lt1"/>
-          </a:fontRef>
-        </p:style>
-        <p:txBody>
-          <a:bodyPr rtlCol="0" anchor="ctr"/>
-          <a:lstStyle/>
-          <a:p>
-            <a:pPr algn="ctr"/>
-            <a:r>
-              <a:rPr lang="ko-KR" altLang="en-US" sz="1100" dirty="0">
-                <a:solidFill>
-                  <a:schemeClr val="tx1">
-                    <a:lumMod val="75000"/>
-                    <a:lumOff val="25000"/>
-                  </a:schemeClr>
-                </a:solidFill>
-              </a:rPr>
-              <a:t>리스트</a:t>
-            </a:r>
-          </a:p>
-        </p:txBody>
-      </p:sp>
-      <p:sp>
-        <p:nvSpPr>
           <p:cNvPr id="17" name="직사각형 16">
             <a:extLst>
               <a:ext uri="{FF2B5EF4-FFF2-40B4-BE49-F238E27FC236}">
@@ -14119,6 +15632,58 @@
             </a:endParaRPr>
           </a:p>
           <a:p>
+            <a:r>
+              <a:rPr lang="ko-KR" altLang="en-US" sz="1000" b="1" dirty="0">
+                <a:solidFill>
+                  <a:schemeClr val="bg2">
+                    <a:lumMod val="25000"/>
+                  </a:schemeClr>
+                </a:solidFill>
+              </a:rPr>
+              <a:t>요구사항</a:t>
+            </a:r>
+            <a:endParaRPr lang="en-US" altLang="ko-KR" sz="1000" b="1" dirty="0">
+              <a:solidFill>
+                <a:schemeClr val="bg2">
+                  <a:lumMod val="25000"/>
+                </a:schemeClr>
+              </a:solidFill>
+            </a:endParaRPr>
+          </a:p>
+          <a:p>
+            <a:endParaRPr lang="en-US" altLang="ko-KR" sz="1000" dirty="0">
+              <a:solidFill>
+                <a:schemeClr val="bg2">
+                  <a:lumMod val="25000"/>
+                </a:schemeClr>
+              </a:solidFill>
+            </a:endParaRPr>
+          </a:p>
+          <a:p>
+            <a:pPr marL="342900" indent="-342900">
+              <a:buAutoNum type="arabicPeriod"/>
+            </a:pPr>
+            <a:endParaRPr lang="en-US" altLang="ko-KR" sz="1000" dirty="0">
+              <a:solidFill>
+                <a:schemeClr val="bg2">
+                  <a:lumMod val="25000"/>
+                </a:schemeClr>
+              </a:solidFill>
+            </a:endParaRPr>
+          </a:p>
+          <a:p>
+            <a:pPr marL="342900" indent="-342900">
+              <a:buAutoNum type="arabicPeriod"/>
+            </a:pPr>
+            <a:endParaRPr lang="en-US" altLang="ko-KR" sz="1000" dirty="0">
+              <a:solidFill>
+                <a:schemeClr val="bg2">
+                  <a:lumMod val="25000"/>
+                </a:schemeClr>
+              </a:solidFill>
+            </a:endParaRPr>
+          </a:p>
+          <a:p>
             <a:pPr marL="342900" indent="-342900">
               <a:buAutoNum type="arabicPeriod"/>
             </a:pPr>
@@ -14214,16 +15779,6 @@
               <a:buAutoNum type="arabicPeriod"/>
             </a:pPr>
             <a:r>
-              <a:rPr lang="en-US" altLang="ko-KR" sz="1000" dirty="0">
-                <a:solidFill>
-                  <a:schemeClr val="bg2">
-                    <a:lumMod val="25000"/>
-                  </a:schemeClr>
-                </a:solidFill>
-              </a:rPr>
-              <a:t>[ </a:t>
-            </a:r>
-            <a:r>
               <a:rPr lang="ko-KR" altLang="en-US" sz="1000" dirty="0">
                 <a:solidFill>
                   <a:schemeClr val="bg2">
@@ -14231,27 +15786,7 @@
                   </a:schemeClr>
                 </a:solidFill>
               </a:rPr>
-              <a:t>수정 </a:t>
-            </a:r>
-            <a:r>
-              <a:rPr lang="en-US" altLang="ko-KR" sz="1000" dirty="0">
-                <a:solidFill>
-                  <a:schemeClr val="bg2">
-                    <a:lumMod val="25000"/>
-                  </a:schemeClr>
-                </a:solidFill>
-              </a:rPr>
-              <a:t>] </a:t>
-            </a:r>
-            <a:r>
-              <a:rPr lang="ko-KR" altLang="en-US" sz="1000" dirty="0">
-                <a:solidFill>
-                  <a:schemeClr val="bg2">
-                    <a:lumMod val="25000"/>
-                  </a:schemeClr>
-                </a:solidFill>
-              </a:rPr>
-              <a:t>기능구현</a:t>
+              <a:t>수정버튼 기능구현</a:t>
             </a:r>
             <a:br>
               <a:rPr lang="en-US" altLang="ko-KR" sz="1000" dirty="0">
@@ -14325,6 +15860,16 @@
               <a:buAutoNum type="arabicPeriod"/>
             </a:pPr>
             <a:r>
+              <a:rPr lang="ko-KR" altLang="en-US" sz="1000" dirty="0" err="1">
+                <a:solidFill>
+                  <a:schemeClr val="bg2">
+                    <a:lumMod val="25000"/>
+                  </a:schemeClr>
+                </a:solidFill>
+              </a:rPr>
+              <a:t>닫기버튼</a:t>
+            </a:r>
+            <a:r>
               <a:rPr lang="en-US" altLang="ko-KR" sz="1000" dirty="0">
                 <a:solidFill>
                   <a:schemeClr val="bg2">
@@ -14332,27 +15877,7 @@
                   </a:schemeClr>
                 </a:solidFill>
               </a:rPr>
-              <a:t>[ </a:t>
-            </a:r>
-            <a:r>
-              <a:rPr lang="ko-KR" altLang="en-US" sz="1000" dirty="0">
-                <a:solidFill>
-                  <a:schemeClr val="bg2">
-                    <a:lumMod val="25000"/>
-                  </a:schemeClr>
-                </a:solidFill>
-              </a:rPr>
-              <a:t>리스트 </a:t>
-            </a:r>
-            <a:r>
-              <a:rPr lang="en-US" altLang="ko-KR" sz="1000" dirty="0">
-                <a:solidFill>
-                  <a:schemeClr val="bg2">
-                    <a:lumMod val="25000"/>
-                  </a:schemeClr>
-                </a:solidFill>
-              </a:rPr>
-              <a:t>] </a:t>
+              <a:t> </a:t>
             </a:r>
             <a:r>
               <a:rPr lang="ko-KR" altLang="en-US" sz="1000" dirty="0">
@@ -14412,6 +15937,42 @@
                 </a:solidFill>
               </a:rPr>
               <a:t>화면으로 이동</a:t>
+            </a:r>
+            <a:endParaRPr lang="en-US" altLang="ko-KR" sz="1000" dirty="0">
+              <a:solidFill>
+                <a:schemeClr val="bg2">
+                  <a:lumMod val="25000"/>
+                </a:schemeClr>
+              </a:solidFill>
+            </a:endParaRPr>
+          </a:p>
+          <a:p>
+            <a:pPr marL="342900" indent="-342900">
+              <a:buFontTx/>
+              <a:buAutoNum type="arabicPeriod"/>
+            </a:pPr>
+            <a:endParaRPr lang="en-US" altLang="ko-KR" sz="1000" dirty="0">
+              <a:solidFill>
+                <a:schemeClr val="bg2">
+                  <a:lumMod val="25000"/>
+                </a:schemeClr>
+              </a:solidFill>
+            </a:endParaRPr>
+          </a:p>
+          <a:p>
+            <a:pPr marL="342900" indent="-342900">
+              <a:buFontTx/>
+              <a:buAutoNum type="arabicPeriod"/>
+            </a:pPr>
+            <a:r>
+              <a:rPr lang="ko-KR" altLang="en-US" sz="1000" dirty="0">
+                <a:solidFill>
+                  <a:schemeClr val="bg2">
+                    <a:lumMod val="25000"/>
+                  </a:schemeClr>
+                </a:solidFill>
+              </a:rPr>
+              <a:t>업로드한 파일 다운로드 기능 구현</a:t>
             </a:r>
             <a:endParaRPr lang="en-US" altLang="ko-KR" sz="1000" dirty="0">
               <a:solidFill>
@@ -14688,7 +16249,7 @@
         </p:nvSpPr>
         <p:spPr>
           <a:xfrm>
-            <a:off x="2080247" y="4987037"/>
+            <a:off x="2051766" y="5396029"/>
             <a:ext cx="1269899" cy="230832"/>
           </a:xfrm>
           <a:prstGeom prst="rect">
@@ -14783,7 +16344,7 @@
         </p:nvCxnSpPr>
         <p:spPr>
           <a:xfrm>
-            <a:off x="1074517" y="4887609"/>
+            <a:off x="1020997" y="5309640"/>
             <a:ext cx="6329197" cy="0"/>
           </a:xfrm>
           <a:prstGeom prst="line">
@@ -14903,7 +16464,7 @@
         </p:nvSpPr>
         <p:spPr>
           <a:xfrm>
-            <a:off x="1102994" y="4978283"/>
+            <a:off x="1074513" y="5387275"/>
             <a:ext cx="1077539" cy="230832"/>
           </a:xfrm>
           <a:prstGeom prst="rect">
@@ -14961,8 +16522,8 @@
         </p:nvSpPr>
         <p:spPr>
           <a:xfrm>
-            <a:off x="5842043" y="2588714"/>
-            <a:ext cx="1122423" cy="230832"/>
+            <a:off x="5955138" y="2598347"/>
+            <a:ext cx="962123" cy="230832"/>
           </a:xfrm>
           <a:prstGeom prst="rect">
             <a:avLst/>
@@ -14983,7 +16544,7 @@
                   </a:schemeClr>
                 </a:solidFill>
               </a:rPr>
-              <a:t>작성자             </a:t>
+              <a:t>작성자          </a:t>
             </a:r>
             <a:r>
               <a:rPr lang="en-US" altLang="ko-KR" sz="900" b="1" dirty="0">
@@ -15019,7 +16580,7 @@
         </p:nvSpPr>
         <p:spPr>
           <a:xfrm>
-            <a:off x="2074389" y="5200981"/>
+            <a:off x="2045908" y="5609973"/>
             <a:ext cx="1269899" cy="230832"/>
           </a:xfrm>
           <a:prstGeom prst="rect">
@@ -15067,7 +16628,7 @@
         </p:nvSpPr>
         <p:spPr>
           <a:xfrm>
-            <a:off x="1097136" y="5192227"/>
+            <a:off x="1068655" y="5601219"/>
             <a:ext cx="1143262" cy="230832"/>
           </a:xfrm>
           <a:prstGeom prst="rect">
@@ -15102,6 +16663,341 @@
               <a:t>:</a:t>
             </a:r>
             <a:endParaRPr lang="ko-KR" altLang="en-US" sz="900" b="1" dirty="0">
+              <a:solidFill>
+                <a:schemeClr val="bg1">
+                  <a:lumMod val="50000"/>
+                </a:schemeClr>
+              </a:solidFill>
+            </a:endParaRPr>
+          </a:p>
+        </p:txBody>
+      </p:sp>
+      <p:sp>
+        <p:nvSpPr>
+          <p:cNvPr id="10" name="직사각형 9">
+            <a:extLst>
+              <a:ext uri="{FF2B5EF4-FFF2-40B4-BE49-F238E27FC236}">
+                <a16:creationId xmlns:a16="http://schemas.microsoft.com/office/drawing/2014/main" id="{3E78D810-62AC-593D-829B-351A41F3B581}"/>
+              </a:ext>
+            </a:extLst>
+          </p:cNvPr>
+          <p:cNvSpPr/>
+          <p:nvPr/>
+        </p:nvSpPr>
+        <p:spPr>
+          <a:xfrm>
+            <a:off x="5207811" y="5945730"/>
+            <a:ext cx="978767" cy="189769"/>
+          </a:xfrm>
+          <a:prstGeom prst="rect">
+            <a:avLst/>
+          </a:prstGeom>
+          <a:solidFill>
+            <a:schemeClr val="accent6"/>
+          </a:solidFill>
+          <a:ln>
+            <a:solidFill>
+              <a:schemeClr val="accent6"/>
+            </a:solidFill>
+          </a:ln>
+        </p:spPr>
+        <p:style>
+          <a:lnRef idx="2">
+            <a:schemeClr val="accent1">
+              <a:shade val="50000"/>
+            </a:schemeClr>
+          </a:lnRef>
+          <a:fillRef idx="1">
+            <a:schemeClr val="accent1"/>
+          </a:fillRef>
+          <a:effectRef idx="0">
+            <a:schemeClr val="accent1"/>
+          </a:effectRef>
+          <a:fontRef idx="minor">
+            <a:schemeClr val="lt1"/>
+          </a:fontRef>
+        </p:style>
+        <p:txBody>
+          <a:bodyPr rtlCol="0" anchor="ctr"/>
+          <a:lstStyle/>
+          <a:p>
+            <a:pPr algn="ctr"/>
+            <a:r>
+              <a:rPr lang="ko-KR" altLang="en-US" sz="1000" b="1" dirty="0"/>
+              <a:t>수   정</a:t>
+            </a:r>
+          </a:p>
+        </p:txBody>
+      </p:sp>
+      <p:sp>
+        <p:nvSpPr>
+          <p:cNvPr id="11" name="직사각형 10">
+            <a:extLst>
+              <a:ext uri="{FF2B5EF4-FFF2-40B4-BE49-F238E27FC236}">
+                <a16:creationId xmlns:a16="http://schemas.microsoft.com/office/drawing/2014/main" id="{F9B5B060-8775-31E9-CD2A-AD4BCBE57B1B}"/>
+              </a:ext>
+            </a:extLst>
+          </p:cNvPr>
+          <p:cNvSpPr/>
+          <p:nvPr/>
+        </p:nvSpPr>
+        <p:spPr>
+          <a:xfrm>
+            <a:off x="6427878" y="5945729"/>
+            <a:ext cx="978767" cy="189770"/>
+          </a:xfrm>
+          <a:prstGeom prst="rect">
+            <a:avLst/>
+          </a:prstGeom>
+          <a:noFill/>
+          <a:ln>
+            <a:solidFill>
+              <a:schemeClr val="bg1">
+                <a:lumMod val="65000"/>
+              </a:schemeClr>
+            </a:solidFill>
+          </a:ln>
+        </p:spPr>
+        <p:style>
+          <a:lnRef idx="2">
+            <a:schemeClr val="accent1">
+              <a:shade val="50000"/>
+            </a:schemeClr>
+          </a:lnRef>
+          <a:fillRef idx="1">
+            <a:schemeClr val="accent1"/>
+          </a:fillRef>
+          <a:effectRef idx="0">
+            <a:schemeClr val="accent1"/>
+          </a:effectRef>
+          <a:fontRef idx="minor">
+            <a:schemeClr val="lt1"/>
+          </a:fontRef>
+        </p:style>
+        <p:txBody>
+          <a:bodyPr rtlCol="0" anchor="ctr"/>
+          <a:lstStyle/>
+          <a:p>
+            <a:pPr algn="ctr"/>
+            <a:r>
+              <a:rPr lang="ko-KR" altLang="en-US" sz="1000" b="1" dirty="0" err="1">
+                <a:solidFill>
+                  <a:schemeClr val="tx1">
+                    <a:lumMod val="75000"/>
+                    <a:lumOff val="25000"/>
+                  </a:schemeClr>
+                </a:solidFill>
+              </a:rPr>
+              <a:t>닫</a:t>
+            </a:r>
+            <a:r>
+              <a:rPr lang="ko-KR" altLang="en-US" sz="1000" b="1" dirty="0">
+                <a:solidFill>
+                  <a:schemeClr val="tx1">
+                    <a:lumMod val="75000"/>
+                    <a:lumOff val="25000"/>
+                  </a:schemeClr>
+                </a:solidFill>
+              </a:rPr>
+              <a:t>   기</a:t>
+            </a:r>
+          </a:p>
+        </p:txBody>
+      </p:sp>
+      <p:cxnSp>
+        <p:nvCxnSpPr>
+          <p:cNvPr id="12" name="직선 연결선 11">
+            <a:extLst>
+              <a:ext uri="{FF2B5EF4-FFF2-40B4-BE49-F238E27FC236}">
+                <a16:creationId xmlns:a16="http://schemas.microsoft.com/office/drawing/2014/main" id="{69A87A24-901B-9144-E7AC-CAD8957E7258}"/>
+              </a:ext>
+            </a:extLst>
+          </p:cNvPr>
+          <p:cNvCxnSpPr/>
+          <p:nvPr/>
+        </p:nvCxnSpPr>
+        <p:spPr>
+          <a:xfrm>
+            <a:off x="1050468" y="4747416"/>
+            <a:ext cx="6329197" cy="0"/>
+          </a:xfrm>
+          <a:prstGeom prst="line">
+            <a:avLst/>
+          </a:prstGeom>
+          <a:ln w="9525" cap="flat" cmpd="sng" algn="ctr">
+            <a:solidFill>
+              <a:schemeClr val="bg1">
+                <a:lumMod val="75000"/>
+              </a:schemeClr>
+            </a:solidFill>
+            <a:prstDash val="dash"/>
+            <a:round/>
+            <a:headEnd type="none" w="med" len="med"/>
+            <a:tailEnd type="none" w="med" len="med"/>
+          </a:ln>
+        </p:spPr>
+        <p:style>
+          <a:lnRef idx="0">
+            <a:scrgbClr r="0" g="0" b="0"/>
+          </a:lnRef>
+          <a:fillRef idx="0">
+            <a:scrgbClr r="0" g="0" b="0"/>
+          </a:fillRef>
+          <a:effectRef idx="0">
+            <a:scrgbClr r="0" g="0" b="0"/>
+          </a:effectRef>
+          <a:fontRef idx="minor">
+            <a:schemeClr val="tx1"/>
+          </a:fontRef>
+        </p:style>
+      </p:cxnSp>
+      <p:sp>
+        <p:nvSpPr>
+          <p:cNvPr id="13" name="TextBox 12">
+            <a:extLst>
+              <a:ext uri="{FF2B5EF4-FFF2-40B4-BE49-F238E27FC236}">
+                <a16:creationId xmlns:a16="http://schemas.microsoft.com/office/drawing/2014/main" id="{0ECCA433-B1CF-BF0B-DDAF-3CC42529B2FD}"/>
+              </a:ext>
+            </a:extLst>
+          </p:cNvPr>
+          <p:cNvSpPr txBox="1"/>
+          <p:nvPr/>
+        </p:nvSpPr>
+        <p:spPr>
+          <a:xfrm>
+            <a:off x="1050468" y="4849324"/>
+            <a:ext cx="1101584" cy="215444"/>
+          </a:xfrm>
+          <a:prstGeom prst="rect">
+            <a:avLst/>
+          </a:prstGeom>
+          <a:noFill/>
+        </p:spPr>
+        <p:txBody>
+          <a:bodyPr wrap="none" rtlCol="0">
+            <a:spAutoFit/>
+          </a:bodyPr>
+          <a:lstStyle/>
+          <a:p>
+            <a:r>
+              <a:rPr lang="ko-KR" altLang="en-US" sz="800" dirty="0" err="1">
+                <a:solidFill>
+                  <a:schemeClr val="bg2">
+                    <a:lumMod val="25000"/>
+                  </a:schemeClr>
+                </a:solidFill>
+              </a:rPr>
+              <a:t>ㆍ</a:t>
+            </a:r>
+            <a:r>
+              <a:rPr lang="ko-KR" altLang="en-US" sz="800" dirty="0">
+                <a:solidFill>
+                  <a:schemeClr val="bg2">
+                    <a:lumMod val="25000"/>
+                  </a:schemeClr>
+                </a:solidFill>
+              </a:rPr>
+              <a:t> </a:t>
+            </a:r>
+            <a:r>
+              <a:rPr lang="ko-KR" altLang="en-US" sz="800" dirty="0">
+                <a:solidFill>
+                  <a:schemeClr val="bg1">
+                    <a:lumMod val="50000"/>
+                  </a:schemeClr>
+                </a:solidFill>
+              </a:rPr>
+              <a:t>등록된 파일</a:t>
+            </a:r>
+            <a:r>
+              <a:rPr lang="en-US" altLang="ko-KR" sz="800" dirty="0">
+                <a:solidFill>
+                  <a:schemeClr val="bg1">
+                    <a:lumMod val="50000"/>
+                  </a:schemeClr>
+                </a:solidFill>
+              </a:rPr>
+              <a:t>1.jpg</a:t>
+            </a:r>
+            <a:endParaRPr lang="ko-KR" altLang="en-US" sz="800" dirty="0">
+              <a:solidFill>
+                <a:schemeClr val="bg1">
+                  <a:lumMod val="50000"/>
+                </a:schemeClr>
+              </a:solidFill>
+            </a:endParaRPr>
+          </a:p>
+        </p:txBody>
+      </p:sp>
+      <p:sp>
+        <p:nvSpPr>
+          <p:cNvPr id="14" name="TextBox 13">
+            <a:extLst>
+              <a:ext uri="{FF2B5EF4-FFF2-40B4-BE49-F238E27FC236}">
+                <a16:creationId xmlns:a16="http://schemas.microsoft.com/office/drawing/2014/main" id="{09E56C0C-6AB6-90F4-4083-B06370173062}"/>
+              </a:ext>
+            </a:extLst>
+          </p:cNvPr>
+          <p:cNvSpPr txBox="1"/>
+          <p:nvPr/>
+        </p:nvSpPr>
+        <p:spPr>
+          <a:xfrm>
+            <a:off x="1041073" y="5063829"/>
+            <a:ext cx="1101584" cy="215444"/>
+          </a:xfrm>
+          <a:prstGeom prst="rect">
+            <a:avLst/>
+          </a:prstGeom>
+          <a:noFill/>
+        </p:spPr>
+        <p:txBody>
+          <a:bodyPr wrap="none" rtlCol="0">
+            <a:spAutoFit/>
+          </a:bodyPr>
+          <a:lstStyle/>
+          <a:p>
+            <a:r>
+              <a:rPr lang="ko-KR" altLang="en-US" sz="800" dirty="0" err="1">
+                <a:solidFill>
+                  <a:schemeClr val="bg2">
+                    <a:lumMod val="25000"/>
+                  </a:schemeClr>
+                </a:solidFill>
+              </a:rPr>
+              <a:t>ㆍ</a:t>
+            </a:r>
+            <a:r>
+              <a:rPr lang="en-US" altLang="ko-KR" sz="800" dirty="0">
+                <a:solidFill>
+                  <a:schemeClr val="bg1">
+                    <a:lumMod val="50000"/>
+                  </a:schemeClr>
+                </a:solidFill>
+              </a:rPr>
+              <a:t> </a:t>
+            </a:r>
+            <a:r>
+              <a:rPr lang="ko-KR" altLang="en-US" sz="800" dirty="0">
+                <a:solidFill>
+                  <a:schemeClr val="bg1">
+                    <a:lumMod val="50000"/>
+                  </a:schemeClr>
+                </a:solidFill>
+              </a:rPr>
+              <a:t>등록된 파일</a:t>
+            </a:r>
+            <a:r>
+              <a:rPr lang="en-US" altLang="ko-KR" sz="800" dirty="0">
+                <a:solidFill>
+                  <a:schemeClr val="bg1">
+                    <a:lumMod val="50000"/>
+                  </a:schemeClr>
+                </a:solidFill>
+              </a:rPr>
+              <a:t>2.jpg</a:t>
+            </a:r>
+            <a:endParaRPr lang="ko-KR" altLang="en-US" sz="800" dirty="0">
               <a:solidFill>
                 <a:schemeClr val="bg1">
                   <a:lumMod val="50000"/>
@@ -15765,8 +17661,8 @@
         </p:nvSpPr>
         <p:spPr>
           <a:xfrm>
-            <a:off x="2181223" y="2961201"/>
-            <a:ext cx="4886230" cy="2125149"/>
+            <a:off x="2181223" y="2961202"/>
+            <a:ext cx="4886230" cy="1464054"/>
           </a:xfrm>
           <a:prstGeom prst="rect">
             <a:avLst/>
@@ -15908,7 +17804,7 @@
         </p:nvSpPr>
         <p:spPr>
           <a:xfrm>
-            <a:off x="1209675" y="5191627"/>
+            <a:off x="1209675" y="4666041"/>
             <a:ext cx="742950" cy="238125"/>
           </a:xfrm>
           <a:prstGeom prst="rect">
@@ -15965,7 +17861,7 @@
         </p:nvSpPr>
         <p:spPr>
           <a:xfrm>
-            <a:off x="2181225" y="5191627"/>
+            <a:off x="2181225" y="4666041"/>
             <a:ext cx="1276350" cy="233753"/>
           </a:xfrm>
           <a:prstGeom prst="rect">
@@ -16011,127 +17907,6 @@
                 </a:solidFill>
               </a:rPr>
               <a:t>홍길동</a:t>
-            </a:r>
-          </a:p>
-        </p:txBody>
-      </p:sp>
-      <p:sp>
-        <p:nvSpPr>
-          <p:cNvPr id="142" name="직사각형 141">
-            <a:extLst>
-              <a:ext uri="{FF2B5EF4-FFF2-40B4-BE49-F238E27FC236}">
-                <a16:creationId xmlns:a16="http://schemas.microsoft.com/office/drawing/2014/main" id="{2823F82A-5708-4D32-8DF0-C5EA6E1A2A11}"/>
-              </a:ext>
-            </a:extLst>
-          </p:cNvPr>
-          <p:cNvSpPr/>
-          <p:nvPr/>
-        </p:nvSpPr>
-        <p:spPr>
-          <a:xfrm>
-            <a:off x="1209675" y="5694356"/>
-            <a:ext cx="2914650" cy="377396"/>
-          </a:xfrm>
-          <a:prstGeom prst="rect">
-            <a:avLst/>
-          </a:prstGeom>
-          <a:solidFill>
-            <a:srgbClr val="FFC000"/>
-          </a:solidFill>
-          <a:ln>
-            <a:solidFill>
-              <a:srgbClr val="FFC000"/>
-            </a:solidFill>
-          </a:ln>
-        </p:spPr>
-        <p:style>
-          <a:lnRef idx="2">
-            <a:schemeClr val="accent1">
-              <a:shade val="50000"/>
-            </a:schemeClr>
-          </a:lnRef>
-          <a:fillRef idx="1">
-            <a:schemeClr val="accent1"/>
-          </a:fillRef>
-          <a:effectRef idx="0">
-            <a:schemeClr val="accent1"/>
-          </a:effectRef>
-          <a:fontRef idx="minor">
-            <a:schemeClr val="lt1"/>
-          </a:fontRef>
-        </p:style>
-        <p:txBody>
-          <a:bodyPr rtlCol="0" anchor="ctr"/>
-          <a:lstStyle/>
-          <a:p>
-            <a:pPr algn="ctr"/>
-            <a:r>
-              <a:rPr lang="ko-KR" altLang="en-US" sz="1100" dirty="0"/>
-              <a:t>수  정</a:t>
-            </a:r>
-          </a:p>
-        </p:txBody>
-      </p:sp>
-      <p:sp>
-        <p:nvSpPr>
-          <p:cNvPr id="144" name="직사각형 143">
-            <a:extLst>
-              <a:ext uri="{FF2B5EF4-FFF2-40B4-BE49-F238E27FC236}">
-                <a16:creationId xmlns:a16="http://schemas.microsoft.com/office/drawing/2014/main" id="{C97F6F27-FCC5-4CC8-BB1E-3B2B367BB28C}"/>
-              </a:ext>
-            </a:extLst>
-          </p:cNvPr>
-          <p:cNvSpPr/>
-          <p:nvPr/>
-        </p:nvSpPr>
-        <p:spPr>
-          <a:xfrm>
-            <a:off x="4152803" y="5693285"/>
-            <a:ext cx="2914650" cy="377396"/>
-          </a:xfrm>
-          <a:prstGeom prst="rect">
-            <a:avLst/>
-          </a:prstGeom>
-          <a:noFill/>
-          <a:ln>
-            <a:solidFill>
-              <a:schemeClr val="bg1">
-                <a:lumMod val="65000"/>
-              </a:schemeClr>
-            </a:solidFill>
-          </a:ln>
-        </p:spPr>
-        <p:style>
-          <a:lnRef idx="2">
-            <a:schemeClr val="accent1">
-              <a:shade val="50000"/>
-            </a:schemeClr>
-          </a:lnRef>
-          <a:fillRef idx="1">
-            <a:schemeClr val="accent1"/>
-          </a:fillRef>
-          <a:effectRef idx="0">
-            <a:schemeClr val="accent1"/>
-          </a:effectRef>
-          <a:fontRef idx="minor">
-            <a:schemeClr val="lt1"/>
-          </a:fontRef>
-        </p:style>
-        <p:txBody>
-          <a:bodyPr rtlCol="0" anchor="ctr"/>
-          <a:lstStyle/>
-          <a:p>
-            <a:pPr algn="ctr"/>
-            <a:r>
-              <a:rPr lang="ko-KR" altLang="en-US" sz="1100" dirty="0">
-                <a:solidFill>
-                  <a:schemeClr val="tx1">
-                    <a:lumMod val="75000"/>
-                    <a:lumOff val="25000"/>
-                  </a:schemeClr>
-                </a:solidFill>
-              </a:rPr>
-              <a:t>취소</a:t>
             </a:r>
           </a:p>
         </p:txBody>
@@ -16326,6 +18101,58 @@
             </a:endParaRPr>
           </a:p>
           <a:p>
+            <a:r>
+              <a:rPr lang="ko-KR" altLang="en-US" sz="1000" b="1" dirty="0">
+                <a:solidFill>
+                  <a:schemeClr val="bg2">
+                    <a:lumMod val="25000"/>
+                  </a:schemeClr>
+                </a:solidFill>
+              </a:rPr>
+              <a:t>요구사항</a:t>
+            </a:r>
+            <a:endParaRPr lang="en-US" altLang="ko-KR" sz="1000" b="1" dirty="0">
+              <a:solidFill>
+                <a:schemeClr val="bg2">
+                  <a:lumMod val="25000"/>
+                </a:schemeClr>
+              </a:solidFill>
+            </a:endParaRPr>
+          </a:p>
+          <a:p>
+            <a:endParaRPr lang="en-US" altLang="ko-KR" sz="1000" dirty="0">
+              <a:solidFill>
+                <a:schemeClr val="bg2">
+                  <a:lumMod val="25000"/>
+                </a:schemeClr>
+              </a:solidFill>
+            </a:endParaRPr>
+          </a:p>
+          <a:p>
+            <a:pPr marL="342900" indent="-342900">
+              <a:buAutoNum type="arabicPeriod"/>
+            </a:pPr>
+            <a:endParaRPr lang="en-US" altLang="ko-KR" sz="1000" dirty="0">
+              <a:solidFill>
+                <a:schemeClr val="bg2">
+                  <a:lumMod val="25000"/>
+                </a:schemeClr>
+              </a:solidFill>
+            </a:endParaRPr>
+          </a:p>
+          <a:p>
+            <a:pPr marL="342900" indent="-342900">
+              <a:buAutoNum type="arabicPeriod"/>
+            </a:pPr>
+            <a:endParaRPr lang="en-US" altLang="ko-KR" sz="1000" dirty="0">
+              <a:solidFill>
+                <a:schemeClr val="bg2">
+                  <a:lumMod val="25000"/>
+                </a:schemeClr>
+              </a:solidFill>
+            </a:endParaRPr>
+          </a:p>
+          <a:p>
             <a:pPr marL="342900" indent="-342900">
               <a:buAutoNum type="arabicPeriod"/>
             </a:pPr>
@@ -16402,6 +18229,16 @@
               <a:buAutoNum type="arabicPeriod"/>
             </a:pPr>
             <a:r>
+              <a:rPr lang="ko-KR" altLang="en-US" sz="1000" dirty="0">
+                <a:solidFill>
+                  <a:schemeClr val="bg2">
+                    <a:lumMod val="25000"/>
+                  </a:schemeClr>
+                </a:solidFill>
+              </a:rPr>
+              <a:t>수정버튼</a:t>
+            </a:r>
+            <a:r>
               <a:rPr lang="en-US" altLang="ko-KR" sz="1000" dirty="0">
                 <a:solidFill>
                   <a:schemeClr val="bg2">
@@ -16409,27 +18246,7 @@
                   </a:schemeClr>
                 </a:solidFill>
               </a:rPr>
-              <a:t>[ </a:t>
-            </a:r>
-            <a:r>
-              <a:rPr lang="ko-KR" altLang="en-US" sz="1000" dirty="0">
-                <a:solidFill>
-                  <a:schemeClr val="bg2">
-                    <a:lumMod val="25000"/>
-                  </a:schemeClr>
-                </a:solidFill>
-              </a:rPr>
-              <a:t>수정 </a:t>
-            </a:r>
-            <a:r>
-              <a:rPr lang="en-US" altLang="ko-KR" sz="1000" dirty="0">
-                <a:solidFill>
-                  <a:schemeClr val="bg2">
-                    <a:lumMod val="25000"/>
-                  </a:schemeClr>
-                </a:solidFill>
-              </a:rPr>
-              <a:t>] </a:t>
+              <a:t> </a:t>
             </a:r>
             <a:r>
               <a:rPr lang="ko-KR" altLang="en-US" sz="1000" dirty="0">
@@ -16577,7 +18394,7 @@
                   </a:schemeClr>
                 </a:solidFill>
               </a:rPr>
-              <a:t>경고창</a:t>
+              <a:t>알림창</a:t>
             </a:r>
             <a:r>
               <a:rPr lang="ko-KR" altLang="en-US" sz="1000" dirty="0">
@@ -16612,6 +18429,16 @@
               <a:buAutoNum type="arabicPeriod"/>
             </a:pPr>
             <a:r>
+              <a:rPr lang="ko-KR" altLang="en-US" sz="1000" dirty="0">
+                <a:solidFill>
+                  <a:schemeClr val="bg2">
+                    <a:lumMod val="25000"/>
+                  </a:schemeClr>
+                </a:solidFill>
+              </a:rPr>
+              <a:t>취소버튼</a:t>
+            </a:r>
+            <a:r>
               <a:rPr lang="en-US" altLang="ko-KR" sz="1000" dirty="0">
                 <a:solidFill>
                   <a:schemeClr val="bg2">
@@ -16619,27 +18446,7 @@
                   </a:schemeClr>
                 </a:solidFill>
               </a:rPr>
-              <a:t>[ </a:t>
-            </a:r>
-            <a:r>
-              <a:rPr lang="ko-KR" altLang="en-US" sz="1000" dirty="0">
-                <a:solidFill>
-                  <a:schemeClr val="bg2">
-                    <a:lumMod val="25000"/>
-                  </a:schemeClr>
-                </a:solidFill>
-              </a:rPr>
-              <a:t>취소 </a:t>
-            </a:r>
-            <a:r>
-              <a:rPr lang="en-US" altLang="ko-KR" sz="1000" dirty="0">
-                <a:solidFill>
-                  <a:schemeClr val="bg2">
-                    <a:lumMod val="25000"/>
-                  </a:schemeClr>
-                </a:solidFill>
-              </a:rPr>
-              <a:t>] </a:t>
+              <a:t> </a:t>
             </a:r>
             <a:r>
               <a:rPr lang="ko-KR" altLang="en-US" sz="1000" dirty="0">
@@ -16735,6 +18542,100 @@
                 </a:solidFill>
               </a:rPr>
               <a:t>수정 시 수정시간이 갱신되어야 한다</a:t>
+            </a:r>
+            <a:r>
+              <a:rPr lang="en-US" altLang="ko-KR" sz="1000" dirty="0">
+                <a:solidFill>
+                  <a:schemeClr val="bg2">
+                    <a:lumMod val="25000"/>
+                  </a:schemeClr>
+                </a:solidFill>
+              </a:rPr>
+              <a:t>.</a:t>
+            </a:r>
+          </a:p>
+          <a:p>
+            <a:pPr marL="342900" indent="-342900">
+              <a:buFontTx/>
+              <a:buAutoNum type="arabicPeriod"/>
+            </a:pPr>
+            <a:endParaRPr lang="en-US" altLang="ko-KR" sz="1000" dirty="0">
+              <a:solidFill>
+                <a:schemeClr val="bg2">
+                  <a:lumMod val="25000"/>
+                </a:schemeClr>
+              </a:solidFill>
+            </a:endParaRPr>
+          </a:p>
+          <a:p>
+            <a:pPr marL="342900" indent="-342900">
+              <a:buFontTx/>
+              <a:buAutoNum type="arabicPeriod"/>
+            </a:pPr>
+            <a:r>
+              <a:rPr lang="ko-KR" altLang="en-US" sz="1000" dirty="0">
+                <a:solidFill>
+                  <a:schemeClr val="bg2">
+                    <a:lumMod val="25000"/>
+                  </a:schemeClr>
+                </a:solidFill>
+              </a:rPr>
+              <a:t>등록된 파일이 이미 있는 경우 파일명만 표시</a:t>
+            </a:r>
+            <a:endParaRPr lang="en-US" altLang="ko-KR" sz="1000" dirty="0">
+              <a:solidFill>
+                <a:schemeClr val="bg2">
+                  <a:lumMod val="25000"/>
+                </a:schemeClr>
+              </a:solidFill>
+            </a:endParaRPr>
+          </a:p>
+          <a:p>
+            <a:pPr marL="342900" indent="-342900">
+              <a:buFontTx/>
+              <a:buAutoNum type="arabicPeriod"/>
+            </a:pPr>
+            <a:endParaRPr lang="en-US" altLang="ko-KR" sz="1000" dirty="0">
+              <a:solidFill>
+                <a:schemeClr val="bg2">
+                  <a:lumMod val="25000"/>
+                </a:schemeClr>
+              </a:solidFill>
+            </a:endParaRPr>
+          </a:p>
+          <a:p>
+            <a:pPr marL="342900" indent="-342900">
+              <a:buFontTx/>
+              <a:buAutoNum type="arabicPeriod"/>
+            </a:pPr>
+            <a:r>
+              <a:rPr lang="ko-KR" altLang="en-US" sz="1000" dirty="0">
+                <a:solidFill>
+                  <a:schemeClr val="bg2">
+                    <a:lumMod val="25000"/>
+                  </a:schemeClr>
+                </a:solidFill>
+              </a:rPr>
+              <a:t>새로 파일을 업로드 할 수 있음</a:t>
+            </a:r>
+            <a:br>
+              <a:rPr lang="en-US" altLang="ko-KR" sz="1000" dirty="0">
+                <a:solidFill>
+                  <a:schemeClr val="bg2">
+                    <a:lumMod val="25000"/>
+                  </a:schemeClr>
+                </a:solidFill>
+              </a:rPr>
+            </a:br>
+            <a:r>
+              <a:rPr lang="ko-KR" altLang="en-US" sz="1000" dirty="0">
+                <a:solidFill>
+                  <a:schemeClr val="bg2">
+                    <a:lumMod val="25000"/>
+                  </a:schemeClr>
+                </a:solidFill>
+              </a:rPr>
+              <a:t>기존 업로드 한 파일은 삭제된다</a:t>
             </a:r>
             <a:r>
               <a:rPr lang="en-US" altLang="ko-KR" sz="1000" dirty="0">
@@ -16904,7 +18805,7 @@
         </p:nvSpPr>
         <p:spPr>
           <a:xfrm>
-            <a:off x="5784736" y="5200981"/>
+            <a:off x="2111864" y="5814461"/>
             <a:ext cx="1269899" cy="230832"/>
           </a:xfrm>
           <a:prstGeom prst="rect">
@@ -16952,7 +18853,7 @@
         </p:nvSpPr>
         <p:spPr>
           <a:xfrm>
-            <a:off x="4807483" y="5192227"/>
+            <a:off x="1134611" y="5814499"/>
             <a:ext cx="1143262" cy="230832"/>
           </a:xfrm>
           <a:prstGeom prst="rect">
@@ -16987,6 +18888,639 @@
               <a:t>:</a:t>
             </a:r>
             <a:endParaRPr lang="ko-KR" altLang="en-US" sz="900" b="1" dirty="0">
+              <a:solidFill>
+                <a:schemeClr val="bg1">
+                  <a:lumMod val="50000"/>
+                </a:schemeClr>
+              </a:solidFill>
+            </a:endParaRPr>
+          </a:p>
+        </p:txBody>
+      </p:sp>
+      <p:sp>
+        <p:nvSpPr>
+          <p:cNvPr id="5" name="직사각형 4">
+            <a:extLst>
+              <a:ext uri="{FF2B5EF4-FFF2-40B4-BE49-F238E27FC236}">
+                <a16:creationId xmlns:a16="http://schemas.microsoft.com/office/drawing/2014/main" id="{9D4652F4-6EBF-A141-86E5-F7EC912DCAB0}"/>
+              </a:ext>
+            </a:extLst>
+          </p:cNvPr>
+          <p:cNvSpPr/>
+          <p:nvPr/>
+        </p:nvSpPr>
+        <p:spPr>
+          <a:xfrm>
+            <a:off x="4868619" y="5852812"/>
+            <a:ext cx="978767" cy="189769"/>
+          </a:xfrm>
+          <a:prstGeom prst="rect">
+            <a:avLst/>
+          </a:prstGeom>
+          <a:solidFill>
+            <a:schemeClr val="accent6"/>
+          </a:solidFill>
+          <a:ln>
+            <a:solidFill>
+              <a:schemeClr val="accent6"/>
+            </a:solidFill>
+          </a:ln>
+        </p:spPr>
+        <p:style>
+          <a:lnRef idx="2">
+            <a:schemeClr val="accent1">
+              <a:shade val="50000"/>
+            </a:schemeClr>
+          </a:lnRef>
+          <a:fillRef idx="1">
+            <a:schemeClr val="accent1"/>
+          </a:fillRef>
+          <a:effectRef idx="0">
+            <a:schemeClr val="accent1"/>
+          </a:effectRef>
+          <a:fontRef idx="minor">
+            <a:schemeClr val="lt1"/>
+          </a:fontRef>
+        </p:style>
+        <p:txBody>
+          <a:bodyPr rtlCol="0" anchor="ctr"/>
+          <a:lstStyle/>
+          <a:p>
+            <a:pPr algn="ctr"/>
+            <a:r>
+              <a:rPr lang="ko-KR" altLang="en-US" sz="1000" b="1" dirty="0"/>
+              <a:t>수   정</a:t>
+            </a:r>
+          </a:p>
+        </p:txBody>
+      </p:sp>
+      <p:sp>
+        <p:nvSpPr>
+          <p:cNvPr id="6" name="직사각형 5">
+            <a:extLst>
+              <a:ext uri="{FF2B5EF4-FFF2-40B4-BE49-F238E27FC236}">
+                <a16:creationId xmlns:a16="http://schemas.microsoft.com/office/drawing/2014/main" id="{282B41CB-CA3B-7997-CBAA-E31835497F9F}"/>
+              </a:ext>
+            </a:extLst>
+          </p:cNvPr>
+          <p:cNvSpPr/>
+          <p:nvPr/>
+        </p:nvSpPr>
+        <p:spPr>
+          <a:xfrm>
+            <a:off x="6088686" y="5852811"/>
+            <a:ext cx="978767" cy="189770"/>
+          </a:xfrm>
+          <a:prstGeom prst="rect">
+            <a:avLst/>
+          </a:prstGeom>
+          <a:noFill/>
+          <a:ln>
+            <a:solidFill>
+              <a:schemeClr val="bg1">
+                <a:lumMod val="65000"/>
+              </a:schemeClr>
+            </a:solidFill>
+          </a:ln>
+        </p:spPr>
+        <p:style>
+          <a:lnRef idx="2">
+            <a:schemeClr val="accent1">
+              <a:shade val="50000"/>
+            </a:schemeClr>
+          </a:lnRef>
+          <a:fillRef idx="1">
+            <a:schemeClr val="accent1"/>
+          </a:fillRef>
+          <a:effectRef idx="0">
+            <a:schemeClr val="accent1"/>
+          </a:effectRef>
+          <a:fontRef idx="minor">
+            <a:schemeClr val="lt1"/>
+          </a:fontRef>
+        </p:style>
+        <p:txBody>
+          <a:bodyPr rtlCol="0" anchor="ctr"/>
+          <a:lstStyle/>
+          <a:p>
+            <a:pPr algn="ctr"/>
+            <a:r>
+              <a:rPr lang="ko-KR" altLang="en-US" sz="1000" b="1" dirty="0">
+                <a:solidFill>
+                  <a:schemeClr val="tx1">
+                    <a:lumMod val="75000"/>
+                    <a:lumOff val="25000"/>
+                  </a:schemeClr>
+                </a:solidFill>
+              </a:rPr>
+              <a:t>취   소</a:t>
+            </a:r>
+          </a:p>
+        </p:txBody>
+      </p:sp>
+      <p:sp>
+        <p:nvSpPr>
+          <p:cNvPr id="7" name="직사각형 6">
+            <a:extLst>
+              <a:ext uri="{FF2B5EF4-FFF2-40B4-BE49-F238E27FC236}">
+                <a16:creationId xmlns:a16="http://schemas.microsoft.com/office/drawing/2014/main" id="{210879D4-3962-0F95-8FF8-B4995CD29E7A}"/>
+              </a:ext>
+            </a:extLst>
+          </p:cNvPr>
+          <p:cNvSpPr/>
+          <p:nvPr/>
+        </p:nvSpPr>
+        <p:spPr>
+          <a:xfrm>
+            <a:off x="1209677" y="5010977"/>
+            <a:ext cx="742950" cy="238125"/>
+          </a:xfrm>
+          <a:prstGeom prst="rect">
+            <a:avLst/>
+          </a:prstGeom>
+          <a:solidFill>
+            <a:schemeClr val="bg1">
+              <a:lumMod val="75000"/>
+            </a:schemeClr>
+          </a:solidFill>
+          <a:ln>
+            <a:noFill/>
+          </a:ln>
+        </p:spPr>
+        <p:style>
+          <a:lnRef idx="2">
+            <a:schemeClr val="accent1">
+              <a:shade val="50000"/>
+            </a:schemeClr>
+          </a:lnRef>
+          <a:fillRef idx="1">
+            <a:schemeClr val="accent1"/>
+          </a:fillRef>
+          <a:effectRef idx="0">
+            <a:schemeClr val="accent1"/>
+          </a:effectRef>
+          <a:fontRef idx="minor">
+            <a:schemeClr val="lt1"/>
+          </a:fontRef>
+        </p:style>
+        <p:txBody>
+          <a:bodyPr rtlCol="0" anchor="ctr"/>
+          <a:lstStyle/>
+          <a:p>
+            <a:pPr algn="ctr"/>
+            <a:r>
+              <a:rPr lang="ko-KR" altLang="en-US" sz="800" dirty="0" err="1"/>
+              <a:t>파일업로드</a:t>
+            </a:r>
+            <a:endParaRPr lang="ko-KR" altLang="en-US" sz="800" dirty="0"/>
+          </a:p>
+        </p:txBody>
+      </p:sp>
+      <p:sp>
+        <p:nvSpPr>
+          <p:cNvPr id="8" name="직사각형 7">
+            <a:extLst>
+              <a:ext uri="{FF2B5EF4-FFF2-40B4-BE49-F238E27FC236}">
+                <a16:creationId xmlns:a16="http://schemas.microsoft.com/office/drawing/2014/main" id="{C7E9CDE8-E8AF-E76E-1A72-DEB3243E42A5}"/>
+              </a:ext>
+            </a:extLst>
+          </p:cNvPr>
+          <p:cNvSpPr/>
+          <p:nvPr/>
+        </p:nvSpPr>
+        <p:spPr>
+          <a:xfrm>
+            <a:off x="2181225" y="5015349"/>
+            <a:ext cx="1276350" cy="233753"/>
+          </a:xfrm>
+          <a:prstGeom prst="rect">
+            <a:avLst/>
+          </a:prstGeom>
+          <a:solidFill>
+            <a:schemeClr val="bg1"/>
+          </a:solidFill>
+          <a:ln w="9525">
+            <a:solidFill>
+              <a:schemeClr val="bg1">
+                <a:lumMod val="75000"/>
+              </a:schemeClr>
+            </a:solidFill>
+          </a:ln>
+        </p:spPr>
+        <p:style>
+          <a:lnRef idx="2">
+            <a:schemeClr val="accent1">
+              <a:shade val="50000"/>
+            </a:schemeClr>
+          </a:lnRef>
+          <a:fillRef idx="1">
+            <a:schemeClr val="accent1"/>
+          </a:fillRef>
+          <a:effectRef idx="0">
+            <a:schemeClr val="accent1"/>
+          </a:effectRef>
+          <a:fontRef idx="minor">
+            <a:schemeClr val="lt1"/>
+          </a:fontRef>
+        </p:style>
+        <p:txBody>
+          <a:bodyPr rtlCol="0" anchor="ctr"/>
+          <a:lstStyle/>
+          <a:p>
+            <a:pPr algn="ctr"/>
+            <a:endParaRPr lang="ko-KR" altLang="en-US" sz="1000" dirty="0">
+              <a:solidFill>
+                <a:schemeClr val="bg1">
+                  <a:lumMod val="75000"/>
+                </a:schemeClr>
+              </a:solidFill>
+            </a:endParaRPr>
+          </a:p>
+        </p:txBody>
+      </p:sp>
+      <p:sp>
+        <p:nvSpPr>
+          <p:cNvPr id="9" name="직사각형 8">
+            <a:extLst>
+              <a:ext uri="{FF2B5EF4-FFF2-40B4-BE49-F238E27FC236}">
+                <a16:creationId xmlns:a16="http://schemas.microsoft.com/office/drawing/2014/main" id="{BF53EACC-0DB1-D87F-AB58-B05D0C47F7B2}"/>
+              </a:ext>
+            </a:extLst>
+          </p:cNvPr>
+          <p:cNvSpPr/>
+          <p:nvPr/>
+        </p:nvSpPr>
+        <p:spPr>
+          <a:xfrm>
+            <a:off x="3457575" y="5010978"/>
+            <a:ext cx="411042" cy="247368"/>
+          </a:xfrm>
+          <a:prstGeom prst="rect">
+            <a:avLst/>
+          </a:prstGeom>
+          <a:solidFill>
+            <a:schemeClr val="bg1">
+              <a:lumMod val="75000"/>
+            </a:schemeClr>
+          </a:solidFill>
+          <a:ln>
+            <a:noFill/>
+          </a:ln>
+        </p:spPr>
+        <p:style>
+          <a:lnRef idx="2">
+            <a:schemeClr val="accent1">
+              <a:shade val="50000"/>
+            </a:schemeClr>
+          </a:lnRef>
+          <a:fillRef idx="1">
+            <a:schemeClr val="accent1"/>
+          </a:fillRef>
+          <a:effectRef idx="0">
+            <a:schemeClr val="accent1"/>
+          </a:effectRef>
+          <a:fontRef idx="minor">
+            <a:schemeClr val="lt1"/>
+          </a:fontRef>
+        </p:style>
+        <p:txBody>
+          <a:bodyPr rtlCol="0" anchor="ctr"/>
+          <a:lstStyle/>
+          <a:p>
+            <a:pPr algn="ctr"/>
+            <a:r>
+              <a:rPr lang="ko-KR" altLang="en-US" sz="800"/>
+              <a:t>선택</a:t>
+            </a:r>
+            <a:endParaRPr lang="ko-KR" altLang="en-US" sz="800" dirty="0"/>
+          </a:p>
+        </p:txBody>
+      </p:sp>
+      <p:sp>
+        <p:nvSpPr>
+          <p:cNvPr id="10" name="직사각형 9">
+            <a:extLst>
+              <a:ext uri="{FF2B5EF4-FFF2-40B4-BE49-F238E27FC236}">
+                <a16:creationId xmlns:a16="http://schemas.microsoft.com/office/drawing/2014/main" id="{9E1BA86A-B811-B7A5-D912-857E3E5F2219}"/>
+              </a:ext>
+            </a:extLst>
+          </p:cNvPr>
+          <p:cNvSpPr/>
+          <p:nvPr/>
+        </p:nvSpPr>
+        <p:spPr>
+          <a:xfrm>
+            <a:off x="1209677" y="5374399"/>
+            <a:ext cx="742950" cy="238125"/>
+          </a:xfrm>
+          <a:prstGeom prst="rect">
+            <a:avLst/>
+          </a:prstGeom>
+          <a:solidFill>
+            <a:schemeClr val="bg1">
+              <a:lumMod val="75000"/>
+            </a:schemeClr>
+          </a:solidFill>
+          <a:ln>
+            <a:noFill/>
+          </a:ln>
+        </p:spPr>
+        <p:style>
+          <a:lnRef idx="2">
+            <a:schemeClr val="accent1">
+              <a:shade val="50000"/>
+            </a:schemeClr>
+          </a:lnRef>
+          <a:fillRef idx="1">
+            <a:schemeClr val="accent1"/>
+          </a:fillRef>
+          <a:effectRef idx="0">
+            <a:schemeClr val="accent1"/>
+          </a:effectRef>
+          <a:fontRef idx="minor">
+            <a:schemeClr val="lt1"/>
+          </a:fontRef>
+        </p:style>
+        <p:txBody>
+          <a:bodyPr rtlCol="0" anchor="ctr"/>
+          <a:lstStyle/>
+          <a:p>
+            <a:pPr algn="ctr"/>
+            <a:r>
+              <a:rPr lang="ko-KR" altLang="en-US" sz="800" dirty="0" err="1"/>
+              <a:t>파일업로드</a:t>
+            </a:r>
+            <a:endParaRPr lang="ko-KR" altLang="en-US" sz="800" dirty="0"/>
+          </a:p>
+        </p:txBody>
+      </p:sp>
+      <p:sp>
+        <p:nvSpPr>
+          <p:cNvPr id="11" name="직사각형 10">
+            <a:extLst>
+              <a:ext uri="{FF2B5EF4-FFF2-40B4-BE49-F238E27FC236}">
+                <a16:creationId xmlns:a16="http://schemas.microsoft.com/office/drawing/2014/main" id="{E0927040-B47E-4B33-53B6-45F5AA500E27}"/>
+              </a:ext>
+            </a:extLst>
+          </p:cNvPr>
+          <p:cNvSpPr/>
+          <p:nvPr/>
+        </p:nvSpPr>
+        <p:spPr>
+          <a:xfrm>
+            <a:off x="2181225" y="5378771"/>
+            <a:ext cx="1276350" cy="233753"/>
+          </a:xfrm>
+          <a:prstGeom prst="rect">
+            <a:avLst/>
+          </a:prstGeom>
+          <a:solidFill>
+            <a:schemeClr val="bg1"/>
+          </a:solidFill>
+          <a:ln w="9525">
+            <a:solidFill>
+              <a:schemeClr val="bg1">
+                <a:lumMod val="75000"/>
+              </a:schemeClr>
+            </a:solidFill>
+          </a:ln>
+        </p:spPr>
+        <p:style>
+          <a:lnRef idx="2">
+            <a:schemeClr val="accent1">
+              <a:shade val="50000"/>
+            </a:schemeClr>
+          </a:lnRef>
+          <a:fillRef idx="1">
+            <a:schemeClr val="accent1"/>
+          </a:fillRef>
+          <a:effectRef idx="0">
+            <a:schemeClr val="accent1"/>
+          </a:effectRef>
+          <a:fontRef idx="minor">
+            <a:schemeClr val="lt1"/>
+          </a:fontRef>
+        </p:style>
+        <p:txBody>
+          <a:bodyPr rtlCol="0" anchor="ctr"/>
+          <a:lstStyle/>
+          <a:p>
+            <a:pPr algn="ctr"/>
+            <a:endParaRPr lang="ko-KR" altLang="en-US" sz="1000" dirty="0">
+              <a:solidFill>
+                <a:schemeClr val="bg1">
+                  <a:lumMod val="75000"/>
+                </a:schemeClr>
+              </a:solidFill>
+            </a:endParaRPr>
+          </a:p>
+        </p:txBody>
+      </p:sp>
+      <p:sp>
+        <p:nvSpPr>
+          <p:cNvPr id="12" name="직사각형 11">
+            <a:extLst>
+              <a:ext uri="{FF2B5EF4-FFF2-40B4-BE49-F238E27FC236}">
+                <a16:creationId xmlns:a16="http://schemas.microsoft.com/office/drawing/2014/main" id="{AF5224BC-37F2-37A1-52D1-E04769B0C41C}"/>
+              </a:ext>
+            </a:extLst>
+          </p:cNvPr>
+          <p:cNvSpPr/>
+          <p:nvPr/>
+        </p:nvSpPr>
+        <p:spPr>
+          <a:xfrm>
+            <a:off x="3457575" y="5383642"/>
+            <a:ext cx="411042" cy="238125"/>
+          </a:xfrm>
+          <a:prstGeom prst="rect">
+            <a:avLst/>
+          </a:prstGeom>
+          <a:solidFill>
+            <a:schemeClr val="bg1">
+              <a:lumMod val="75000"/>
+            </a:schemeClr>
+          </a:solidFill>
+          <a:ln>
+            <a:noFill/>
+          </a:ln>
+        </p:spPr>
+        <p:style>
+          <a:lnRef idx="2">
+            <a:schemeClr val="accent1">
+              <a:shade val="50000"/>
+            </a:schemeClr>
+          </a:lnRef>
+          <a:fillRef idx="1">
+            <a:schemeClr val="accent1"/>
+          </a:fillRef>
+          <a:effectRef idx="0">
+            <a:schemeClr val="accent1"/>
+          </a:effectRef>
+          <a:fontRef idx="minor">
+            <a:schemeClr val="lt1"/>
+          </a:fontRef>
+        </p:style>
+        <p:txBody>
+          <a:bodyPr rtlCol="0" anchor="ctr"/>
+          <a:lstStyle/>
+          <a:p>
+            <a:pPr algn="ctr"/>
+            <a:r>
+              <a:rPr lang="ko-KR" altLang="en-US" sz="800"/>
+              <a:t>선택</a:t>
+            </a:r>
+            <a:endParaRPr lang="ko-KR" altLang="en-US" sz="800" dirty="0"/>
+          </a:p>
+        </p:txBody>
+      </p:sp>
+      <p:sp>
+        <p:nvSpPr>
+          <p:cNvPr id="13" name="TextBox 12">
+            <a:extLst>
+              <a:ext uri="{FF2B5EF4-FFF2-40B4-BE49-F238E27FC236}">
+                <a16:creationId xmlns:a16="http://schemas.microsoft.com/office/drawing/2014/main" id="{53BF090A-5E7D-2D9C-5581-8BABD3024D60}"/>
+              </a:ext>
+            </a:extLst>
+          </p:cNvPr>
+          <p:cNvSpPr txBox="1"/>
+          <p:nvPr/>
+        </p:nvSpPr>
+        <p:spPr>
+          <a:xfrm>
+            <a:off x="4868619" y="4665055"/>
+            <a:ext cx="1101584" cy="215444"/>
+          </a:xfrm>
+          <a:prstGeom prst="rect">
+            <a:avLst/>
+          </a:prstGeom>
+          <a:noFill/>
+        </p:spPr>
+        <p:txBody>
+          <a:bodyPr wrap="none" rtlCol="0">
+            <a:spAutoFit/>
+          </a:bodyPr>
+          <a:lstStyle/>
+          <a:p>
+            <a:r>
+              <a:rPr lang="ko-KR" altLang="en-US" sz="800" dirty="0" err="1">
+                <a:solidFill>
+                  <a:schemeClr val="bg2">
+                    <a:lumMod val="25000"/>
+                  </a:schemeClr>
+                </a:solidFill>
+              </a:rPr>
+              <a:t>ㆍ</a:t>
+            </a:r>
+            <a:r>
+              <a:rPr lang="ko-KR" altLang="en-US" sz="800" dirty="0">
+                <a:solidFill>
+                  <a:schemeClr val="bg2">
+                    <a:lumMod val="25000"/>
+                  </a:schemeClr>
+                </a:solidFill>
+              </a:rPr>
+              <a:t> </a:t>
+            </a:r>
+            <a:r>
+              <a:rPr lang="ko-KR" altLang="en-US" sz="800" dirty="0">
+                <a:solidFill>
+                  <a:schemeClr val="bg1">
+                    <a:lumMod val="50000"/>
+                  </a:schemeClr>
+                </a:solidFill>
+              </a:rPr>
+              <a:t>등록된 파일</a:t>
+            </a:r>
+            <a:r>
+              <a:rPr lang="en-US" altLang="ko-KR" sz="800" dirty="0">
+                <a:solidFill>
+                  <a:schemeClr val="bg1">
+                    <a:lumMod val="50000"/>
+                  </a:schemeClr>
+                </a:solidFill>
+              </a:rPr>
+              <a:t>1.jpg</a:t>
+            </a:r>
+            <a:endParaRPr lang="ko-KR" altLang="en-US" sz="800" dirty="0">
+              <a:solidFill>
+                <a:schemeClr val="bg1">
+                  <a:lumMod val="50000"/>
+                </a:schemeClr>
+              </a:solidFill>
+            </a:endParaRPr>
+          </a:p>
+        </p:txBody>
+      </p:sp>
+      <p:sp>
+        <p:nvSpPr>
+          <p:cNvPr id="14" name="TextBox 13">
+            <a:extLst>
+              <a:ext uri="{FF2B5EF4-FFF2-40B4-BE49-F238E27FC236}">
+                <a16:creationId xmlns:a16="http://schemas.microsoft.com/office/drawing/2014/main" id="{FBBE4579-DA33-8CDC-A7AF-0DD22CD19B9F}"/>
+              </a:ext>
+            </a:extLst>
+          </p:cNvPr>
+          <p:cNvSpPr txBox="1"/>
+          <p:nvPr/>
+        </p:nvSpPr>
+        <p:spPr>
+          <a:xfrm>
+            <a:off x="4859224" y="4879560"/>
+            <a:ext cx="1101584" cy="215444"/>
+          </a:xfrm>
+          <a:prstGeom prst="rect">
+            <a:avLst/>
+          </a:prstGeom>
+          <a:noFill/>
+        </p:spPr>
+        <p:txBody>
+          <a:bodyPr wrap="none" rtlCol="0">
+            <a:spAutoFit/>
+          </a:bodyPr>
+          <a:lstStyle/>
+          <a:p>
+            <a:r>
+              <a:rPr lang="ko-KR" altLang="en-US" sz="800" dirty="0" err="1">
+                <a:solidFill>
+                  <a:schemeClr val="bg2">
+                    <a:lumMod val="25000"/>
+                  </a:schemeClr>
+                </a:solidFill>
+              </a:rPr>
+              <a:t>ㆍ</a:t>
+            </a:r>
+            <a:r>
+              <a:rPr lang="en-US" altLang="ko-KR" sz="800" dirty="0">
+                <a:solidFill>
+                  <a:schemeClr val="bg1">
+                    <a:lumMod val="50000"/>
+                  </a:schemeClr>
+                </a:solidFill>
+              </a:rPr>
+              <a:t> </a:t>
+            </a:r>
+            <a:r>
+              <a:rPr lang="ko-KR" altLang="en-US" sz="800" dirty="0">
+                <a:solidFill>
+                  <a:schemeClr val="bg1">
+                    <a:lumMod val="50000"/>
+                  </a:schemeClr>
+                </a:solidFill>
+              </a:rPr>
+              <a:t>등록된 파일</a:t>
+            </a:r>
+            <a:r>
+              <a:rPr lang="en-US" altLang="ko-KR" sz="800" dirty="0">
+                <a:solidFill>
+                  <a:schemeClr val="bg1">
+                    <a:lumMod val="50000"/>
+                  </a:schemeClr>
+                </a:solidFill>
+              </a:rPr>
+              <a:t>2.jpg</a:t>
+            </a:r>
+            <a:endParaRPr lang="ko-KR" altLang="en-US" sz="800" dirty="0">
               <a:solidFill>
                 <a:schemeClr val="bg1">
                   <a:lumMod val="50000"/>

--- a/documents/신입프로젝트_게시판_수정.pptx
+++ b/documents/신입프로젝트_게시판_수정.pptx
@@ -15736,35 +15736,6 @@
                 </a:solidFill>
               </a:rPr>
             </a:br>
-            <a:r>
-              <a:rPr lang="en-US" altLang="ko-KR" sz="1000" dirty="0">
-                <a:solidFill>
-                  <a:schemeClr val="bg2">
-                    <a:lumMod val="25000"/>
-                  </a:schemeClr>
-                </a:solidFill>
-              </a:rPr>
-              <a:t>- </a:t>
-            </a:r>
-            <a:r>
-              <a:rPr lang="ko-KR" altLang="en-US" sz="1000" dirty="0">
-                <a:solidFill>
-                  <a:schemeClr val="bg2">
-                    <a:lumMod val="25000"/>
-                  </a:schemeClr>
-                </a:solidFill>
-              </a:rPr>
-              <a:t>수정 불가능</a:t>
-            </a:r>
-            <a:br>
-              <a:rPr lang="en-US" altLang="ko-KR" sz="1000" dirty="0">
-                <a:solidFill>
-                  <a:schemeClr val="bg2">
-                    <a:lumMod val="25000"/>
-                  </a:schemeClr>
-                </a:solidFill>
-              </a:rPr>
-            </a:br>
             <a:endParaRPr lang="en-US" altLang="ko-KR" sz="1000" dirty="0">
               <a:solidFill>
                 <a:schemeClr val="bg2">
@@ -17662,7 +17633,7 @@
         <p:spPr>
           <a:xfrm>
             <a:off x="2181223" y="2961202"/>
-            <a:ext cx="4886230" cy="1464054"/>
+            <a:ext cx="4886230" cy="1373805"/>
           </a:xfrm>
           <a:prstGeom prst="rect">
             <a:avLst/>
@@ -18609,6 +18580,55 @@
               <a:buAutoNum type="arabicPeriod"/>
             </a:pPr>
             <a:r>
+              <a:rPr lang="ko-KR" altLang="en-US" sz="1000">
+                <a:solidFill>
+                  <a:schemeClr val="bg2">
+                    <a:lumMod val="25000"/>
+                  </a:schemeClr>
+                </a:solidFill>
+              </a:rPr>
+              <a:t>업로드 된 </a:t>
+            </a:r>
+            <a:r>
+              <a:rPr lang="ko-KR" altLang="en-US" sz="1000" dirty="0">
+                <a:solidFill>
+                  <a:schemeClr val="bg2">
+                    <a:lumMod val="25000"/>
+                  </a:schemeClr>
+                </a:solidFill>
+              </a:rPr>
+              <a:t>파일을 삭제 할 수 있음</a:t>
+            </a:r>
+            <a:r>
+              <a:rPr lang="en-US" altLang="ko-KR" sz="1000" dirty="0">
+                <a:solidFill>
+                  <a:schemeClr val="bg2">
+                    <a:lumMod val="25000"/>
+                  </a:schemeClr>
+                </a:solidFill>
+              </a:rPr>
+              <a:t>.</a:t>
+            </a:r>
+          </a:p>
+          <a:p>
+            <a:pPr marL="342900" indent="-342900">
+              <a:buFontTx/>
+              <a:buAutoNum type="arabicPeriod"/>
+            </a:pPr>
+            <a:endParaRPr lang="en-US" altLang="ko-KR" sz="1000" dirty="0">
+              <a:solidFill>
+                <a:schemeClr val="bg2">
+                  <a:lumMod val="25000"/>
+                </a:schemeClr>
+              </a:solidFill>
+            </a:endParaRPr>
+          </a:p>
+          <a:p>
+            <a:pPr marL="342900" indent="-342900">
+              <a:buFontTx/>
+              <a:buAutoNum type="arabicPeriod"/>
+            </a:pPr>
+            <a:r>
               <a:rPr lang="ko-KR" altLang="en-US" sz="1000" dirty="0">
                 <a:solidFill>
                   <a:schemeClr val="bg2">
@@ -19388,7 +19408,7 @@
         </p:nvSpPr>
         <p:spPr>
           <a:xfrm>
-            <a:off x="4868619" y="4665055"/>
+            <a:off x="2111864" y="4397526"/>
             <a:ext cx="1101584" cy="215444"/>
           </a:xfrm>
           <a:prstGeom prst="rect">
@@ -19466,7 +19486,7 @@
         </p:nvSpPr>
         <p:spPr>
           <a:xfrm>
-            <a:off x="4859224" y="4879560"/>
+            <a:off x="3381763" y="4394101"/>
             <a:ext cx="1101584" cy="215444"/>
           </a:xfrm>
           <a:prstGeom prst="rect">
@@ -19527,6 +19547,106 @@
                 </a:schemeClr>
               </a:solidFill>
             </a:endParaRPr>
+          </a:p>
+        </p:txBody>
+      </p:sp>
+      <p:sp>
+        <p:nvSpPr>
+          <p:cNvPr id="15" name="직사각형 14">
+            <a:extLst>
+              <a:ext uri="{FF2B5EF4-FFF2-40B4-BE49-F238E27FC236}">
+                <a16:creationId xmlns:a16="http://schemas.microsoft.com/office/drawing/2014/main" id="{38DA580D-D8CD-C03A-C835-06957E6B932D}"/>
+              </a:ext>
+            </a:extLst>
+          </p:cNvPr>
+          <p:cNvSpPr/>
+          <p:nvPr/>
+        </p:nvSpPr>
+        <p:spPr>
+          <a:xfrm>
+            <a:off x="3164956" y="4427368"/>
+            <a:ext cx="169142" cy="146312"/>
+          </a:xfrm>
+          <a:prstGeom prst="rect">
+            <a:avLst/>
+          </a:prstGeom>
+        </p:spPr>
+        <p:style>
+          <a:lnRef idx="2">
+            <a:schemeClr val="accent2">
+              <a:shade val="50000"/>
+            </a:schemeClr>
+          </a:lnRef>
+          <a:fillRef idx="1">
+            <a:schemeClr val="accent2"/>
+          </a:fillRef>
+          <a:effectRef idx="0">
+            <a:schemeClr val="accent2"/>
+          </a:effectRef>
+          <a:fontRef idx="minor">
+            <a:schemeClr val="lt1"/>
+          </a:fontRef>
+        </p:style>
+        <p:txBody>
+          <a:bodyPr rtlCol="0" anchor="ctr"/>
+          <a:lstStyle/>
+          <a:p>
+            <a:pPr algn="ctr"/>
+            <a:r>
+              <a:rPr lang="en-US" altLang="ko-KR" sz="900" dirty="0"/>
+              <a:t>X</a:t>
+            </a:r>
+            <a:endParaRPr lang="ko-KR" altLang="en-US" dirty="0"/>
+          </a:p>
+        </p:txBody>
+      </p:sp>
+      <p:sp>
+        <p:nvSpPr>
+          <p:cNvPr id="16" name="직사각형 15">
+            <a:extLst>
+              <a:ext uri="{FF2B5EF4-FFF2-40B4-BE49-F238E27FC236}">
+                <a16:creationId xmlns:a16="http://schemas.microsoft.com/office/drawing/2014/main" id="{998F7D02-26A9-D5EC-25CD-9B8F1C36F14B}"/>
+              </a:ext>
+            </a:extLst>
+          </p:cNvPr>
+          <p:cNvSpPr/>
+          <p:nvPr/>
+        </p:nvSpPr>
+        <p:spPr>
+          <a:xfrm>
+            <a:off x="4455196" y="4427368"/>
+            <a:ext cx="169142" cy="146312"/>
+          </a:xfrm>
+          <a:prstGeom prst="rect">
+            <a:avLst/>
+          </a:prstGeom>
+        </p:spPr>
+        <p:style>
+          <a:lnRef idx="2">
+            <a:schemeClr val="accent2">
+              <a:shade val="50000"/>
+            </a:schemeClr>
+          </a:lnRef>
+          <a:fillRef idx="1">
+            <a:schemeClr val="accent2"/>
+          </a:fillRef>
+          <a:effectRef idx="0">
+            <a:schemeClr val="accent2"/>
+          </a:effectRef>
+          <a:fontRef idx="minor">
+            <a:schemeClr val="lt1"/>
+          </a:fontRef>
+        </p:style>
+        <p:txBody>
+          <a:bodyPr rtlCol="0" anchor="ctr"/>
+          <a:lstStyle/>
+          <a:p>
+            <a:pPr algn="ctr"/>
+            <a:r>
+              <a:rPr lang="en-US" altLang="ko-KR" sz="900" dirty="0"/>
+              <a:t>X</a:t>
+            </a:r>
+            <a:endParaRPr lang="ko-KR" altLang="en-US" dirty="0"/>
           </a:p>
         </p:txBody>
       </p:sp>
